--- a/Doc/FinalPresentation/PasswordProtectionProgram.pptx
+++ b/Doc/FinalPresentation/PasswordProtectionProgram.pptx
@@ -16,7 +16,6 @@
     <p:sldId id="258" r:id="rId10"/>
     <p:sldId id="268" r:id="rId11"/>
     <p:sldId id="267" r:id="rId12"/>
-    <p:sldId id="260" r:id="rId13"/>
   </p:sldIdLst>
   <p:sldSz cx="12192000" cy="6858000"/>
   <p:notesSz cx="6858000" cy="9144000"/>
@@ -115,6 +114,11 @@
       </a:defRPr>
     </a:lvl9pPr>
   </p:defaultTextStyle>
+  <p:extLst>
+    <p:ext uri="{EFAFB233-063F-42B5-8137-9DF3F51BA10A}">
+      <p15:sldGuideLst xmlns:p15="http://schemas.microsoft.com/office/powerpoint/2012/main"/>
+    </p:ext>
+  </p:extLst>
 </p:presentation>
 </file>
 
@@ -325,7 +329,7 @@
             <a:fld id="{B61BEF0D-F0BB-DE4B-95CE-6DB70DBA9567}" type="datetimeFigureOut">
               <a:rPr lang="en-US" dirty="0"/>
               <a:pPr/>
-              <a:t>11/27/2017</a:t>
+              <a:t>11/28/2017</a:t>
             </a:fld>
             <a:endParaRPr lang="en-US" dirty="0"/>
           </a:p>
@@ -613,7 +617,7 @@
             <a:fld id="{B61BEF0D-F0BB-DE4B-95CE-6DB70DBA9567}" type="datetimeFigureOut">
               <a:rPr lang="en-US" dirty="0"/>
               <a:pPr/>
-              <a:t>11/27/2017</a:t>
+              <a:t>11/28/2017</a:t>
             </a:fld>
             <a:endParaRPr lang="en-US" dirty="0"/>
           </a:p>
@@ -858,7 +862,7 @@
             <a:fld id="{B61BEF0D-F0BB-DE4B-95CE-6DB70DBA9567}" type="datetimeFigureOut">
               <a:rPr lang="en-US" dirty="0"/>
               <a:pPr/>
-              <a:t>11/27/2017</a:t>
+              <a:t>11/28/2017</a:t>
             </a:fld>
             <a:endParaRPr lang="en-US" dirty="0"/>
           </a:p>
@@ -1391,7 +1395,7 @@
             <a:fld id="{B61BEF0D-F0BB-DE4B-95CE-6DB70DBA9567}" type="datetimeFigureOut">
               <a:rPr lang="en-US" dirty="0"/>
               <a:pPr/>
-              <a:t>11/27/2017</a:t>
+              <a:t>11/28/2017</a:t>
             </a:fld>
             <a:endParaRPr lang="en-US" dirty="0"/>
           </a:p>
@@ -1636,7 +1640,7 @@
             <a:fld id="{B61BEF0D-F0BB-DE4B-95CE-6DB70DBA9567}" type="datetimeFigureOut">
               <a:rPr lang="en-US" dirty="0"/>
               <a:pPr/>
-              <a:t>11/27/2017</a:t>
+              <a:t>11/28/2017</a:t>
             </a:fld>
             <a:endParaRPr lang="en-US" dirty="0"/>
           </a:p>
@@ -2176,7 +2180,7 @@
             <a:fld id="{B61BEF0D-F0BB-DE4B-95CE-6DB70DBA9567}" type="datetimeFigureOut">
               <a:rPr lang="en-US" dirty="0"/>
               <a:pPr/>
-              <a:t>11/27/2017</a:t>
+              <a:t>11/28/2017</a:t>
             </a:fld>
             <a:endParaRPr lang="en-US" dirty="0"/>
           </a:p>
@@ -2483,7 +2487,7 @@
             <a:fld id="{B61BEF0D-F0BB-DE4B-95CE-6DB70DBA9567}" type="datetimeFigureOut">
               <a:rPr lang="en-US" dirty="0"/>
               <a:pPr/>
-              <a:t>11/27/2017</a:t>
+              <a:t>11/28/2017</a:t>
             </a:fld>
             <a:endParaRPr lang="en-US" dirty="0"/>
           </a:p>
@@ -2655,7 +2659,7 @@
             <a:fld id="{B61BEF0D-F0BB-DE4B-95CE-6DB70DBA9567}" type="datetimeFigureOut">
               <a:rPr lang="en-US" dirty="0"/>
               <a:pPr/>
-              <a:t>11/27/2017</a:t>
+              <a:t>11/28/2017</a:t>
             </a:fld>
             <a:endParaRPr lang="en-US" dirty="0"/>
           </a:p>
@@ -2832,7 +2836,7 @@
             <a:fld id="{B61BEF0D-F0BB-DE4B-95CE-6DB70DBA9567}" type="datetimeFigureOut">
               <a:rPr lang="en-US" dirty="0"/>
               <a:pPr/>
-              <a:t>11/27/2017</a:t>
+              <a:t>11/28/2017</a:t>
             </a:fld>
             <a:endParaRPr lang="en-US" dirty="0"/>
           </a:p>
@@ -2999,7 +3003,7 @@
             <a:fld id="{B61BEF0D-F0BB-DE4B-95CE-6DB70DBA9567}" type="datetimeFigureOut">
               <a:rPr lang="en-US" dirty="0"/>
               <a:pPr/>
-              <a:t>11/27/2017</a:t>
+              <a:t>11/28/2017</a:t>
             </a:fld>
             <a:endParaRPr lang="en-US" dirty="0"/>
           </a:p>
@@ -3242,7 +3246,7 @@
             <a:fld id="{B61BEF0D-F0BB-DE4B-95CE-6DB70DBA9567}" type="datetimeFigureOut">
               <a:rPr lang="en-US" dirty="0"/>
               <a:pPr/>
-              <a:t>11/27/2017</a:t>
+              <a:t>11/28/2017</a:t>
             </a:fld>
             <a:endParaRPr lang="en-US" dirty="0"/>
           </a:p>
@@ -3531,7 +3535,7 @@
             <a:fld id="{B61BEF0D-F0BB-DE4B-95CE-6DB70DBA9567}" type="datetimeFigureOut">
               <a:rPr lang="en-US" dirty="0"/>
               <a:pPr/>
-              <a:t>11/27/2017</a:t>
+              <a:t>11/28/2017</a:t>
             </a:fld>
             <a:endParaRPr lang="en-US" dirty="0"/>
           </a:p>
@@ -3958,7 +3962,7 @@
             <a:fld id="{B61BEF0D-F0BB-DE4B-95CE-6DB70DBA9567}" type="datetimeFigureOut">
               <a:rPr lang="en-US" dirty="0"/>
               <a:pPr/>
-              <a:t>11/27/2017</a:t>
+              <a:t>11/28/2017</a:t>
             </a:fld>
             <a:endParaRPr lang="en-US" dirty="0"/>
           </a:p>
@@ -4078,7 +4082,7 @@
             <a:fld id="{B61BEF0D-F0BB-DE4B-95CE-6DB70DBA9567}" type="datetimeFigureOut">
               <a:rPr lang="en-US" dirty="0"/>
               <a:pPr/>
-              <a:t>11/27/2017</a:t>
+              <a:t>11/28/2017</a:t>
             </a:fld>
             <a:endParaRPr lang="en-US" dirty="0"/>
           </a:p>
@@ -4170,7 +4174,7 @@
             <a:fld id="{B61BEF0D-F0BB-DE4B-95CE-6DB70DBA9567}" type="datetimeFigureOut">
               <a:rPr lang="en-US" dirty="0"/>
               <a:pPr/>
-              <a:t>11/27/2017</a:t>
+              <a:t>11/28/2017</a:t>
             </a:fld>
             <a:endParaRPr lang="en-US" dirty="0"/>
           </a:p>
@@ -4450,7 +4454,7 @@
             <a:fld id="{B61BEF0D-F0BB-DE4B-95CE-6DB70DBA9567}" type="datetimeFigureOut">
               <a:rPr lang="en-US" dirty="0"/>
               <a:pPr/>
-              <a:t>11/27/2017</a:t>
+              <a:t>11/28/2017</a:t>
             </a:fld>
             <a:endParaRPr lang="en-US" dirty="0"/>
           </a:p>
@@ -4738,7 +4742,7 @@
             <a:fld id="{B61BEF0D-F0BB-DE4B-95CE-6DB70DBA9567}" type="datetimeFigureOut">
               <a:rPr lang="en-US" dirty="0"/>
               <a:pPr/>
-              <a:t>11/27/2017</a:t>
+              <a:t>11/28/2017</a:t>
             </a:fld>
             <a:endParaRPr lang="en-US" dirty="0"/>
           </a:p>
@@ -4966,7 +4970,7 @@
             <a:fld id="{B61BEF0D-F0BB-DE4B-95CE-6DB70DBA9567}" type="datetimeFigureOut">
               <a:rPr lang="en-US" dirty="0"/>
               <a:pPr/>
-              <a:t>11/27/2017</a:t>
+              <a:t>11/28/2017</a:t>
             </a:fld>
             <a:endParaRPr lang="en-US" dirty="0"/>
           </a:p>
@@ -5751,7 +5755,12 @@
             <p:ph type="title"/>
           </p:nvPr>
         </p:nvSpPr>
-        <p:spPr/>
+        <p:spPr>
+          <a:xfrm>
+            <a:off x="1143001" y="177082"/>
+            <a:ext cx="9905998" cy="1227517"/>
+          </a:xfrm>
+        </p:spPr>
         <p:txBody>
           <a:bodyPr/>
           <a:lstStyle/>
@@ -5763,31 +5772,35 @@
           </a:p>
         </p:txBody>
       </p:sp>
-      <p:sp>
-        <p:nvSpPr>
-          <p:cNvPr id="3" name="Content Placeholder 2">
+      <p:pic>
+        <p:nvPicPr>
+          <p:cNvPr id="5" name="Content Placeholder 4">
             <a:extLst>
               <a:ext uri="{FF2B5EF4-FFF2-40B4-BE49-F238E27FC236}">
-                <a16:creationId xmlns:a16="http://schemas.microsoft.com/office/drawing/2014/main" id="{FF9D6E97-C44D-42A4-8051-DBED06B61265}"/>
+                <a16:creationId xmlns:a16="http://schemas.microsoft.com/office/drawing/2014/main" id="{15328249-776D-49B9-8F40-93CA7E1002A1}"/>
               </a:ext>
             </a:extLst>
           </p:cNvPr>
-          <p:cNvSpPr>
-            <a:spLocks noGrp="1"/>
-          </p:cNvSpPr>
+          <p:cNvPicPr>
+            <a:picLocks noGrp="1" noChangeAspect="1"/>
+          </p:cNvPicPr>
           <p:nvPr>
             <p:ph idx="1"/>
           </p:nvPr>
-        </p:nvSpPr>
-        <p:spPr/>
-        <p:txBody>
-          <a:bodyPr/>
-          <a:lstStyle/>
-          <a:p>
-            <a:endParaRPr lang="en-CA"/>
-          </a:p>
-        </p:txBody>
-      </p:sp>
+        </p:nvPicPr>
+        <p:blipFill>
+          <a:blip r:embed="rId2"/>
+          <a:stretch>
+            <a:fillRect/>
+          </a:stretch>
+        </p:blipFill>
+        <p:spPr>
+          <a:xfrm>
+            <a:off x="1730477" y="1336596"/>
+            <a:ext cx="8731045" cy="5304402"/>
+          </a:xfrm>
+        </p:spPr>
+      </p:pic>
     </p:spTree>
     <p:extLst>
       <p:ext uri="{BB962C8B-B14F-4D97-AF65-F5344CB8AC3E}">
@@ -5820,34 +5833,6 @@
       </p:grpSpPr>
       <p:sp>
         <p:nvSpPr>
-          <p:cNvPr id="2" name="Title 1">
-            <a:extLst>
-              <a:ext uri="{FF2B5EF4-FFF2-40B4-BE49-F238E27FC236}">
-                <a16:creationId xmlns:a16="http://schemas.microsoft.com/office/drawing/2014/main" id="{C165D49C-9449-49A8-BEB6-E0EC6ADFCD35}"/>
-              </a:ext>
-            </a:extLst>
-          </p:cNvPr>
-          <p:cNvSpPr>
-            <a:spLocks noGrp="1"/>
-          </p:cNvSpPr>
-          <p:nvPr>
-            <p:ph type="title"/>
-          </p:nvPr>
-        </p:nvSpPr>
-        <p:spPr/>
-        <p:txBody>
-          <a:bodyPr/>
-          <a:lstStyle/>
-          <a:p>
-            <a:r>
-              <a:rPr lang="en-CA" dirty="0"/>
-              <a:t>Future Plans</a:t>
-            </a:r>
-          </a:p>
-        </p:txBody>
-      </p:sp>
-      <p:sp>
-        <p:nvSpPr>
           <p:cNvPr id="3" name="Content Placeholder 2">
             <a:extLst>
               <a:ext uri="{FF2B5EF4-FFF2-40B4-BE49-F238E27FC236}">
@@ -5862,79 +5847,177 @@
             <p:ph idx="1"/>
           </p:nvPr>
         </p:nvSpPr>
-        <p:spPr/>
-        <p:txBody>
-          <a:bodyPr/>
-          <a:lstStyle/>
-          <a:p>
-            <a:endParaRPr lang="en-CA"/>
-          </a:p>
-        </p:txBody>
-      </p:sp>
-    </p:spTree>
-    <p:extLst>
-      <p:ext uri="{BB962C8B-B14F-4D97-AF65-F5344CB8AC3E}">
-        <p14:creationId xmlns:p14="http://schemas.microsoft.com/office/powerpoint/2010/main" val="1798751399"/>
-      </p:ext>
-    </p:extLst>
-  </p:cSld>
-  <p:clrMapOvr>
-    <a:masterClrMapping/>
-  </p:clrMapOvr>
-</p:sld>
-</file>
-
-<file path=ppt/slides/slide12.xml><?xml version="1.0" encoding="utf-8"?>
-<p:sld xmlns:a="http://schemas.openxmlformats.org/drawingml/2006/main" xmlns:r="http://schemas.openxmlformats.org/officeDocument/2006/relationships" xmlns:p="http://schemas.openxmlformats.org/presentationml/2006/main">
-  <p:cSld>
-    <p:spTree>
-      <p:nvGrpSpPr>
-        <p:cNvPr id="1" name=""/>
-        <p:cNvGrpSpPr/>
-        <p:nvPr/>
-      </p:nvGrpSpPr>
-      <p:grpSpPr>
-        <a:xfrm>
-          <a:off x="0" y="0"/>
-          <a:ext cx="0" cy="0"/>
-          <a:chOff x="0" y="0"/>
-          <a:chExt cx="0" cy="0"/>
-        </a:xfrm>
-      </p:grpSpPr>
-      <p:pic>
-        <p:nvPicPr>
-          <p:cNvPr id="2" name="Picture 1">
+        <p:spPr>
+          <a:xfrm>
+            <a:off x="1141413" y="1769807"/>
+            <a:ext cx="9905998" cy="4021394"/>
+          </a:xfrm>
+        </p:spPr>
+        <p:txBody>
+          <a:bodyPr>
+            <a:normAutofit/>
+          </a:bodyPr>
+          <a:lstStyle/>
+          <a:p>
+            <a:r>
+              <a:rPr lang="en-CA" sz="2800" dirty="0"/>
+              <a:t>“forgot master password” </a:t>
+            </a:r>
+          </a:p>
+          <a:p>
+            <a:pPr lvl="1"/>
+            <a:r>
+              <a:rPr lang="en-CA" sz="2400" dirty="0"/>
+              <a:t>Possibly 2 factor authentication</a:t>
+            </a:r>
+          </a:p>
+          <a:p>
+            <a:r>
+              <a:rPr lang="en-CA" sz="2800" dirty="0"/>
+              <a:t>Security requirements for changing master password</a:t>
+            </a:r>
+          </a:p>
+          <a:p>
+            <a:r>
+              <a:rPr lang="en-CA" sz="2800" dirty="0"/>
+              <a:t>Sorting by account types</a:t>
+            </a:r>
+          </a:p>
+        </p:txBody>
+      </p:sp>
+      <p:sp>
+        <p:nvSpPr>
+          <p:cNvPr id="4" name="Title 1">
             <a:extLst>
               <a:ext uri="{FF2B5EF4-FFF2-40B4-BE49-F238E27FC236}">
-                <a16:creationId xmlns:a16="http://schemas.microsoft.com/office/drawing/2014/main" id="{AB41F32B-AC00-42A2-A45A-091D3254105D}"/>
+                <a16:creationId xmlns:a16="http://schemas.microsoft.com/office/drawing/2014/main" id="{11F8A941-0889-4019-986D-FDCEC43428C6}"/>
               </a:ext>
             </a:extLst>
           </p:cNvPr>
-          <p:cNvPicPr>
-            <a:picLocks noChangeAspect="1"/>
-          </p:cNvPicPr>
+          <p:cNvSpPr txBox="1">
+            <a:spLocks/>
+          </p:cNvSpPr>
           <p:nvPr/>
-        </p:nvPicPr>
-        <p:blipFill>
-          <a:blip r:embed="rId2"/>
-          <a:stretch>
-            <a:fillRect/>
-          </a:stretch>
-        </p:blipFill>
+        </p:nvSpPr>
         <p:spPr>
           <a:xfrm>
-            <a:off x="2581275" y="476250"/>
-            <a:ext cx="7029450" cy="5905500"/>
+            <a:off x="1143001" y="177082"/>
+            <a:ext cx="9905998" cy="1227517"/>
           </a:xfrm>
           <a:prstGeom prst="rect">
             <a:avLst/>
           </a:prstGeom>
         </p:spPr>
-      </p:pic>
+        <p:txBody>
+          <a:bodyPr vert="horz" lIns="91440" tIns="45720" rIns="91440" bIns="45720" rtlCol="0" anchor="ctr">
+            <a:normAutofit/>
+          </a:bodyPr>
+          <a:lstStyle>
+            <a:lvl1pPr algn="l" defTabSz="457200" rtl="0" eaLnBrk="1" latinLnBrk="0" hangingPunct="1">
+              <a:spcBef>
+                <a:spcPct val="0"/>
+              </a:spcBef>
+              <a:buNone/>
+              <a:defRPr sz="3200" kern="1200" cap="all">
+                <a:ln w="3175" cmpd="sng">
+                  <a:noFill/>
+                </a:ln>
+                <a:solidFill>
+                  <a:schemeClr val="accent1"/>
+                </a:solidFill>
+                <a:effectLst>
+                  <a:glow rad="38100">
+                    <a:schemeClr val="bg1">
+                      <a:lumMod val="65000"/>
+                      <a:lumOff val="35000"/>
+                      <a:alpha val="40000"/>
+                    </a:schemeClr>
+                  </a:glow>
+                  <a:outerShdw blurRad="28575" dist="38100" dir="14040000" algn="tl" rotWithShape="0">
+                    <a:srgbClr val="000000">
+                      <a:alpha val="25000"/>
+                    </a:srgbClr>
+                  </a:outerShdw>
+                </a:effectLst>
+                <a:latin typeface="+mj-lt"/>
+                <a:ea typeface="+mj-ea"/>
+                <a:cs typeface="+mj-cs"/>
+              </a:defRPr>
+            </a:lvl1pPr>
+            <a:lvl2pPr eaLnBrk="1" hangingPunct="1">
+              <a:defRPr>
+                <a:solidFill>
+                  <a:schemeClr val="tx2"/>
+                </a:solidFill>
+              </a:defRPr>
+            </a:lvl2pPr>
+            <a:lvl3pPr eaLnBrk="1" hangingPunct="1">
+              <a:defRPr>
+                <a:solidFill>
+                  <a:schemeClr val="tx2"/>
+                </a:solidFill>
+              </a:defRPr>
+            </a:lvl3pPr>
+            <a:lvl4pPr eaLnBrk="1" hangingPunct="1">
+              <a:defRPr>
+                <a:solidFill>
+                  <a:schemeClr val="tx2"/>
+                </a:solidFill>
+              </a:defRPr>
+            </a:lvl4pPr>
+            <a:lvl5pPr eaLnBrk="1" hangingPunct="1">
+              <a:defRPr>
+                <a:solidFill>
+                  <a:schemeClr val="tx2"/>
+                </a:solidFill>
+              </a:defRPr>
+            </a:lvl5pPr>
+            <a:lvl6pPr eaLnBrk="1" hangingPunct="1">
+              <a:defRPr>
+                <a:solidFill>
+                  <a:schemeClr val="tx2"/>
+                </a:solidFill>
+              </a:defRPr>
+            </a:lvl6pPr>
+            <a:lvl7pPr eaLnBrk="1" hangingPunct="1">
+              <a:defRPr>
+                <a:solidFill>
+                  <a:schemeClr val="tx2"/>
+                </a:solidFill>
+              </a:defRPr>
+            </a:lvl7pPr>
+            <a:lvl8pPr eaLnBrk="1" hangingPunct="1">
+              <a:defRPr>
+                <a:solidFill>
+                  <a:schemeClr val="tx2"/>
+                </a:solidFill>
+              </a:defRPr>
+            </a:lvl8pPr>
+            <a:lvl9pPr eaLnBrk="1" hangingPunct="1">
+              <a:defRPr>
+                <a:solidFill>
+                  <a:schemeClr val="tx2"/>
+                </a:solidFill>
+              </a:defRPr>
+            </a:lvl9pPr>
+          </a:lstStyle>
+          <a:p>
+            <a:r>
+              <a:rPr lang="en-CA" dirty="0"/>
+              <a:t>Future </a:t>
+            </a:r>
+            <a:r>
+              <a:rPr lang="en-CA" dirty="0" err="1"/>
+              <a:t>PLans</a:t>
+            </a:r>
+            <a:endParaRPr lang="en-CA" dirty="0"/>
+          </a:p>
+        </p:txBody>
+      </p:sp>
     </p:spTree>
     <p:extLst>
       <p:ext uri="{BB962C8B-B14F-4D97-AF65-F5344CB8AC3E}">
-        <p14:creationId xmlns:p14="http://schemas.microsoft.com/office/powerpoint/2010/main" val="1104670424"/>
+        <p14:creationId xmlns:p14="http://schemas.microsoft.com/office/powerpoint/2010/main" val="1798751399"/>
       </p:ext>
     </p:extLst>
   </p:cSld>
@@ -5963,34 +6046,6 @@
       </p:grpSpPr>
       <p:sp>
         <p:nvSpPr>
-          <p:cNvPr id="2" name="Title 1">
-            <a:extLst>
-              <a:ext uri="{FF2B5EF4-FFF2-40B4-BE49-F238E27FC236}">
-                <a16:creationId xmlns:a16="http://schemas.microsoft.com/office/drawing/2014/main" id="{8C806F94-2460-44B4-B2CD-D2E26A93A1B1}"/>
-              </a:ext>
-            </a:extLst>
-          </p:cNvPr>
-          <p:cNvSpPr>
-            <a:spLocks noGrp="1"/>
-          </p:cNvSpPr>
-          <p:nvPr>
-            <p:ph type="title"/>
-          </p:nvPr>
-        </p:nvSpPr>
-        <p:spPr/>
-        <p:txBody>
-          <a:bodyPr/>
-          <a:lstStyle/>
-          <a:p>
-            <a:r>
-              <a:rPr lang="en-CA" dirty="0"/>
-              <a:t>Introduction - purpose</a:t>
-            </a:r>
-          </a:p>
-        </p:txBody>
-      </p:sp>
-      <p:sp>
-        <p:nvSpPr>
           <p:cNvPr id="3" name="Content Placeholder 2">
             <a:extLst>
               <a:ext uri="{FF2B5EF4-FFF2-40B4-BE49-F238E27FC236}">
@@ -6005,12 +6060,53 @@
             <p:ph idx="1"/>
           </p:nvPr>
         </p:nvSpPr>
-        <p:spPr/>
+        <p:spPr>
+          <a:xfrm>
+            <a:off x="1141413" y="1602658"/>
+            <a:ext cx="9905998" cy="4355690"/>
+          </a:xfrm>
+        </p:spPr>
         <p:txBody>
           <a:bodyPr>
-            <a:normAutofit/>
+            <a:normAutofit lnSpcReduction="10000"/>
           </a:bodyPr>
           <a:lstStyle/>
+          <a:p>
+            <a:pPr marL="0" indent="0">
+              <a:buNone/>
+            </a:pPr>
+            <a:r>
+              <a:rPr lang="en-CA" sz="2400" b="1" dirty="0"/>
+              <a:t>PROBLEM</a:t>
+            </a:r>
+          </a:p>
+          <a:p>
+            <a:r>
+              <a:rPr lang="en-CA" sz="2400" dirty="0"/>
+              <a:t>Insecure password choices</a:t>
+            </a:r>
+          </a:p>
+          <a:p>
+            <a:r>
+              <a:rPr lang="en-CA" sz="2400" dirty="0"/>
+              <a:t>Poor memory</a:t>
+            </a:r>
+          </a:p>
+          <a:p>
+            <a:pPr marL="0" indent="0">
+              <a:buNone/>
+            </a:pPr>
+            <a:endParaRPr lang="en-CA" sz="2400" b="1" dirty="0"/>
+          </a:p>
+          <a:p>
+            <a:pPr marL="0" indent="0">
+              <a:buNone/>
+            </a:pPr>
+            <a:r>
+              <a:rPr lang="en-CA" sz="2400" b="1" dirty="0"/>
+              <a:t>SOLUTION</a:t>
+            </a:r>
+          </a:p>
           <a:p>
             <a:r>
               <a:rPr lang="en-CA" sz="2400" dirty="0"/>
@@ -6020,6 +6116,12 @@
           <a:p>
             <a:r>
               <a:rPr lang="en-CA" sz="2400" dirty="0"/>
+              <a:t>Single Master Password</a:t>
+            </a:r>
+          </a:p>
+          <a:p>
+            <a:r>
+              <a:rPr lang="en-CA" sz="2400" dirty="0"/>
               <a:t>User-friendly interface</a:t>
             </a:r>
           </a:p>
@@ -6027,6 +6129,39 @@
             <a:r>
               <a:rPr lang="en-CA" sz="2400" dirty="0"/>
               <a:t>Intuitive</a:t>
+            </a:r>
+          </a:p>
+        </p:txBody>
+      </p:sp>
+      <p:sp>
+        <p:nvSpPr>
+          <p:cNvPr id="6" name="Title 1">
+            <a:extLst>
+              <a:ext uri="{FF2B5EF4-FFF2-40B4-BE49-F238E27FC236}">
+                <a16:creationId xmlns:a16="http://schemas.microsoft.com/office/drawing/2014/main" id="{950D92EC-EA4B-4910-AE6E-FD4E87687FBC}"/>
+              </a:ext>
+            </a:extLst>
+          </p:cNvPr>
+          <p:cNvSpPr>
+            <a:spLocks noGrp="1"/>
+          </p:cNvSpPr>
+          <p:nvPr>
+            <p:ph type="title"/>
+          </p:nvPr>
+        </p:nvSpPr>
+        <p:spPr>
+          <a:xfrm>
+            <a:off x="1143001" y="177082"/>
+            <a:ext cx="9905998" cy="1227517"/>
+          </a:xfrm>
+        </p:spPr>
+        <p:txBody>
+          <a:bodyPr/>
+          <a:lstStyle/>
+          <a:p>
+            <a:r>
+              <a:rPr lang="en-CA" dirty="0"/>
+              <a:t>Introduction - purpose</a:t>
             </a:r>
           </a:p>
         </p:txBody>
@@ -6063,34 +6198,6 @@
       </p:grpSpPr>
       <p:sp>
         <p:nvSpPr>
-          <p:cNvPr id="2" name="Title 1">
-            <a:extLst>
-              <a:ext uri="{FF2B5EF4-FFF2-40B4-BE49-F238E27FC236}">
-                <a16:creationId xmlns:a16="http://schemas.microsoft.com/office/drawing/2014/main" id="{5287D694-A910-4C77-BB2B-E3F02605C4E4}"/>
-              </a:ext>
-            </a:extLst>
-          </p:cNvPr>
-          <p:cNvSpPr>
-            <a:spLocks noGrp="1"/>
-          </p:cNvSpPr>
-          <p:nvPr>
-            <p:ph type="title"/>
-          </p:nvPr>
-        </p:nvSpPr>
-        <p:spPr/>
-        <p:txBody>
-          <a:bodyPr/>
-          <a:lstStyle/>
-          <a:p>
-            <a:r>
-              <a:rPr lang="en-CA" dirty="0"/>
-              <a:t>Introduction - Scope</a:t>
-            </a:r>
-          </a:p>
-        </p:txBody>
-      </p:sp>
-      <p:sp>
-        <p:nvSpPr>
           <p:cNvPr id="3" name="Content Placeholder 2">
             <a:extLst>
               <a:ext uri="{FF2B5EF4-FFF2-40B4-BE49-F238E27FC236}">
@@ -6105,12 +6212,67 @@
             <p:ph idx="1"/>
           </p:nvPr>
         </p:nvSpPr>
-        <p:spPr/>
+        <p:spPr>
+          <a:xfrm>
+            <a:off x="1141413" y="1887795"/>
+            <a:ext cx="9905998" cy="3903406"/>
+          </a:xfrm>
+        </p:spPr>
+        <p:txBody>
+          <a:bodyPr>
+            <a:normAutofit/>
+          </a:bodyPr>
+          <a:lstStyle/>
+          <a:p>
+            <a:r>
+              <a:rPr lang="en-CA" sz="2400" dirty="0"/>
+              <a:t>Offline, Desktop Implementation</a:t>
+            </a:r>
+          </a:p>
+          <a:p>
+            <a:r>
+              <a:rPr lang="en-CA" sz="2400" dirty="0"/>
+              <a:t>Python Cryptography Library</a:t>
+            </a:r>
+          </a:p>
+          <a:p>
+            <a:r>
+              <a:rPr lang="en-CA" sz="2400" dirty="0"/>
+              <a:t>One Factor Authentication</a:t>
+            </a:r>
+          </a:p>
+        </p:txBody>
+      </p:sp>
+      <p:sp>
+        <p:nvSpPr>
+          <p:cNvPr id="6" name="Title 1">
+            <a:extLst>
+              <a:ext uri="{FF2B5EF4-FFF2-40B4-BE49-F238E27FC236}">
+                <a16:creationId xmlns:a16="http://schemas.microsoft.com/office/drawing/2014/main" id="{C33CBBCB-B604-4DCB-AA9D-9C99CD661FB5}"/>
+              </a:ext>
+            </a:extLst>
+          </p:cNvPr>
+          <p:cNvSpPr>
+            <a:spLocks noGrp="1"/>
+          </p:cNvSpPr>
+          <p:nvPr>
+            <p:ph type="title"/>
+          </p:nvPr>
+        </p:nvSpPr>
+        <p:spPr>
+          <a:xfrm>
+            <a:off x="1143001" y="177082"/>
+            <a:ext cx="9905998" cy="1227517"/>
+          </a:xfrm>
+        </p:spPr>
         <p:txBody>
           <a:bodyPr/>
           <a:lstStyle/>
           <a:p>
-            <a:endParaRPr lang="en-CA"/>
+            <a:r>
+              <a:rPr lang="en-CA" dirty="0"/>
+              <a:t>Introduction - Scope</a:t>
+            </a:r>
           </a:p>
         </p:txBody>
       </p:sp>
@@ -6166,7 +6328,7 @@
         </p:blipFill>
         <p:spPr>
           <a:xfrm>
-            <a:off x="794085" y="1389021"/>
+            <a:off x="779023" y="1860970"/>
             <a:ext cx="4882681" cy="4079958"/>
           </a:xfrm>
           <a:prstGeom prst="rect">
@@ -6196,7 +6358,7 @@
         </p:blipFill>
         <p:spPr>
           <a:xfrm>
-            <a:off x="6303995" y="1389021"/>
+            <a:off x="6324333" y="1860970"/>
             <a:ext cx="4901248" cy="4079958"/>
           </a:xfrm>
           <a:prstGeom prst="rect">
@@ -6360,6 +6522,128 @@
           </a:p>
         </p:txBody>
       </p:sp>
+      <p:sp>
+        <p:nvSpPr>
+          <p:cNvPr id="10" name="Title 1">
+            <a:extLst>
+              <a:ext uri="{FF2B5EF4-FFF2-40B4-BE49-F238E27FC236}">
+                <a16:creationId xmlns:a16="http://schemas.microsoft.com/office/drawing/2014/main" id="{96BD551F-0E58-4598-8CDC-772F306DE940}"/>
+              </a:ext>
+            </a:extLst>
+          </p:cNvPr>
+          <p:cNvSpPr txBox="1">
+            <a:spLocks/>
+          </p:cNvSpPr>
+          <p:nvPr/>
+        </p:nvSpPr>
+        <p:spPr>
+          <a:xfrm>
+            <a:off x="1143001" y="510207"/>
+            <a:ext cx="9905998" cy="1227517"/>
+          </a:xfrm>
+          <a:prstGeom prst="rect">
+            <a:avLst/>
+          </a:prstGeom>
+        </p:spPr>
+        <p:txBody>
+          <a:bodyPr/>
+          <a:lstStyle>
+            <a:lvl1pPr algn="l" defTabSz="457200" rtl="0" eaLnBrk="1" latinLnBrk="0" hangingPunct="1">
+              <a:spcBef>
+                <a:spcPct val="0"/>
+              </a:spcBef>
+              <a:buNone/>
+              <a:defRPr sz="3200" kern="1200" cap="all">
+                <a:ln w="3175" cmpd="sng">
+                  <a:noFill/>
+                </a:ln>
+                <a:solidFill>
+                  <a:schemeClr val="accent1"/>
+                </a:solidFill>
+                <a:effectLst>
+                  <a:glow rad="38100">
+                    <a:schemeClr val="bg1">
+                      <a:lumMod val="65000"/>
+                      <a:lumOff val="35000"/>
+                      <a:alpha val="40000"/>
+                    </a:schemeClr>
+                  </a:glow>
+                  <a:outerShdw blurRad="28575" dist="38100" dir="14040000" algn="tl" rotWithShape="0">
+                    <a:srgbClr val="000000">
+                      <a:alpha val="25000"/>
+                    </a:srgbClr>
+                  </a:outerShdw>
+                </a:effectLst>
+                <a:latin typeface="+mj-lt"/>
+                <a:ea typeface="+mj-ea"/>
+                <a:cs typeface="+mj-cs"/>
+              </a:defRPr>
+            </a:lvl1pPr>
+            <a:lvl2pPr eaLnBrk="1" hangingPunct="1">
+              <a:defRPr>
+                <a:solidFill>
+                  <a:schemeClr val="tx2"/>
+                </a:solidFill>
+              </a:defRPr>
+            </a:lvl2pPr>
+            <a:lvl3pPr eaLnBrk="1" hangingPunct="1">
+              <a:defRPr>
+                <a:solidFill>
+                  <a:schemeClr val="tx2"/>
+                </a:solidFill>
+              </a:defRPr>
+            </a:lvl3pPr>
+            <a:lvl4pPr eaLnBrk="1" hangingPunct="1">
+              <a:defRPr>
+                <a:solidFill>
+                  <a:schemeClr val="tx2"/>
+                </a:solidFill>
+              </a:defRPr>
+            </a:lvl4pPr>
+            <a:lvl5pPr eaLnBrk="1" hangingPunct="1">
+              <a:defRPr>
+                <a:solidFill>
+                  <a:schemeClr val="tx2"/>
+                </a:solidFill>
+              </a:defRPr>
+            </a:lvl5pPr>
+            <a:lvl6pPr eaLnBrk="1" hangingPunct="1">
+              <a:defRPr>
+                <a:solidFill>
+                  <a:schemeClr val="tx2"/>
+                </a:solidFill>
+              </a:defRPr>
+            </a:lvl6pPr>
+            <a:lvl7pPr eaLnBrk="1" hangingPunct="1">
+              <a:defRPr>
+                <a:solidFill>
+                  <a:schemeClr val="tx2"/>
+                </a:solidFill>
+              </a:defRPr>
+            </a:lvl7pPr>
+            <a:lvl8pPr eaLnBrk="1" hangingPunct="1">
+              <a:defRPr>
+                <a:solidFill>
+                  <a:schemeClr val="tx2"/>
+                </a:solidFill>
+              </a:defRPr>
+            </a:lvl8pPr>
+            <a:lvl9pPr eaLnBrk="1" hangingPunct="1">
+              <a:defRPr>
+                <a:solidFill>
+                  <a:schemeClr val="tx2"/>
+                </a:solidFill>
+              </a:defRPr>
+            </a:lvl9pPr>
+          </a:lstStyle>
+          <a:p>
+            <a:r>
+              <a:rPr lang="en-CA" dirty="0"/>
+              <a:t>Padlock</a:t>
+            </a:r>
+          </a:p>
+        </p:txBody>
+      </p:sp>
     </p:spTree>
     <p:extLst>
       <p:ext uri="{BB962C8B-B14F-4D97-AF65-F5344CB8AC3E}">
@@ -6390,56 +6674,95 @@
           <a:chExt cx="0" cy="0"/>
         </a:xfrm>
       </p:grpSpPr>
-      <p:sp>
-        <p:nvSpPr>
-          <p:cNvPr id="2" name="Title 1">
+      <p:pic>
+        <p:nvPicPr>
+          <p:cNvPr id="5" name="Content Placeholder 4">
             <a:extLst>
               <a:ext uri="{FF2B5EF4-FFF2-40B4-BE49-F238E27FC236}">
-                <a16:creationId xmlns:a16="http://schemas.microsoft.com/office/drawing/2014/main" id="{3E28D01E-9870-47C5-B4F1-A1B0B83BA1B7}"/>
+                <a16:creationId xmlns:a16="http://schemas.microsoft.com/office/drawing/2014/main" id="{1198C28F-733A-4B9F-9596-50D7B9A4BBD5}"/>
               </a:ext>
             </a:extLst>
           </p:cNvPr>
-          <p:cNvSpPr>
-            <a:spLocks noGrp="1"/>
-          </p:cNvSpPr>
-          <p:nvPr>
-            <p:ph type="title"/>
-          </p:nvPr>
-        </p:nvSpPr>
-        <p:spPr/>
-        <p:txBody>
-          <a:bodyPr/>
-          <a:lstStyle/>
-          <a:p>
-            <a:r>
-              <a:rPr lang="en-CA" dirty="0"/>
-              <a:t>Demonstration</a:t>
-            </a:r>
-          </a:p>
-        </p:txBody>
-      </p:sp>
-      <p:sp>
-        <p:nvSpPr>
-          <p:cNvPr id="3" name="Content Placeholder 2">
+          <p:cNvPicPr>
+            <a:picLocks noGrp="1" noChangeAspect="1"/>
+          </p:cNvPicPr>
+          <p:nvPr>
+            <p:ph idx="1"/>
+          </p:nvPr>
+        </p:nvPicPr>
+        <p:blipFill>
+          <a:blip r:embed="rId2"/>
+          <a:stretch>
+            <a:fillRect/>
+          </a:stretch>
+        </p:blipFill>
+        <p:spPr>
+          <a:xfrm>
+            <a:off x="638125" y="1994070"/>
+            <a:ext cx="4768145" cy="4092098"/>
+          </a:xfrm>
+        </p:spPr>
+      </p:pic>
+      <p:pic>
+        <p:nvPicPr>
+          <p:cNvPr id="7" name="Picture 6">
             <a:extLst>
               <a:ext uri="{FF2B5EF4-FFF2-40B4-BE49-F238E27FC236}">
-                <a16:creationId xmlns:a16="http://schemas.microsoft.com/office/drawing/2014/main" id="{FE3ECC2E-E589-4582-AF9C-2AF7598B724A}"/>
+                <a16:creationId xmlns:a16="http://schemas.microsoft.com/office/drawing/2014/main" id="{36E5A5C5-376E-462D-82EA-90A5E655736F}"/>
               </a:ext>
             </a:extLst>
           </p:cNvPr>
-          <p:cNvSpPr>
-            <a:spLocks noGrp="1"/>
-          </p:cNvSpPr>
-          <p:nvPr>
-            <p:ph idx="1"/>
-          </p:nvPr>
-        </p:nvSpPr>
-        <p:spPr/>
+          <p:cNvPicPr>
+            <a:picLocks noChangeAspect="1"/>
+          </p:cNvPicPr>
+          <p:nvPr/>
+        </p:nvPicPr>
+        <p:blipFill>
+          <a:blip r:embed="rId3"/>
+          <a:stretch>
+            <a:fillRect/>
+          </a:stretch>
+        </p:blipFill>
+        <p:spPr>
+          <a:xfrm>
+            <a:off x="5978337" y="1994070"/>
+            <a:ext cx="5781043" cy="4092098"/>
+          </a:xfrm>
+          <a:prstGeom prst="rect">
+            <a:avLst/>
+          </a:prstGeom>
+        </p:spPr>
+      </p:pic>
+      <p:sp>
+        <p:nvSpPr>
+          <p:cNvPr id="10" name="Title 1">
+            <a:extLst>
+              <a:ext uri="{FF2B5EF4-FFF2-40B4-BE49-F238E27FC236}">
+                <a16:creationId xmlns:a16="http://schemas.microsoft.com/office/drawing/2014/main" id="{B901DE0C-F031-45EA-B506-36089DEDC9E8}"/>
+              </a:ext>
+            </a:extLst>
+          </p:cNvPr>
+          <p:cNvSpPr>
+            <a:spLocks noGrp="1"/>
+          </p:cNvSpPr>
+          <p:nvPr>
+            <p:ph type="title"/>
+          </p:nvPr>
+        </p:nvSpPr>
+        <p:spPr>
+          <a:xfrm>
+            <a:off x="1143001" y="177082"/>
+            <a:ext cx="9905998" cy="1227517"/>
+          </a:xfrm>
+        </p:spPr>
         <p:txBody>
           <a:bodyPr/>
           <a:lstStyle/>
           <a:p>
-            <a:endParaRPr lang="en-CA"/>
+            <a:r>
+              <a:rPr lang="en-CA" dirty="0"/>
+              <a:t>Demonstration</a:t>
+            </a:r>
           </a:p>
         </p:txBody>
       </p:sp>
@@ -6475,34 +6798,6 @@
       </p:grpSpPr>
       <p:sp>
         <p:nvSpPr>
-          <p:cNvPr id="2" name="Title 1">
-            <a:extLst>
-              <a:ext uri="{FF2B5EF4-FFF2-40B4-BE49-F238E27FC236}">
-                <a16:creationId xmlns:a16="http://schemas.microsoft.com/office/drawing/2014/main" id="{9883268C-0EF3-4CD0-96CB-09503A020BC9}"/>
-              </a:ext>
-            </a:extLst>
-          </p:cNvPr>
-          <p:cNvSpPr>
-            <a:spLocks noGrp="1"/>
-          </p:cNvSpPr>
-          <p:nvPr>
-            <p:ph type="title"/>
-          </p:nvPr>
-        </p:nvSpPr>
-        <p:spPr/>
-        <p:txBody>
-          <a:bodyPr/>
-          <a:lstStyle/>
-          <a:p>
-            <a:r>
-              <a:rPr lang="en-CA" dirty="0"/>
-              <a:t>Functional Requirements</a:t>
-            </a:r>
-          </a:p>
-        </p:txBody>
-      </p:sp>
-      <p:sp>
-        <p:nvSpPr>
           <p:cNvPr id="3" name="Content Placeholder 2">
             <a:extLst>
               <a:ext uri="{FF2B5EF4-FFF2-40B4-BE49-F238E27FC236}">
@@ -6517,12 +6812,107 @@
             <p:ph idx="1"/>
           </p:nvPr>
         </p:nvSpPr>
-        <p:spPr/>
+        <p:spPr>
+          <a:xfrm>
+            <a:off x="1141413" y="1661653"/>
+            <a:ext cx="9905998" cy="4129548"/>
+          </a:xfrm>
+        </p:spPr>
         <p:txBody>
           <a:bodyPr/>
           <a:lstStyle/>
           <a:p>
-            <a:endParaRPr lang="en-CA"/>
+            <a:r>
+              <a:rPr lang="en-CA" sz="2400" dirty="0"/>
+              <a:t>GUI – </a:t>
+            </a:r>
+            <a:r>
+              <a:rPr lang="en-CA" sz="2400" dirty="0" err="1"/>
+              <a:t>Tkinter</a:t>
+            </a:r>
+            <a:endParaRPr lang="en-CA" sz="2400" dirty="0"/>
+          </a:p>
+          <a:p>
+            <a:pPr lvl="1"/>
+            <a:r>
+              <a:rPr lang="en-CA" sz="2200" dirty="0"/>
+              <a:t>Su add stuff</a:t>
+            </a:r>
+          </a:p>
+          <a:p>
+            <a:r>
+              <a:rPr lang="en-CA" sz="2400" dirty="0"/>
+              <a:t>DATABASE – </a:t>
+            </a:r>
+            <a:r>
+              <a:rPr lang="en-CA" sz="2400" dirty="0" err="1"/>
+              <a:t>PeeWee</a:t>
+            </a:r>
+            <a:endParaRPr lang="en-CA" sz="2400" dirty="0"/>
+          </a:p>
+          <a:p>
+            <a:pPr lvl="1"/>
+            <a:r>
+              <a:rPr lang="en-CA" sz="2200" dirty="0"/>
+              <a:t>Jo add stuff</a:t>
+            </a:r>
+          </a:p>
+          <a:p>
+            <a:r>
+              <a:rPr lang="en-CA" sz="2400" dirty="0"/>
+              <a:t>ENCRYPTION – Cryptography </a:t>
+            </a:r>
+          </a:p>
+          <a:p>
+            <a:pPr lvl="1"/>
+            <a:r>
+              <a:rPr lang="en-CA" sz="2200" dirty="0"/>
+              <a:t>key using Key stretching,  key derivation function PBKDF2HMAC </a:t>
+            </a:r>
+          </a:p>
+          <a:p>
+            <a:pPr lvl="1"/>
+            <a:r>
+              <a:rPr lang="en-CA" sz="2200" dirty="0"/>
+              <a:t>Fernet Library (AES)</a:t>
+            </a:r>
+          </a:p>
+          <a:p>
+            <a:pPr lvl="1"/>
+            <a:endParaRPr lang="en-CA" dirty="0"/>
+          </a:p>
+        </p:txBody>
+      </p:sp>
+      <p:sp>
+        <p:nvSpPr>
+          <p:cNvPr id="6" name="Title 1">
+            <a:extLst>
+              <a:ext uri="{FF2B5EF4-FFF2-40B4-BE49-F238E27FC236}">
+                <a16:creationId xmlns:a16="http://schemas.microsoft.com/office/drawing/2014/main" id="{5E1F134A-7FAA-4C4D-BCDB-9315653CBF52}"/>
+              </a:ext>
+            </a:extLst>
+          </p:cNvPr>
+          <p:cNvSpPr>
+            <a:spLocks noGrp="1"/>
+          </p:cNvSpPr>
+          <p:nvPr>
+            <p:ph type="title"/>
+          </p:nvPr>
+        </p:nvSpPr>
+        <p:spPr>
+          <a:xfrm>
+            <a:off x="1143001" y="177082"/>
+            <a:ext cx="9905998" cy="1227517"/>
+          </a:xfrm>
+        </p:spPr>
+        <p:txBody>
+          <a:bodyPr/>
+          <a:lstStyle/>
+          <a:p>
+            <a:r>
+              <a:rPr lang="en-CA" dirty="0"/>
+              <a:t>Implementation</a:t>
+            </a:r>
           </a:p>
         </p:txBody>
       </p:sp>
@@ -6558,34 +6948,6 @@
       </p:grpSpPr>
       <p:sp>
         <p:nvSpPr>
-          <p:cNvPr id="2" name="Title 1">
-            <a:extLst>
-              <a:ext uri="{FF2B5EF4-FFF2-40B4-BE49-F238E27FC236}">
-                <a16:creationId xmlns:a16="http://schemas.microsoft.com/office/drawing/2014/main" id="{8BEF0DB1-C27E-426A-BF38-84DB7664CB9C}"/>
-              </a:ext>
-            </a:extLst>
-          </p:cNvPr>
-          <p:cNvSpPr>
-            <a:spLocks noGrp="1"/>
-          </p:cNvSpPr>
-          <p:nvPr>
-            <p:ph type="title"/>
-          </p:nvPr>
-        </p:nvSpPr>
-        <p:spPr/>
-        <p:txBody>
-          <a:bodyPr/>
-          <a:lstStyle/>
-          <a:p>
-            <a:r>
-              <a:rPr lang="en-CA" dirty="0"/>
-              <a:t>Non-Functional Requirements</a:t>
-            </a:r>
-          </a:p>
-        </p:txBody>
-      </p:sp>
-      <p:sp>
-        <p:nvSpPr>
           <p:cNvPr id="3" name="Content Placeholder 2">
             <a:extLst>
               <a:ext uri="{FF2B5EF4-FFF2-40B4-BE49-F238E27FC236}">
@@ -6600,26 +6962,88 @@
             <p:ph idx="1"/>
           </p:nvPr>
         </p:nvSpPr>
-        <p:spPr/>
+        <p:spPr>
+          <a:xfrm>
+            <a:off x="1141413" y="1907459"/>
+            <a:ext cx="9905998" cy="3883742"/>
+          </a:xfrm>
+        </p:spPr>
+        <p:txBody>
+          <a:bodyPr>
+            <a:normAutofit/>
+          </a:bodyPr>
+          <a:lstStyle/>
+          <a:p>
+            <a:r>
+              <a:rPr lang="en-CA" sz="2800" dirty="0"/>
+              <a:t>Usability</a:t>
+            </a:r>
+          </a:p>
+          <a:p>
+            <a:pPr lvl="1"/>
+            <a:r>
+              <a:rPr lang="en-CA" sz="2400" dirty="0"/>
+              <a:t>Intuitive</a:t>
+            </a:r>
+          </a:p>
+          <a:p>
+            <a:pPr lvl="1"/>
+            <a:r>
+              <a:rPr lang="en-CA" sz="2400" dirty="0"/>
+              <a:t>Instruction/ User Manual</a:t>
+            </a:r>
+          </a:p>
+          <a:p>
+            <a:r>
+              <a:rPr lang="en-CA" sz="2800" dirty="0"/>
+              <a:t>Appearance</a:t>
+            </a:r>
+          </a:p>
+          <a:p>
+            <a:pPr lvl="1"/>
+            <a:r>
+              <a:rPr lang="en-CA" sz="2400" dirty="0"/>
+              <a:t>Minimalistic (Not many Screens)</a:t>
+            </a:r>
+          </a:p>
+          <a:p>
+            <a:pPr lvl="1"/>
+            <a:r>
+              <a:rPr lang="en-CA" sz="2400" dirty="0"/>
+              <a:t>Separate Sections</a:t>
+            </a:r>
+          </a:p>
+        </p:txBody>
+      </p:sp>
+      <p:sp>
+        <p:nvSpPr>
+          <p:cNvPr id="6" name="Title 1">
+            <a:extLst>
+              <a:ext uri="{FF2B5EF4-FFF2-40B4-BE49-F238E27FC236}">
+                <a16:creationId xmlns:a16="http://schemas.microsoft.com/office/drawing/2014/main" id="{1765662D-98CF-4F12-831F-702C70DD311E}"/>
+              </a:ext>
+            </a:extLst>
+          </p:cNvPr>
+          <p:cNvSpPr>
+            <a:spLocks noGrp="1"/>
+          </p:cNvSpPr>
+          <p:nvPr>
+            <p:ph type="title"/>
+          </p:nvPr>
+        </p:nvSpPr>
+        <p:spPr>
+          <a:xfrm>
+            <a:off x="1143001" y="177082"/>
+            <a:ext cx="9905998" cy="1227517"/>
+          </a:xfrm>
+        </p:spPr>
         <p:txBody>
           <a:bodyPr/>
           <a:lstStyle/>
           <a:p>
             <a:r>
               <a:rPr lang="en-CA" dirty="0"/>
-              <a:t>Performance</a:t>
-            </a:r>
-          </a:p>
-          <a:p>
-            <a:r>
-              <a:rPr lang="en-CA" dirty="0"/>
-              <a:t>Appearance</a:t>
-            </a:r>
-          </a:p>
-          <a:p>
-            <a:r>
-              <a:rPr lang="en-CA" dirty="0"/>
-              <a:t>usability</a:t>
+              <a:t>Non-Functional Requirements</a:t>
             </a:r>
           </a:p>
         </p:txBody>
@@ -6656,34 +7080,6 @@
       </p:grpSpPr>
       <p:sp>
         <p:nvSpPr>
-          <p:cNvPr id="2" name="Title 1">
-            <a:extLst>
-              <a:ext uri="{FF2B5EF4-FFF2-40B4-BE49-F238E27FC236}">
-                <a16:creationId xmlns:a16="http://schemas.microsoft.com/office/drawing/2014/main" id="{61CF9ABD-07E3-437F-B283-34069102634E}"/>
-              </a:ext>
-            </a:extLst>
-          </p:cNvPr>
-          <p:cNvSpPr>
-            <a:spLocks noGrp="1"/>
-          </p:cNvSpPr>
-          <p:nvPr>
-            <p:ph type="title"/>
-          </p:nvPr>
-        </p:nvSpPr>
-        <p:spPr/>
-        <p:txBody>
-          <a:bodyPr/>
-          <a:lstStyle/>
-          <a:p>
-            <a:r>
-              <a:rPr lang="en-CA" dirty="0"/>
-              <a:t>Qualities</a:t>
-            </a:r>
-          </a:p>
-        </p:txBody>
-      </p:sp>
-      <p:sp>
-        <p:nvSpPr>
           <p:cNvPr id="3" name="Content Placeholder 2">
             <a:extLst>
               <a:ext uri="{FF2B5EF4-FFF2-40B4-BE49-F238E27FC236}">
@@ -6698,32 +7094,94 @@
             <p:ph idx="1"/>
           </p:nvPr>
         </p:nvSpPr>
-        <p:spPr/>
+        <p:spPr>
+          <a:xfrm>
+            <a:off x="1141413" y="1750143"/>
+            <a:ext cx="9905998" cy="4041058"/>
+          </a:xfrm>
+        </p:spPr>
+        <p:txBody>
+          <a:bodyPr>
+            <a:normAutofit/>
+          </a:bodyPr>
+          <a:lstStyle/>
+          <a:p>
+            <a:r>
+              <a:rPr lang="en-CA" sz="2800" dirty="0"/>
+              <a:t>User-friendly</a:t>
+            </a:r>
+          </a:p>
+          <a:p>
+            <a:pPr lvl="1"/>
+            <a:r>
+              <a:rPr lang="en-CA" sz="2400" dirty="0"/>
+              <a:t>No prior instruction necessary for use</a:t>
+            </a:r>
+          </a:p>
+          <a:p>
+            <a:r>
+              <a:rPr lang="en-CA" sz="2800" dirty="0"/>
+              <a:t>Robust</a:t>
+            </a:r>
+            <a:endParaRPr lang="en-CA" sz="2400" dirty="0"/>
+          </a:p>
+          <a:p>
+            <a:r>
+              <a:rPr lang="en-CA" sz="2800" dirty="0"/>
+              <a:t>Maintainable</a:t>
+            </a:r>
+          </a:p>
+          <a:p>
+            <a:pPr lvl="1"/>
+            <a:r>
+              <a:rPr lang="en-CA" sz="2400" dirty="0"/>
+              <a:t>modular</a:t>
+            </a:r>
+          </a:p>
+          <a:p>
+            <a:r>
+              <a:rPr lang="en-CA" sz="2800" dirty="0"/>
+              <a:t>Secure</a:t>
+            </a:r>
+          </a:p>
+          <a:p>
+            <a:pPr lvl="1"/>
+            <a:r>
+              <a:rPr lang="en-CA" sz="2400" dirty="0"/>
+              <a:t>Cryptography library</a:t>
+            </a:r>
+          </a:p>
+        </p:txBody>
+      </p:sp>
+      <p:sp>
+        <p:nvSpPr>
+          <p:cNvPr id="6" name="Title 1">
+            <a:extLst>
+              <a:ext uri="{FF2B5EF4-FFF2-40B4-BE49-F238E27FC236}">
+                <a16:creationId xmlns:a16="http://schemas.microsoft.com/office/drawing/2014/main" id="{25DB4EB9-994F-4992-8E92-41BA38414474}"/>
+              </a:ext>
+            </a:extLst>
+          </p:cNvPr>
+          <p:cNvSpPr>
+            <a:spLocks noGrp="1"/>
+          </p:cNvSpPr>
+          <p:nvPr>
+            <p:ph type="title"/>
+          </p:nvPr>
+        </p:nvSpPr>
+        <p:spPr>
+          <a:xfrm>
+            <a:off x="1143001" y="177082"/>
+            <a:ext cx="9905998" cy="1227517"/>
+          </a:xfrm>
+        </p:spPr>
         <p:txBody>
           <a:bodyPr/>
           <a:lstStyle/>
           <a:p>
             <a:r>
               <a:rPr lang="en-CA" dirty="0"/>
-              <a:t>User-friendly</a:t>
-            </a:r>
-          </a:p>
-          <a:p>
-            <a:r>
-              <a:rPr lang="en-CA" dirty="0"/>
-              <a:t>Robust</a:t>
-            </a:r>
-          </a:p>
-          <a:p>
-            <a:r>
-              <a:rPr lang="en-CA" dirty="0"/>
-              <a:t>Maintainable</a:t>
-            </a:r>
-          </a:p>
-          <a:p>
-            <a:r>
-              <a:rPr lang="en-CA" dirty="0"/>
-              <a:t>secure</a:t>
+              <a:t>Qualities</a:t>
             </a:r>
           </a:p>
         </p:txBody>
@@ -6760,34 +7218,6 @@
       </p:grpSpPr>
       <p:sp>
         <p:nvSpPr>
-          <p:cNvPr id="2" name="Title 1">
-            <a:extLst>
-              <a:ext uri="{FF2B5EF4-FFF2-40B4-BE49-F238E27FC236}">
-                <a16:creationId xmlns:a16="http://schemas.microsoft.com/office/drawing/2014/main" id="{51F5A841-C5A1-4BD6-ACA6-CC54523C8409}"/>
-              </a:ext>
-            </a:extLst>
-          </p:cNvPr>
-          <p:cNvSpPr>
-            <a:spLocks noGrp="1"/>
-          </p:cNvSpPr>
-          <p:nvPr>
-            <p:ph type="title"/>
-          </p:nvPr>
-        </p:nvSpPr>
-        <p:spPr/>
-        <p:txBody>
-          <a:bodyPr/>
-          <a:lstStyle/>
-          <a:p>
-            <a:r>
-              <a:rPr lang="en-CA" dirty="0"/>
-              <a:t>Testing</a:t>
-            </a:r>
-          </a:p>
-        </p:txBody>
-      </p:sp>
-      <p:sp>
-        <p:nvSpPr>
           <p:cNvPr id="3" name="Content Placeholder 2">
             <a:extLst>
               <a:ext uri="{FF2B5EF4-FFF2-40B4-BE49-F238E27FC236}">
@@ -6802,12 +7232,95 @@
             <p:ph idx="1"/>
           </p:nvPr>
         </p:nvSpPr>
-        <p:spPr/>
+        <p:spPr>
+          <a:xfrm>
+            <a:off x="1141413" y="1700981"/>
+            <a:ext cx="9905998" cy="4218038"/>
+          </a:xfrm>
+        </p:spPr>
+        <p:txBody>
+          <a:bodyPr>
+            <a:normAutofit/>
+          </a:bodyPr>
+          <a:lstStyle/>
+          <a:p>
+            <a:r>
+              <a:rPr lang="en-CA" sz="2800" dirty="0"/>
+              <a:t>GUI</a:t>
+            </a:r>
+          </a:p>
+          <a:p>
+            <a:pPr lvl="1"/>
+            <a:r>
+              <a:rPr lang="en-CA" sz="2400" dirty="0"/>
+              <a:t>Automated and Manual Testing</a:t>
+            </a:r>
+          </a:p>
+          <a:p>
+            <a:r>
+              <a:rPr lang="en-CA" sz="2800" dirty="0"/>
+              <a:t>Database</a:t>
+            </a:r>
+          </a:p>
+          <a:p>
+            <a:pPr lvl="1"/>
+            <a:r>
+              <a:rPr lang="en-CA" sz="2400" dirty="0"/>
+              <a:t>Automated Testing</a:t>
+            </a:r>
+          </a:p>
+          <a:p>
+            <a:r>
+              <a:rPr lang="en-CA" sz="2800" dirty="0"/>
+              <a:t>Encryption and Random Password Generation</a:t>
+            </a:r>
+          </a:p>
+          <a:p>
+            <a:pPr lvl="1"/>
+            <a:r>
+              <a:rPr lang="en-CA" sz="2400" dirty="0"/>
+              <a:t>Automated Testing</a:t>
+            </a:r>
+          </a:p>
+          <a:p>
+            <a:pPr lvl="1"/>
+            <a:r>
+              <a:rPr lang="en-CA" sz="2400" dirty="0"/>
+              <a:t>Cannot Test Security of Cryptography Library</a:t>
+            </a:r>
+          </a:p>
+        </p:txBody>
+      </p:sp>
+      <p:sp>
+        <p:nvSpPr>
+          <p:cNvPr id="6" name="Title 1">
+            <a:extLst>
+              <a:ext uri="{FF2B5EF4-FFF2-40B4-BE49-F238E27FC236}">
+                <a16:creationId xmlns:a16="http://schemas.microsoft.com/office/drawing/2014/main" id="{2E3BE850-7544-4952-BEDB-41FD7D174683}"/>
+              </a:ext>
+            </a:extLst>
+          </p:cNvPr>
+          <p:cNvSpPr>
+            <a:spLocks noGrp="1"/>
+          </p:cNvSpPr>
+          <p:nvPr>
+            <p:ph type="title"/>
+          </p:nvPr>
+        </p:nvSpPr>
+        <p:spPr>
+          <a:xfrm>
+            <a:off x="1143001" y="177082"/>
+            <a:ext cx="9905998" cy="1227517"/>
+          </a:xfrm>
+        </p:spPr>
         <p:txBody>
           <a:bodyPr/>
           <a:lstStyle/>
           <a:p>
-            <a:endParaRPr lang="en-CA" dirty="0"/>
+            <a:r>
+              <a:rPr lang="en-CA" dirty="0"/>
+              <a:t>Testing</a:t>
+            </a:r>
           </a:p>
         </p:txBody>
       </p:sp>

--- a/Doc/FinalPresentation/PasswordProtectionProgram.pptx
+++ b/Doc/FinalPresentation/PasswordProtectionProgram.pptx
@@ -329,7 +329,7 @@
             <a:fld id="{B61BEF0D-F0BB-DE4B-95CE-6DB70DBA9567}" type="datetimeFigureOut">
               <a:rPr lang="en-US" dirty="0"/>
               <a:pPr/>
-              <a:t>11/28/2017</a:t>
+              <a:t>11/29/2017</a:t>
             </a:fld>
             <a:endParaRPr lang="en-US" dirty="0"/>
           </a:p>
@@ -617,7 +617,7 @@
             <a:fld id="{B61BEF0D-F0BB-DE4B-95CE-6DB70DBA9567}" type="datetimeFigureOut">
               <a:rPr lang="en-US" dirty="0"/>
               <a:pPr/>
-              <a:t>11/28/2017</a:t>
+              <a:t>11/29/2017</a:t>
             </a:fld>
             <a:endParaRPr lang="en-US" dirty="0"/>
           </a:p>
@@ -862,7 +862,7 @@
             <a:fld id="{B61BEF0D-F0BB-DE4B-95CE-6DB70DBA9567}" type="datetimeFigureOut">
               <a:rPr lang="en-US" dirty="0"/>
               <a:pPr/>
-              <a:t>11/28/2017</a:t>
+              <a:t>11/29/2017</a:t>
             </a:fld>
             <a:endParaRPr lang="en-US" dirty="0"/>
           </a:p>
@@ -1395,7 +1395,7 @@
             <a:fld id="{B61BEF0D-F0BB-DE4B-95CE-6DB70DBA9567}" type="datetimeFigureOut">
               <a:rPr lang="en-US" dirty="0"/>
               <a:pPr/>
-              <a:t>11/28/2017</a:t>
+              <a:t>11/29/2017</a:t>
             </a:fld>
             <a:endParaRPr lang="en-US" dirty="0"/>
           </a:p>
@@ -1640,7 +1640,7 @@
             <a:fld id="{B61BEF0D-F0BB-DE4B-95CE-6DB70DBA9567}" type="datetimeFigureOut">
               <a:rPr lang="en-US" dirty="0"/>
               <a:pPr/>
-              <a:t>11/28/2017</a:t>
+              <a:t>11/29/2017</a:t>
             </a:fld>
             <a:endParaRPr lang="en-US" dirty="0"/>
           </a:p>
@@ -2180,7 +2180,7 @@
             <a:fld id="{B61BEF0D-F0BB-DE4B-95CE-6DB70DBA9567}" type="datetimeFigureOut">
               <a:rPr lang="en-US" dirty="0"/>
               <a:pPr/>
-              <a:t>11/28/2017</a:t>
+              <a:t>11/29/2017</a:t>
             </a:fld>
             <a:endParaRPr lang="en-US" dirty="0"/>
           </a:p>
@@ -2487,7 +2487,7 @@
             <a:fld id="{B61BEF0D-F0BB-DE4B-95CE-6DB70DBA9567}" type="datetimeFigureOut">
               <a:rPr lang="en-US" dirty="0"/>
               <a:pPr/>
-              <a:t>11/28/2017</a:t>
+              <a:t>11/29/2017</a:t>
             </a:fld>
             <a:endParaRPr lang="en-US" dirty="0"/>
           </a:p>
@@ -2659,7 +2659,7 @@
             <a:fld id="{B61BEF0D-F0BB-DE4B-95CE-6DB70DBA9567}" type="datetimeFigureOut">
               <a:rPr lang="en-US" dirty="0"/>
               <a:pPr/>
-              <a:t>11/28/2017</a:t>
+              <a:t>11/29/2017</a:t>
             </a:fld>
             <a:endParaRPr lang="en-US" dirty="0"/>
           </a:p>
@@ -2836,7 +2836,7 @@
             <a:fld id="{B61BEF0D-F0BB-DE4B-95CE-6DB70DBA9567}" type="datetimeFigureOut">
               <a:rPr lang="en-US" dirty="0"/>
               <a:pPr/>
-              <a:t>11/28/2017</a:t>
+              <a:t>11/29/2017</a:t>
             </a:fld>
             <a:endParaRPr lang="en-US" dirty="0"/>
           </a:p>
@@ -3003,7 +3003,7 @@
             <a:fld id="{B61BEF0D-F0BB-DE4B-95CE-6DB70DBA9567}" type="datetimeFigureOut">
               <a:rPr lang="en-US" dirty="0"/>
               <a:pPr/>
-              <a:t>11/28/2017</a:t>
+              <a:t>11/29/2017</a:t>
             </a:fld>
             <a:endParaRPr lang="en-US" dirty="0"/>
           </a:p>
@@ -3246,7 +3246,7 @@
             <a:fld id="{B61BEF0D-F0BB-DE4B-95CE-6DB70DBA9567}" type="datetimeFigureOut">
               <a:rPr lang="en-US" dirty="0"/>
               <a:pPr/>
-              <a:t>11/28/2017</a:t>
+              <a:t>11/29/2017</a:t>
             </a:fld>
             <a:endParaRPr lang="en-US" dirty="0"/>
           </a:p>
@@ -3535,7 +3535,7 @@
             <a:fld id="{B61BEF0D-F0BB-DE4B-95CE-6DB70DBA9567}" type="datetimeFigureOut">
               <a:rPr lang="en-US" dirty="0"/>
               <a:pPr/>
-              <a:t>11/28/2017</a:t>
+              <a:t>11/29/2017</a:t>
             </a:fld>
             <a:endParaRPr lang="en-US" dirty="0"/>
           </a:p>
@@ -3962,7 +3962,7 @@
             <a:fld id="{B61BEF0D-F0BB-DE4B-95CE-6DB70DBA9567}" type="datetimeFigureOut">
               <a:rPr lang="en-US" dirty="0"/>
               <a:pPr/>
-              <a:t>11/28/2017</a:t>
+              <a:t>11/29/2017</a:t>
             </a:fld>
             <a:endParaRPr lang="en-US" dirty="0"/>
           </a:p>
@@ -4082,7 +4082,7 @@
             <a:fld id="{B61BEF0D-F0BB-DE4B-95CE-6DB70DBA9567}" type="datetimeFigureOut">
               <a:rPr lang="en-US" dirty="0"/>
               <a:pPr/>
-              <a:t>11/28/2017</a:t>
+              <a:t>11/29/2017</a:t>
             </a:fld>
             <a:endParaRPr lang="en-US" dirty="0"/>
           </a:p>
@@ -4174,7 +4174,7 @@
             <a:fld id="{B61BEF0D-F0BB-DE4B-95CE-6DB70DBA9567}" type="datetimeFigureOut">
               <a:rPr lang="en-US" dirty="0"/>
               <a:pPr/>
-              <a:t>11/28/2017</a:t>
+              <a:t>11/29/2017</a:t>
             </a:fld>
             <a:endParaRPr lang="en-US" dirty="0"/>
           </a:p>
@@ -4454,7 +4454,7 @@
             <a:fld id="{B61BEF0D-F0BB-DE4B-95CE-6DB70DBA9567}" type="datetimeFigureOut">
               <a:rPr lang="en-US" dirty="0"/>
               <a:pPr/>
-              <a:t>11/28/2017</a:t>
+              <a:t>11/29/2017</a:t>
             </a:fld>
             <a:endParaRPr lang="en-US" dirty="0"/>
           </a:p>
@@ -4742,7 +4742,7 @@
             <a:fld id="{B61BEF0D-F0BB-DE4B-95CE-6DB70DBA9567}" type="datetimeFigureOut">
               <a:rPr lang="en-US" dirty="0"/>
               <a:pPr/>
-              <a:t>11/28/2017</a:t>
+              <a:t>11/29/2017</a:t>
             </a:fld>
             <a:endParaRPr lang="en-US" dirty="0"/>
           </a:p>
@@ -4970,7 +4970,7 @@
             <a:fld id="{B61BEF0D-F0BB-DE4B-95CE-6DB70DBA9567}" type="datetimeFigureOut">
               <a:rPr lang="en-US" dirty="0"/>
               <a:pPr/>
-              <a:t>11/28/2017</a:t>
+              <a:t>11/29/2017</a:t>
             </a:fld>
             <a:endParaRPr lang="en-US" dirty="0"/>
           </a:p>
@@ -6093,6 +6093,12 @@
             </a:r>
           </a:p>
           <a:p>
+            <a:r>
+              <a:rPr lang="en-CA" sz="2400" dirty="0"/>
+              <a:t>Don’t change passwords</a:t>
+            </a:r>
+          </a:p>
+          <a:p>
             <a:pPr marL="0" indent="0">
               <a:buNone/>
             </a:pPr>
@@ -6123,12 +6129,6 @@
             <a:r>
               <a:rPr lang="en-CA" sz="2400" dirty="0"/>
               <a:t>User-friendly interface</a:t>
-            </a:r>
-          </a:p>
-          <a:p>
-            <a:r>
-              <a:rPr lang="en-CA" sz="2400" dirty="0"/>
-              <a:t>Intuitive</a:t>
             </a:r>
           </a:p>
         </p:txBody>
@@ -6232,13 +6232,25 @@
           <a:p>
             <a:r>
               <a:rPr lang="en-CA" sz="2400" dirty="0"/>
-              <a:t>Python Cryptography Library</a:t>
+              <a:t>One master account</a:t>
             </a:r>
           </a:p>
           <a:p>
             <a:r>
               <a:rPr lang="en-CA" sz="2400" dirty="0"/>
               <a:t>One Factor Authentication</a:t>
+            </a:r>
+          </a:p>
+          <a:p>
+            <a:r>
+              <a:rPr lang="en-CA" sz="2400" dirty="0"/>
+              <a:t>All implementation using python libraries</a:t>
+            </a:r>
+          </a:p>
+          <a:p>
+            <a:r>
+              <a:rPr lang="en-CA" sz="2400" dirty="0"/>
+              <a:t>Python Cryptography Library</a:t>
             </a:r>
           </a:p>
         </p:txBody>
@@ -6836,13 +6848,20 @@
             <a:pPr lvl="1"/>
             <a:r>
               <a:rPr lang="en-CA" sz="2200" dirty="0"/>
-              <a:t>Su add stuff</a:t>
+              <a:t>Easy to use because highly documented</a:t>
+            </a:r>
+          </a:p>
+          <a:p>
+            <a:pPr lvl="1"/>
+            <a:r>
+              <a:rPr lang="en-CA" sz="2200" dirty="0"/>
+              <a:t>High fan in</a:t>
             </a:r>
           </a:p>
           <a:p>
             <a:r>
               <a:rPr lang="en-CA" sz="2400" dirty="0"/>
-              <a:t>DATABASE – </a:t>
+              <a:t>DATABASE – SQLite, </a:t>
             </a:r>
             <a:r>
               <a:rPr lang="en-CA" sz="2400" dirty="0" err="1"/>
@@ -6854,7 +6873,7 @@
             <a:pPr lvl="1"/>
             <a:r>
               <a:rPr lang="en-CA" sz="2200" dirty="0"/>
-              <a:t>Jo add stuff</a:t>
+              <a:t>Insert, Gets (4), delete, update</a:t>
             </a:r>
           </a:p>
           <a:p>
@@ -6867,7 +6886,7 @@
             <a:pPr lvl="1"/>
             <a:r>
               <a:rPr lang="en-CA" sz="2200" dirty="0"/>
-              <a:t>key using Key stretching,  key derivation function PBKDF2HMAC </a:t>
+              <a:t>key using Key stretching  (PBKDF2HMAC)</a:t>
             </a:r>
           </a:p>
           <a:p>
@@ -6964,8 +6983,8 @@
         </p:nvSpPr>
         <p:spPr>
           <a:xfrm>
-            <a:off x="1141413" y="1907459"/>
-            <a:ext cx="9905998" cy="3883742"/>
+            <a:off x="1141413" y="1404600"/>
+            <a:ext cx="9767887" cy="4399300"/>
           </a:xfrm>
         </p:spPr>
         <p:txBody>
@@ -7011,6 +7030,19 @@
             <a:r>
               <a:rPr lang="en-CA" sz="2400" dirty="0"/>
               <a:t>Separate Sections</a:t>
+            </a:r>
+          </a:p>
+          <a:p>
+            <a:r>
+              <a:rPr lang="en-CA" sz="2600" dirty="0"/>
+              <a:t>Security</a:t>
+            </a:r>
+          </a:p>
+          <a:p>
+            <a:pPr lvl="1"/>
+            <a:r>
+              <a:rPr lang="en-CA" sz="2400" dirty="0"/>
+              <a:t>inactivity</a:t>
             </a:r>
           </a:p>
         </p:txBody>

--- a/Doc/FinalPresentation/PasswordProtectionProgram.pptx
+++ b/Doc/FinalPresentation/PasswordProtectionProgram.pptx
@@ -12,10 +12,9 @@
     <p:sldId id="269" r:id="rId6"/>
     <p:sldId id="261" r:id="rId7"/>
     <p:sldId id="263" r:id="rId8"/>
-    <p:sldId id="262" r:id="rId9"/>
-    <p:sldId id="258" r:id="rId10"/>
-    <p:sldId id="268" r:id="rId11"/>
-    <p:sldId id="267" r:id="rId12"/>
+    <p:sldId id="258" r:id="rId9"/>
+    <p:sldId id="268" r:id="rId10"/>
+    <p:sldId id="267" r:id="rId11"/>
   </p:sldIdLst>
   <p:sldSz cx="12192000" cy="6858000"/>
   <p:notesSz cx="6858000" cy="9144000"/>
@@ -5741,98 +5740,6 @@
       </p:grpSpPr>
       <p:sp>
         <p:nvSpPr>
-          <p:cNvPr id="2" name="Title 1">
-            <a:extLst>
-              <a:ext uri="{FF2B5EF4-FFF2-40B4-BE49-F238E27FC236}">
-                <a16:creationId xmlns:a16="http://schemas.microsoft.com/office/drawing/2014/main" id="{1C5D5267-D35A-41B2-ADA8-43564EDF0541}"/>
-              </a:ext>
-            </a:extLst>
-          </p:cNvPr>
-          <p:cNvSpPr>
-            <a:spLocks noGrp="1"/>
-          </p:cNvSpPr>
-          <p:nvPr>
-            <p:ph type="title"/>
-          </p:nvPr>
-        </p:nvSpPr>
-        <p:spPr>
-          <a:xfrm>
-            <a:off x="1143001" y="177082"/>
-            <a:ext cx="9905998" cy="1227517"/>
-          </a:xfrm>
-        </p:spPr>
-        <p:txBody>
-          <a:bodyPr/>
-          <a:lstStyle/>
-          <a:p>
-            <a:r>
-              <a:rPr lang="en-CA" dirty="0"/>
-              <a:t>Project Schedule</a:t>
-            </a:r>
-          </a:p>
-        </p:txBody>
-      </p:sp>
-      <p:pic>
-        <p:nvPicPr>
-          <p:cNvPr id="5" name="Content Placeholder 4">
-            <a:extLst>
-              <a:ext uri="{FF2B5EF4-FFF2-40B4-BE49-F238E27FC236}">
-                <a16:creationId xmlns:a16="http://schemas.microsoft.com/office/drawing/2014/main" id="{15328249-776D-49B9-8F40-93CA7E1002A1}"/>
-              </a:ext>
-            </a:extLst>
-          </p:cNvPr>
-          <p:cNvPicPr>
-            <a:picLocks noGrp="1" noChangeAspect="1"/>
-          </p:cNvPicPr>
-          <p:nvPr>
-            <p:ph idx="1"/>
-          </p:nvPr>
-        </p:nvPicPr>
-        <p:blipFill>
-          <a:blip r:embed="rId2"/>
-          <a:stretch>
-            <a:fillRect/>
-          </a:stretch>
-        </p:blipFill>
-        <p:spPr>
-          <a:xfrm>
-            <a:off x="1730477" y="1336596"/>
-            <a:ext cx="8731045" cy="5304402"/>
-          </a:xfrm>
-        </p:spPr>
-      </p:pic>
-    </p:spTree>
-    <p:extLst>
-      <p:ext uri="{BB962C8B-B14F-4D97-AF65-F5344CB8AC3E}">
-        <p14:creationId xmlns:p14="http://schemas.microsoft.com/office/powerpoint/2010/main" val="1635793789"/>
-      </p:ext>
-    </p:extLst>
-  </p:cSld>
-  <p:clrMapOvr>
-    <a:masterClrMapping/>
-  </p:clrMapOvr>
-</p:sld>
-</file>
-
-<file path=ppt/slides/slide11.xml><?xml version="1.0" encoding="utf-8"?>
-<p:sld xmlns:a="http://schemas.openxmlformats.org/drawingml/2006/main" xmlns:r="http://schemas.openxmlformats.org/officeDocument/2006/relationships" xmlns:p="http://schemas.openxmlformats.org/presentationml/2006/main">
-  <p:cSld>
-    <p:spTree>
-      <p:nvGrpSpPr>
-        <p:cNvPr id="1" name=""/>
-        <p:cNvGrpSpPr/>
-        <p:nvPr/>
-      </p:nvGrpSpPr>
-      <p:grpSpPr>
-        <a:xfrm>
-          <a:off x="0" y="0"/>
-          <a:ext cx="0" cy="0"/>
-          <a:chOff x="0" y="0"/>
-          <a:chExt cx="0" cy="0"/>
-        </a:xfrm>
-      </p:grpSpPr>
-      <p:sp>
-        <p:nvSpPr>
           <p:cNvPr id="3" name="Content Placeholder 2">
             <a:extLst>
               <a:ext uri="{FF2B5EF4-FFF2-40B4-BE49-F238E27FC236}">
@@ -5881,6 +5788,12 @@
             <a:r>
               <a:rPr lang="en-CA" sz="2800" dirty="0"/>
               <a:t>Sorting by account types</a:t>
+            </a:r>
+          </a:p>
+          <a:p>
+            <a:r>
+              <a:rPr lang="en-CA" sz="2800" dirty="0"/>
+              <a:t>Searching</a:t>
             </a:r>
           </a:p>
         </p:txBody>
@@ -6068,7 +5981,7 @@
         </p:spPr>
         <p:txBody>
           <a:bodyPr>
-            <a:normAutofit lnSpcReduction="10000"/>
+            <a:normAutofit/>
           </a:bodyPr>
           <a:lstStyle/>
           <a:p>
@@ -6123,12 +6036,6 @@
             <a:r>
               <a:rPr lang="en-CA" sz="2400" dirty="0"/>
               <a:t>Single Master Password</a:t>
-            </a:r>
-          </a:p>
-          <a:p>
-            <a:r>
-              <a:rPr lang="en-CA" sz="2400" dirty="0"/>
-              <a:t>User-friendly interface</a:t>
             </a:r>
           </a:p>
         </p:txBody>
@@ -6392,7 +6299,7 @@
         </p:nvSpPr>
         <p:spPr>
           <a:xfrm>
-            <a:off x="7172587" y="2718033"/>
+            <a:off x="7183364" y="3177330"/>
             <a:ext cx="721453" cy="503339"/>
           </a:xfrm>
           <a:prstGeom prst="rect">
@@ -6444,7 +6351,7 @@
         </p:nvSpPr>
         <p:spPr>
           <a:xfrm>
-            <a:off x="10732461" y="3331828"/>
+            <a:off x="10772690" y="3027726"/>
             <a:ext cx="640287" cy="401274"/>
           </a:xfrm>
           <a:prstGeom prst="rect">
@@ -6496,7 +6403,7 @@
         </p:nvSpPr>
         <p:spPr>
           <a:xfrm>
-            <a:off x="6096000" y="3177330"/>
+            <a:off x="6160009" y="3649279"/>
             <a:ext cx="721453" cy="503339"/>
           </a:xfrm>
           <a:prstGeom prst="rect">
@@ -6836,6 +6743,44 @@
           <a:p>
             <a:r>
               <a:rPr lang="en-CA" sz="2400" dirty="0"/>
+              <a:t>ENCRYPTION – Cryptography </a:t>
+            </a:r>
+          </a:p>
+          <a:p>
+            <a:pPr lvl="1"/>
+            <a:r>
+              <a:rPr lang="en-CA" sz="2200" dirty="0"/>
+              <a:t>key using Key stretching  (PBKDF2HMAC)</a:t>
+            </a:r>
+          </a:p>
+          <a:p>
+            <a:pPr lvl="1"/>
+            <a:r>
+              <a:rPr lang="en-CA" sz="2200" dirty="0"/>
+              <a:t>Fernet Library (AES)</a:t>
+            </a:r>
+          </a:p>
+          <a:p>
+            <a:r>
+              <a:rPr lang="en-CA" sz="2400" dirty="0"/>
+              <a:t>DATABASE – SQLite, </a:t>
+            </a:r>
+            <a:r>
+              <a:rPr lang="en-CA" sz="2400" dirty="0" err="1"/>
+              <a:t>PeeWee</a:t>
+            </a:r>
+            <a:endParaRPr lang="en-CA" sz="2400" dirty="0"/>
+          </a:p>
+          <a:p>
+            <a:pPr lvl="1"/>
+            <a:r>
+              <a:rPr lang="en-CA" sz="2200" dirty="0"/>
+              <a:t>Insert, Gets (4), delete, update</a:t>
+            </a:r>
+          </a:p>
+          <a:p>
+            <a:r>
+              <a:rPr lang="en-CA" sz="2400" dirty="0"/>
               <a:t>GUI – </a:t>
             </a:r>
             <a:r>
@@ -6856,44 +6801,6 @@
             <a:r>
               <a:rPr lang="en-CA" sz="2200" dirty="0"/>
               <a:t>High fan in</a:t>
-            </a:r>
-          </a:p>
-          <a:p>
-            <a:r>
-              <a:rPr lang="en-CA" sz="2400" dirty="0"/>
-              <a:t>DATABASE – SQLite, </a:t>
-            </a:r>
-            <a:r>
-              <a:rPr lang="en-CA" sz="2400" dirty="0" err="1"/>
-              <a:t>PeeWee</a:t>
-            </a:r>
-            <a:endParaRPr lang="en-CA" sz="2400" dirty="0"/>
-          </a:p>
-          <a:p>
-            <a:pPr lvl="1"/>
-            <a:r>
-              <a:rPr lang="en-CA" sz="2200" dirty="0"/>
-              <a:t>Insert, Gets (4), delete, update</a:t>
-            </a:r>
-          </a:p>
-          <a:p>
-            <a:r>
-              <a:rPr lang="en-CA" sz="2400" dirty="0"/>
-              <a:t>ENCRYPTION – Cryptography </a:t>
-            </a:r>
-          </a:p>
-          <a:p>
-            <a:pPr lvl="1"/>
-            <a:r>
-              <a:rPr lang="en-CA" sz="2200" dirty="0"/>
-              <a:t>key using Key stretching  (PBKDF2HMAC)</a:t>
-            </a:r>
-          </a:p>
-          <a:p>
-            <a:pPr lvl="1"/>
-            <a:r>
-              <a:rPr lang="en-CA" sz="2200" dirty="0"/>
-              <a:t>Fernet Library (AES)</a:t>
             </a:r>
           </a:p>
           <a:p>
@@ -6989,61 +6896,86 @@
         </p:spPr>
         <p:txBody>
           <a:bodyPr>
-            <a:normAutofit/>
+            <a:normAutofit fontScale="92500" lnSpcReduction="10000"/>
           </a:bodyPr>
           <a:lstStyle/>
           <a:p>
             <a:r>
-              <a:rPr lang="en-CA" sz="2800" dirty="0"/>
+              <a:rPr lang="en-CA" dirty="0"/>
               <a:t>Usability</a:t>
             </a:r>
           </a:p>
           <a:p>
             <a:pPr lvl="1"/>
             <a:r>
-              <a:rPr lang="en-CA" sz="2400" dirty="0"/>
+              <a:rPr lang="en-CA" dirty="0"/>
               <a:t>Intuitive</a:t>
             </a:r>
           </a:p>
           <a:p>
             <a:pPr lvl="1"/>
             <a:r>
-              <a:rPr lang="en-CA" sz="2400" dirty="0"/>
+              <a:rPr lang="en-CA" dirty="0"/>
               <a:t>Instruction/ User Manual</a:t>
             </a:r>
           </a:p>
           <a:p>
             <a:r>
-              <a:rPr lang="en-CA" sz="2800" dirty="0"/>
+              <a:rPr lang="en-CA" dirty="0"/>
               <a:t>Appearance</a:t>
             </a:r>
           </a:p>
           <a:p>
             <a:pPr lvl="1"/>
             <a:r>
-              <a:rPr lang="en-CA" sz="2400" dirty="0"/>
+              <a:rPr lang="en-CA" dirty="0"/>
               <a:t>Minimalistic (Not many Screens)</a:t>
             </a:r>
           </a:p>
           <a:p>
             <a:pPr lvl="1"/>
             <a:r>
-              <a:rPr lang="en-CA" sz="2400" dirty="0"/>
+              <a:rPr lang="en-CA" dirty="0"/>
               <a:t>Separate Sections</a:t>
             </a:r>
           </a:p>
           <a:p>
             <a:r>
-              <a:rPr lang="en-CA" sz="2600" dirty="0"/>
+              <a:rPr lang="en-CA" dirty="0"/>
               <a:t>Security</a:t>
             </a:r>
           </a:p>
           <a:p>
             <a:pPr lvl="1"/>
             <a:r>
-              <a:rPr lang="en-CA" sz="2400" dirty="0"/>
-              <a:t>inactivity</a:t>
-            </a:r>
+              <a:rPr lang="en-CA" dirty="0"/>
+              <a:t>Inactivity Timeout</a:t>
+            </a:r>
+          </a:p>
+          <a:p>
+            <a:r>
+              <a:rPr lang="en-CA" sz="2200" dirty="0"/>
+              <a:t>Robust</a:t>
+            </a:r>
+            <a:endParaRPr lang="en-CA" sz="1900" dirty="0"/>
+          </a:p>
+          <a:p>
+            <a:r>
+              <a:rPr lang="en-CA" sz="2200" dirty="0"/>
+              <a:t>Maintainable</a:t>
+            </a:r>
+          </a:p>
+          <a:p>
+            <a:pPr lvl="1"/>
+            <a:r>
+              <a:rPr lang="en-CA" sz="1900" dirty="0"/>
+              <a:t>modular</a:t>
+            </a:r>
+            <a:endParaRPr lang="en-CA" dirty="0"/>
+          </a:p>
+          <a:p>
+            <a:pPr lvl="1"/>
+            <a:endParaRPr lang="en-CA" sz="2400" b="1" dirty="0"/>
           </a:p>
         </p:txBody>
       </p:sp>
@@ -7115,7 +7047,7 @@
           <p:cNvPr id="3" name="Content Placeholder 2">
             <a:extLst>
               <a:ext uri="{FF2B5EF4-FFF2-40B4-BE49-F238E27FC236}">
-                <a16:creationId xmlns:a16="http://schemas.microsoft.com/office/drawing/2014/main" id="{B440F3FD-0085-4AAD-8556-4BA0C05CDAB8}"/>
+                <a16:creationId xmlns:a16="http://schemas.microsoft.com/office/drawing/2014/main" id="{7F031B8E-329F-47A3-9F2E-8786DCCEDFC5}"/>
               </a:ext>
             </a:extLst>
           </p:cNvPr>
@@ -7128,8 +7060,8 @@
         </p:nvSpPr>
         <p:spPr>
           <a:xfrm>
-            <a:off x="1141413" y="1750143"/>
-            <a:ext cx="9905998" cy="4041058"/>
+            <a:off x="1141413" y="1700981"/>
+            <a:ext cx="9905998" cy="4218038"/>
           </a:xfrm>
         </p:spPr>
         <p:txBody>
@@ -7140,47 +7072,47 @@
           <a:p>
             <a:r>
               <a:rPr lang="en-CA" sz="2800" dirty="0"/>
-              <a:t>User-friendly</a:t>
+              <a:t>GUI</a:t>
             </a:r>
           </a:p>
           <a:p>
             <a:pPr lvl="1"/>
             <a:r>
               <a:rPr lang="en-CA" sz="2400" dirty="0"/>
-              <a:t>No prior instruction necessary for use</a:t>
+              <a:t>Automated and Manual Testing</a:t>
             </a:r>
           </a:p>
           <a:p>
             <a:r>
               <a:rPr lang="en-CA" sz="2800" dirty="0"/>
-              <a:t>Robust</a:t>
-            </a:r>
-            <a:endParaRPr lang="en-CA" sz="2400" dirty="0"/>
+              <a:t>Database</a:t>
+            </a:r>
+          </a:p>
+          <a:p>
+            <a:pPr lvl="1"/>
+            <a:r>
+              <a:rPr lang="en-CA" sz="2400" dirty="0"/>
+              <a:t>Automated Testing</a:t>
+            </a:r>
           </a:p>
           <a:p>
             <a:r>
               <a:rPr lang="en-CA" sz="2800" dirty="0"/>
-              <a:t>Maintainable</a:t>
+              <a:t>Encryption and Random Password Generation</a:t>
             </a:r>
           </a:p>
           <a:p>
             <a:pPr lvl="1"/>
             <a:r>
               <a:rPr lang="en-CA" sz="2400" dirty="0"/>
-              <a:t>modular</a:t>
-            </a:r>
-          </a:p>
-          <a:p>
-            <a:r>
-              <a:rPr lang="en-CA" sz="2800" dirty="0"/>
-              <a:t>Secure</a:t>
+              <a:t>Automated Testing</a:t>
             </a:r>
           </a:p>
           <a:p>
             <a:pPr lvl="1"/>
             <a:r>
               <a:rPr lang="en-CA" sz="2400" dirty="0"/>
-              <a:t>Cryptography library</a:t>
+              <a:t>Cannot Test Security or Randomness</a:t>
             </a:r>
           </a:p>
         </p:txBody>
@@ -7190,7 +7122,7 @@
           <p:cNvPr id="6" name="Title 1">
             <a:extLst>
               <a:ext uri="{FF2B5EF4-FFF2-40B4-BE49-F238E27FC236}">
-                <a16:creationId xmlns:a16="http://schemas.microsoft.com/office/drawing/2014/main" id="{25DB4EB9-994F-4992-8E92-41BA38414474}"/>
+                <a16:creationId xmlns:a16="http://schemas.microsoft.com/office/drawing/2014/main" id="{2E3BE850-7544-4952-BEDB-41FD7D174683}"/>
               </a:ext>
             </a:extLst>
           </p:cNvPr>
@@ -7213,7 +7145,7 @@
           <a:p>
             <a:r>
               <a:rPr lang="en-CA" dirty="0"/>
-              <a:t>Qualities</a:t>
+              <a:t>Testing</a:t>
             </a:r>
           </a:p>
         </p:txBody>
@@ -7221,7 +7153,7 @@
     </p:spTree>
     <p:extLst>
       <p:ext uri="{BB962C8B-B14F-4D97-AF65-F5344CB8AC3E}">
-        <p14:creationId xmlns:p14="http://schemas.microsoft.com/office/powerpoint/2010/main" val="4259304065"/>
+        <p14:creationId xmlns:p14="http://schemas.microsoft.com/office/powerpoint/2010/main" val="2400480036"/>
       </p:ext>
     </p:extLst>
   </p:cSld>
@@ -7250,85 +7182,10 @@
       </p:grpSpPr>
       <p:sp>
         <p:nvSpPr>
-          <p:cNvPr id="3" name="Content Placeholder 2">
+          <p:cNvPr id="2" name="Title 1">
             <a:extLst>
               <a:ext uri="{FF2B5EF4-FFF2-40B4-BE49-F238E27FC236}">
-                <a16:creationId xmlns:a16="http://schemas.microsoft.com/office/drawing/2014/main" id="{7F031B8E-329F-47A3-9F2E-8786DCCEDFC5}"/>
-              </a:ext>
-            </a:extLst>
-          </p:cNvPr>
-          <p:cNvSpPr>
-            <a:spLocks noGrp="1"/>
-          </p:cNvSpPr>
-          <p:nvPr>
-            <p:ph idx="1"/>
-          </p:nvPr>
-        </p:nvSpPr>
-        <p:spPr>
-          <a:xfrm>
-            <a:off x="1141413" y="1700981"/>
-            <a:ext cx="9905998" cy="4218038"/>
-          </a:xfrm>
-        </p:spPr>
-        <p:txBody>
-          <a:bodyPr>
-            <a:normAutofit/>
-          </a:bodyPr>
-          <a:lstStyle/>
-          <a:p>
-            <a:r>
-              <a:rPr lang="en-CA" sz="2800" dirty="0"/>
-              <a:t>GUI</a:t>
-            </a:r>
-          </a:p>
-          <a:p>
-            <a:pPr lvl="1"/>
-            <a:r>
-              <a:rPr lang="en-CA" sz="2400" dirty="0"/>
-              <a:t>Automated and Manual Testing</a:t>
-            </a:r>
-          </a:p>
-          <a:p>
-            <a:r>
-              <a:rPr lang="en-CA" sz="2800" dirty="0"/>
-              <a:t>Database</a:t>
-            </a:r>
-          </a:p>
-          <a:p>
-            <a:pPr lvl="1"/>
-            <a:r>
-              <a:rPr lang="en-CA" sz="2400" dirty="0"/>
-              <a:t>Automated Testing</a:t>
-            </a:r>
-          </a:p>
-          <a:p>
-            <a:r>
-              <a:rPr lang="en-CA" sz="2800" dirty="0"/>
-              <a:t>Encryption and Random Password Generation</a:t>
-            </a:r>
-          </a:p>
-          <a:p>
-            <a:pPr lvl="1"/>
-            <a:r>
-              <a:rPr lang="en-CA" sz="2400" dirty="0"/>
-              <a:t>Automated Testing</a:t>
-            </a:r>
-          </a:p>
-          <a:p>
-            <a:pPr lvl="1"/>
-            <a:r>
-              <a:rPr lang="en-CA" sz="2400" dirty="0"/>
-              <a:t>Cannot Test Security of Cryptography Library</a:t>
-            </a:r>
-          </a:p>
-        </p:txBody>
-      </p:sp>
-      <p:sp>
-        <p:nvSpPr>
-          <p:cNvPr id="6" name="Title 1">
-            <a:extLst>
-              <a:ext uri="{FF2B5EF4-FFF2-40B4-BE49-F238E27FC236}">
-                <a16:creationId xmlns:a16="http://schemas.microsoft.com/office/drawing/2014/main" id="{2E3BE850-7544-4952-BEDB-41FD7D174683}"/>
+                <a16:creationId xmlns:a16="http://schemas.microsoft.com/office/drawing/2014/main" id="{1C5D5267-D35A-41B2-ADA8-43564EDF0541}"/>
               </a:ext>
             </a:extLst>
           </p:cNvPr>
@@ -7351,15 +7208,44 @@
           <a:p>
             <a:r>
               <a:rPr lang="en-CA" dirty="0"/>
-              <a:t>Testing</a:t>
-            </a:r>
-          </a:p>
-        </p:txBody>
-      </p:sp>
+              <a:t>Project Schedule</a:t>
+            </a:r>
+          </a:p>
+        </p:txBody>
+      </p:sp>
+      <p:pic>
+        <p:nvPicPr>
+          <p:cNvPr id="5" name="Content Placeholder 4">
+            <a:extLst>
+              <a:ext uri="{FF2B5EF4-FFF2-40B4-BE49-F238E27FC236}">
+                <a16:creationId xmlns:a16="http://schemas.microsoft.com/office/drawing/2014/main" id="{15328249-776D-49B9-8F40-93CA7E1002A1}"/>
+              </a:ext>
+            </a:extLst>
+          </p:cNvPr>
+          <p:cNvPicPr>
+            <a:picLocks noGrp="1" noChangeAspect="1"/>
+          </p:cNvPicPr>
+          <p:nvPr>
+            <p:ph idx="1"/>
+          </p:nvPr>
+        </p:nvPicPr>
+        <p:blipFill>
+          <a:blip r:embed="rId2"/>
+          <a:stretch>
+            <a:fillRect/>
+          </a:stretch>
+        </p:blipFill>
+        <p:spPr>
+          <a:xfrm>
+            <a:off x="1730477" y="1336596"/>
+            <a:ext cx="8731045" cy="5304402"/>
+          </a:xfrm>
+        </p:spPr>
+      </p:pic>
     </p:spTree>
     <p:extLst>
       <p:ext uri="{BB962C8B-B14F-4D97-AF65-F5344CB8AC3E}">
-        <p14:creationId xmlns:p14="http://schemas.microsoft.com/office/powerpoint/2010/main" val="2400480036"/>
+        <p14:creationId xmlns:p14="http://schemas.microsoft.com/office/powerpoint/2010/main" val="1635793789"/>
       </p:ext>
     </p:extLst>
   </p:cSld>

--- a/Doc/FinalPresentation/PasswordProtectionProgram.pptx
+++ b/Doc/FinalPresentation/PasswordProtectionProgram.pptx
@@ -1,9 +1,12 @@
 
 <file path=ppt/presentation.xml><?xml version="1.0" encoding="utf-8"?>
-<p:presentation xmlns:a="http://schemas.openxmlformats.org/drawingml/2006/main" xmlns:r="http://schemas.openxmlformats.org/officeDocument/2006/relationships" xmlns:p="http://schemas.openxmlformats.org/presentationml/2006/main" autoCompressPictures="0">
+<p:presentation xmlns:a="http://schemas.openxmlformats.org/drawingml/2006/main" xmlns:r="http://schemas.openxmlformats.org/officeDocument/2006/relationships" xmlns:p="http://schemas.openxmlformats.org/presentationml/2006/main" showSpecialPlsOnTitleSld="0" autoCompressPictures="0">
   <p:sldMasterIdLst>
     <p:sldMasterId id="2147483648" r:id="rId1"/>
   </p:sldMasterIdLst>
+  <p:notesMasterIdLst>
+    <p:notesMasterId r:id="rId13"/>
+  </p:notesMasterIdLst>
   <p:sldIdLst>
     <p:sldId id="256" r:id="rId2"/>
     <p:sldId id="257" r:id="rId3"/>
@@ -15,6 +18,7 @@
     <p:sldId id="258" r:id="rId9"/>
     <p:sldId id="268" r:id="rId10"/>
     <p:sldId id="267" r:id="rId11"/>
+    <p:sldId id="271" r:id="rId12"/>
   </p:sldIdLst>
   <p:sldSz cx="12192000" cy="6858000"/>
   <p:notesSz cx="6858000" cy="9144000"/>
@@ -125,6 +129,356 @@
 <p1510:revInfo xmlns:a="http://schemas.openxmlformats.org/drawingml/2006/main" xmlns:r="http://schemas.openxmlformats.org/officeDocument/2006/relationships" xmlns:p1510="http://schemas.microsoft.com/office/powerpoint/2015/10/main"/>
 </file>
 
+<file path=ppt/notesMasters/notesMaster1.xml><?xml version="1.0" encoding="utf-8"?>
+<p:notesMaster xmlns:a="http://schemas.openxmlformats.org/drawingml/2006/main" xmlns:r="http://schemas.openxmlformats.org/officeDocument/2006/relationships" xmlns:p="http://schemas.openxmlformats.org/presentationml/2006/main">
+  <p:cSld>
+    <p:bg>
+      <p:bgRef idx="1001">
+        <a:schemeClr val="bg1"/>
+      </p:bgRef>
+    </p:bg>
+    <p:spTree>
+      <p:nvGrpSpPr>
+        <p:cNvPr id="1" name=""/>
+        <p:cNvGrpSpPr/>
+        <p:nvPr/>
+      </p:nvGrpSpPr>
+      <p:grpSpPr>
+        <a:xfrm>
+          <a:off x="0" y="0"/>
+          <a:ext cx="0" cy="0"/>
+          <a:chOff x="0" y="0"/>
+          <a:chExt cx="0" cy="0"/>
+        </a:xfrm>
+      </p:grpSpPr>
+      <p:sp>
+        <p:nvSpPr>
+          <p:cNvPr id="2" name="Header Placeholder 1"/>
+          <p:cNvSpPr>
+            <a:spLocks noGrp="1"/>
+          </p:cNvSpPr>
+          <p:nvPr>
+            <p:ph type="hdr" sz="quarter"/>
+          </p:nvPr>
+        </p:nvSpPr>
+        <p:spPr>
+          <a:xfrm>
+            <a:off x="0" y="0"/>
+            <a:ext cx="2971800" cy="458788"/>
+          </a:xfrm>
+          <a:prstGeom prst="rect">
+            <a:avLst/>
+          </a:prstGeom>
+        </p:spPr>
+        <p:txBody>
+          <a:bodyPr vert="horz" lIns="91440" tIns="45720" rIns="91440" bIns="45720" rtlCol="0"/>
+          <a:lstStyle>
+            <a:lvl1pPr algn="l">
+              <a:defRPr sz="1200"/>
+            </a:lvl1pPr>
+          </a:lstStyle>
+          <a:p>
+            <a:endParaRPr lang="en-CA"/>
+          </a:p>
+        </p:txBody>
+      </p:sp>
+      <p:sp>
+        <p:nvSpPr>
+          <p:cNvPr id="3" name="Date Placeholder 2"/>
+          <p:cNvSpPr>
+            <a:spLocks noGrp="1"/>
+          </p:cNvSpPr>
+          <p:nvPr>
+            <p:ph type="dt" idx="1"/>
+          </p:nvPr>
+        </p:nvSpPr>
+        <p:spPr>
+          <a:xfrm>
+            <a:off x="3884613" y="0"/>
+            <a:ext cx="2971800" cy="458788"/>
+          </a:xfrm>
+          <a:prstGeom prst="rect">
+            <a:avLst/>
+          </a:prstGeom>
+        </p:spPr>
+        <p:txBody>
+          <a:bodyPr vert="horz" lIns="91440" tIns="45720" rIns="91440" bIns="45720" rtlCol="0"/>
+          <a:lstStyle>
+            <a:lvl1pPr algn="r">
+              <a:defRPr sz="1200"/>
+            </a:lvl1pPr>
+          </a:lstStyle>
+          <a:p>
+            <a:fld id="{DD763982-3833-4782-BC4F-252587D57839}" type="datetimeFigureOut">
+              <a:rPr lang="en-CA" smtClean="0"/>
+              <a:t>2017-11-29</a:t>
+            </a:fld>
+            <a:endParaRPr lang="en-CA"/>
+          </a:p>
+        </p:txBody>
+      </p:sp>
+      <p:sp>
+        <p:nvSpPr>
+          <p:cNvPr id="4" name="Slide Image Placeholder 3"/>
+          <p:cNvSpPr>
+            <a:spLocks noGrp="1" noRot="1" noChangeAspect="1"/>
+          </p:cNvSpPr>
+          <p:nvPr>
+            <p:ph type="sldImg" idx="2"/>
+          </p:nvPr>
+        </p:nvSpPr>
+        <p:spPr>
+          <a:xfrm>
+            <a:off x="685800" y="1143000"/>
+            <a:ext cx="5486400" cy="3086100"/>
+          </a:xfrm>
+          <a:prstGeom prst="rect">
+            <a:avLst/>
+          </a:prstGeom>
+          <a:noFill/>
+          <a:ln w="12700">
+            <a:solidFill>
+              <a:prstClr val="black"/>
+            </a:solidFill>
+          </a:ln>
+        </p:spPr>
+        <p:txBody>
+          <a:bodyPr vert="horz" lIns="91440" tIns="45720" rIns="91440" bIns="45720" rtlCol="0" anchor="ctr"/>
+          <a:lstStyle/>
+          <a:p>
+            <a:endParaRPr lang="en-CA"/>
+          </a:p>
+        </p:txBody>
+      </p:sp>
+      <p:sp>
+        <p:nvSpPr>
+          <p:cNvPr id="5" name="Notes Placeholder 4"/>
+          <p:cNvSpPr>
+            <a:spLocks noGrp="1"/>
+          </p:cNvSpPr>
+          <p:nvPr>
+            <p:ph type="body" sz="quarter" idx="3"/>
+          </p:nvPr>
+        </p:nvSpPr>
+        <p:spPr>
+          <a:xfrm>
+            <a:off x="685800" y="4400550"/>
+            <a:ext cx="5486400" cy="3600450"/>
+          </a:xfrm>
+          <a:prstGeom prst="rect">
+            <a:avLst/>
+          </a:prstGeom>
+        </p:spPr>
+        <p:txBody>
+          <a:bodyPr vert="horz" lIns="91440" tIns="45720" rIns="91440" bIns="45720" rtlCol="0"/>
+          <a:lstStyle/>
+          <a:p>
+            <a:pPr lvl="0"/>
+            <a:r>
+              <a:rPr lang="en-US"/>
+              <a:t>Edit Master text styles</a:t>
+            </a:r>
+          </a:p>
+          <a:p>
+            <a:pPr lvl="1"/>
+            <a:r>
+              <a:rPr lang="en-US"/>
+              <a:t>Second level</a:t>
+            </a:r>
+          </a:p>
+          <a:p>
+            <a:pPr lvl="2"/>
+            <a:r>
+              <a:rPr lang="en-US"/>
+              <a:t>Third level</a:t>
+            </a:r>
+          </a:p>
+          <a:p>
+            <a:pPr lvl="3"/>
+            <a:r>
+              <a:rPr lang="en-US"/>
+              <a:t>Fourth level</a:t>
+            </a:r>
+          </a:p>
+          <a:p>
+            <a:pPr lvl="4"/>
+            <a:r>
+              <a:rPr lang="en-US"/>
+              <a:t>Fifth level</a:t>
+            </a:r>
+            <a:endParaRPr lang="en-CA"/>
+          </a:p>
+        </p:txBody>
+      </p:sp>
+      <p:sp>
+        <p:nvSpPr>
+          <p:cNvPr id="6" name="Footer Placeholder 5"/>
+          <p:cNvSpPr>
+            <a:spLocks noGrp="1"/>
+          </p:cNvSpPr>
+          <p:nvPr>
+            <p:ph type="ftr" sz="quarter" idx="4"/>
+          </p:nvPr>
+        </p:nvSpPr>
+        <p:spPr>
+          <a:xfrm>
+            <a:off x="0" y="8685213"/>
+            <a:ext cx="2971800" cy="458787"/>
+          </a:xfrm>
+          <a:prstGeom prst="rect">
+            <a:avLst/>
+          </a:prstGeom>
+        </p:spPr>
+        <p:txBody>
+          <a:bodyPr vert="horz" lIns="91440" tIns="45720" rIns="91440" bIns="45720" rtlCol="0" anchor="b"/>
+          <a:lstStyle>
+            <a:lvl1pPr algn="l">
+              <a:defRPr sz="1200"/>
+            </a:lvl1pPr>
+          </a:lstStyle>
+          <a:p>
+            <a:endParaRPr lang="en-CA"/>
+          </a:p>
+        </p:txBody>
+      </p:sp>
+      <p:sp>
+        <p:nvSpPr>
+          <p:cNvPr id="7" name="Slide Number Placeholder 6"/>
+          <p:cNvSpPr>
+            <a:spLocks noGrp="1"/>
+          </p:cNvSpPr>
+          <p:nvPr>
+            <p:ph type="sldNum" sz="quarter" idx="5"/>
+          </p:nvPr>
+        </p:nvSpPr>
+        <p:spPr>
+          <a:xfrm>
+            <a:off x="3884613" y="8685213"/>
+            <a:ext cx="2971800" cy="458787"/>
+          </a:xfrm>
+          <a:prstGeom prst="rect">
+            <a:avLst/>
+          </a:prstGeom>
+        </p:spPr>
+        <p:txBody>
+          <a:bodyPr vert="horz" lIns="91440" tIns="45720" rIns="91440" bIns="45720" rtlCol="0" anchor="b"/>
+          <a:lstStyle>
+            <a:lvl1pPr algn="r">
+              <a:defRPr sz="1200"/>
+            </a:lvl1pPr>
+          </a:lstStyle>
+          <a:p>
+            <a:fld id="{5585F536-AC29-4C1A-B86F-C39EE1307147}" type="slidenum">
+              <a:rPr lang="en-CA" smtClean="0"/>
+              <a:t>‹#›</a:t>
+            </a:fld>
+            <a:endParaRPr lang="en-CA"/>
+          </a:p>
+        </p:txBody>
+      </p:sp>
+    </p:spTree>
+    <p:extLst>
+      <p:ext uri="{BB962C8B-B14F-4D97-AF65-F5344CB8AC3E}">
+        <p14:creationId xmlns:p14="http://schemas.microsoft.com/office/powerpoint/2010/main" val="824791899"/>
+      </p:ext>
+    </p:extLst>
+  </p:cSld>
+  <p:clrMap bg1="lt1" tx1="dk1" bg2="lt2" tx2="dk2" accent1="accent1" accent2="accent2" accent3="accent3" accent4="accent4" accent5="accent5" accent6="accent6" hlink="hlink" folHlink="folHlink"/>
+  <p:notesStyle>
+    <a:lvl1pPr marL="0" algn="l" defTabSz="914400" rtl="0" eaLnBrk="1" latinLnBrk="0" hangingPunct="1">
+      <a:defRPr sz="1200" kern="1200">
+        <a:solidFill>
+          <a:schemeClr val="tx1"/>
+        </a:solidFill>
+        <a:latin typeface="+mn-lt"/>
+        <a:ea typeface="+mn-ea"/>
+        <a:cs typeface="+mn-cs"/>
+      </a:defRPr>
+    </a:lvl1pPr>
+    <a:lvl2pPr marL="457200" algn="l" defTabSz="914400" rtl="0" eaLnBrk="1" latinLnBrk="0" hangingPunct="1">
+      <a:defRPr sz="1200" kern="1200">
+        <a:solidFill>
+          <a:schemeClr val="tx1"/>
+        </a:solidFill>
+        <a:latin typeface="+mn-lt"/>
+        <a:ea typeface="+mn-ea"/>
+        <a:cs typeface="+mn-cs"/>
+      </a:defRPr>
+    </a:lvl2pPr>
+    <a:lvl3pPr marL="914400" algn="l" defTabSz="914400" rtl="0" eaLnBrk="1" latinLnBrk="0" hangingPunct="1">
+      <a:defRPr sz="1200" kern="1200">
+        <a:solidFill>
+          <a:schemeClr val="tx1"/>
+        </a:solidFill>
+        <a:latin typeface="+mn-lt"/>
+        <a:ea typeface="+mn-ea"/>
+        <a:cs typeface="+mn-cs"/>
+      </a:defRPr>
+    </a:lvl3pPr>
+    <a:lvl4pPr marL="1371600" algn="l" defTabSz="914400" rtl="0" eaLnBrk="1" latinLnBrk="0" hangingPunct="1">
+      <a:defRPr sz="1200" kern="1200">
+        <a:solidFill>
+          <a:schemeClr val="tx1"/>
+        </a:solidFill>
+        <a:latin typeface="+mn-lt"/>
+        <a:ea typeface="+mn-ea"/>
+        <a:cs typeface="+mn-cs"/>
+      </a:defRPr>
+    </a:lvl4pPr>
+    <a:lvl5pPr marL="1828800" algn="l" defTabSz="914400" rtl="0" eaLnBrk="1" latinLnBrk="0" hangingPunct="1">
+      <a:defRPr sz="1200" kern="1200">
+        <a:solidFill>
+          <a:schemeClr val="tx1"/>
+        </a:solidFill>
+        <a:latin typeface="+mn-lt"/>
+        <a:ea typeface="+mn-ea"/>
+        <a:cs typeface="+mn-cs"/>
+      </a:defRPr>
+    </a:lvl5pPr>
+    <a:lvl6pPr marL="2286000" algn="l" defTabSz="914400" rtl="0" eaLnBrk="1" latinLnBrk="0" hangingPunct="1">
+      <a:defRPr sz="1200" kern="1200">
+        <a:solidFill>
+          <a:schemeClr val="tx1"/>
+        </a:solidFill>
+        <a:latin typeface="+mn-lt"/>
+        <a:ea typeface="+mn-ea"/>
+        <a:cs typeface="+mn-cs"/>
+      </a:defRPr>
+    </a:lvl6pPr>
+    <a:lvl7pPr marL="2743200" algn="l" defTabSz="914400" rtl="0" eaLnBrk="1" latinLnBrk="0" hangingPunct="1">
+      <a:defRPr sz="1200" kern="1200">
+        <a:solidFill>
+          <a:schemeClr val="tx1"/>
+        </a:solidFill>
+        <a:latin typeface="+mn-lt"/>
+        <a:ea typeface="+mn-ea"/>
+        <a:cs typeface="+mn-cs"/>
+      </a:defRPr>
+    </a:lvl7pPr>
+    <a:lvl8pPr marL="3200400" algn="l" defTabSz="914400" rtl="0" eaLnBrk="1" latinLnBrk="0" hangingPunct="1">
+      <a:defRPr sz="1200" kern="1200">
+        <a:solidFill>
+          <a:schemeClr val="tx1"/>
+        </a:solidFill>
+        <a:latin typeface="+mn-lt"/>
+        <a:ea typeface="+mn-ea"/>
+        <a:cs typeface="+mn-cs"/>
+      </a:defRPr>
+    </a:lvl8pPr>
+    <a:lvl9pPr marL="3657600" algn="l" defTabSz="914400" rtl="0" eaLnBrk="1" latinLnBrk="0" hangingPunct="1">
+      <a:defRPr sz="1200" kern="1200">
+        <a:solidFill>
+          <a:schemeClr val="tx1"/>
+        </a:solidFill>
+        <a:latin typeface="+mn-lt"/>
+        <a:ea typeface="+mn-ea"/>
+        <a:cs typeface="+mn-cs"/>
+      </a:defRPr>
+    </a:lvl9pPr>
+  </p:notesStyle>
+</p:notesMaster>
+</file>
+
 <file path=ppt/slideLayouts/slideLayout1.xml><?xml version="1.0" encoding="utf-8"?>
 <p:sldLayout xmlns:a="http://schemas.openxmlformats.org/drawingml/2006/main" xmlns:r="http://schemas.openxmlformats.org/officeDocument/2006/relationships" xmlns:p="http://schemas.openxmlformats.org/presentationml/2006/main" type="title" preserve="1">
   <p:cSld name="Title Slide">
@@ -325,9 +679,8 @@
           <a:bodyPr/>
           <a:lstStyle/>
           <a:p>
-            <a:fld id="{B61BEF0D-F0BB-DE4B-95CE-6DB70DBA9567}" type="datetimeFigureOut">
-              <a:rPr lang="en-US" dirty="0"/>
-              <a:pPr/>
+            <a:fld id="{F2B16E6C-0C05-4013-A946-62E55786CC09}" type="datetime1">
+              <a:rPr lang="en-US" smtClean="0"/>
               <a:t>11/29/2017</a:t>
             </a:fld>
             <a:endParaRPr lang="en-US" dirty="0"/>
@@ -349,6 +702,10 @@
           <a:bodyPr/>
           <a:lstStyle/>
           <a:p>
+            <a:r>
+              <a:rPr lang="en-US"/>
+              <a:t>PasswordProtectionProgram - Group 28</a:t>
+            </a:r>
             <a:endParaRPr lang="en-US" dirty="0"/>
           </a:p>
         </p:txBody>
@@ -613,9 +970,8 @@
           <a:bodyPr/>
           <a:lstStyle/>
           <a:p>
-            <a:fld id="{B61BEF0D-F0BB-DE4B-95CE-6DB70DBA9567}" type="datetimeFigureOut">
-              <a:rPr lang="en-US" dirty="0"/>
-              <a:pPr/>
+            <a:fld id="{D3DB47E2-ADC2-4F24-A116-20425E362089}" type="datetime1">
+              <a:rPr lang="en-US" smtClean="0"/>
               <a:t>11/29/2017</a:t>
             </a:fld>
             <a:endParaRPr lang="en-US" dirty="0"/>
@@ -637,6 +993,10 @@
           <a:bodyPr/>
           <a:lstStyle/>
           <a:p>
+            <a:r>
+              <a:rPr lang="en-US"/>
+              <a:t>PasswordProtectionProgram - Group 28</a:t>
+            </a:r>
             <a:endParaRPr lang="en-US" dirty="0"/>
           </a:p>
         </p:txBody>
@@ -858,9 +1218,8 @@
           <a:bodyPr/>
           <a:lstStyle/>
           <a:p>
-            <a:fld id="{B61BEF0D-F0BB-DE4B-95CE-6DB70DBA9567}" type="datetimeFigureOut">
-              <a:rPr lang="en-US" dirty="0"/>
-              <a:pPr/>
+            <a:fld id="{C61F289F-FC71-4B53-9449-76366854905C}" type="datetime1">
+              <a:rPr lang="en-US" smtClean="0"/>
               <a:t>11/29/2017</a:t>
             </a:fld>
             <a:endParaRPr lang="en-US" dirty="0"/>
@@ -882,6 +1241,10 @@
           <a:bodyPr/>
           <a:lstStyle/>
           <a:p>
+            <a:r>
+              <a:rPr lang="en-US"/>
+              <a:t>PasswordProtectionProgram - Group 28</a:t>
+            </a:r>
             <a:endParaRPr lang="en-US" dirty="0"/>
           </a:p>
         </p:txBody>
@@ -1391,9 +1754,8 @@
           <a:bodyPr/>
           <a:lstStyle/>
           <a:p>
-            <a:fld id="{B61BEF0D-F0BB-DE4B-95CE-6DB70DBA9567}" type="datetimeFigureOut">
-              <a:rPr lang="en-US" dirty="0"/>
-              <a:pPr/>
+            <a:fld id="{AAD282F1-026C-4FD7-B3CA-F35941B152C1}" type="datetime1">
+              <a:rPr lang="en-US" smtClean="0"/>
               <a:t>11/29/2017</a:t>
             </a:fld>
             <a:endParaRPr lang="en-US" dirty="0"/>
@@ -1415,6 +1777,10 @@
           <a:bodyPr/>
           <a:lstStyle/>
           <a:p>
+            <a:r>
+              <a:rPr lang="en-US"/>
+              <a:t>PasswordProtectionProgram - Group 28</a:t>
+            </a:r>
             <a:endParaRPr lang="en-US" dirty="0"/>
           </a:p>
         </p:txBody>
@@ -1636,9 +2002,8 @@
           <a:bodyPr/>
           <a:lstStyle/>
           <a:p>
-            <a:fld id="{B61BEF0D-F0BB-DE4B-95CE-6DB70DBA9567}" type="datetimeFigureOut">
-              <a:rPr lang="en-US" dirty="0"/>
-              <a:pPr/>
+            <a:fld id="{C722A11E-A66F-44D8-89A6-BF16239579B5}" type="datetime1">
+              <a:rPr lang="en-US" smtClean="0"/>
               <a:t>11/29/2017</a:t>
             </a:fld>
             <a:endParaRPr lang="en-US" dirty="0"/>
@@ -1660,6 +2025,10 @@
           <a:bodyPr/>
           <a:lstStyle/>
           <a:p>
+            <a:r>
+              <a:rPr lang="en-US"/>
+              <a:t>PasswordProtectionProgram - Group 28</a:t>
+            </a:r>
             <a:endParaRPr lang="en-US" dirty="0"/>
           </a:p>
         </p:txBody>
@@ -2176,9 +2545,8 @@
           <a:bodyPr/>
           <a:lstStyle/>
           <a:p>
-            <a:fld id="{B61BEF0D-F0BB-DE4B-95CE-6DB70DBA9567}" type="datetimeFigureOut">
-              <a:rPr lang="en-US" dirty="0"/>
-              <a:pPr/>
+            <a:fld id="{D2890223-66FC-479B-B895-4629F98C2CB4}" type="datetime1">
+              <a:rPr lang="en-US" smtClean="0"/>
               <a:t>11/29/2017</a:t>
             </a:fld>
             <a:endParaRPr lang="en-US" dirty="0"/>
@@ -2200,6 +2568,10 @@
           <a:bodyPr/>
           <a:lstStyle/>
           <a:p>
+            <a:r>
+              <a:rPr lang="en-US"/>
+              <a:t>PasswordProtectionProgram - Group 28</a:t>
+            </a:r>
             <a:endParaRPr lang="en-US" dirty="0"/>
           </a:p>
         </p:txBody>
@@ -2483,9 +2855,8 @@
           <a:bodyPr/>
           <a:lstStyle/>
           <a:p>
-            <a:fld id="{B61BEF0D-F0BB-DE4B-95CE-6DB70DBA9567}" type="datetimeFigureOut">
-              <a:rPr lang="en-US" dirty="0"/>
-              <a:pPr/>
+            <a:fld id="{22313196-439A-4F04-A7C3-8052DC7E64DD}" type="datetime1">
+              <a:rPr lang="en-US" smtClean="0"/>
               <a:t>11/29/2017</a:t>
             </a:fld>
             <a:endParaRPr lang="en-US" dirty="0"/>
@@ -2507,6 +2878,10 @@
           <a:bodyPr/>
           <a:lstStyle/>
           <a:p>
+            <a:r>
+              <a:rPr lang="en-US"/>
+              <a:t>PasswordProtectionProgram - Group 28</a:t>
+            </a:r>
             <a:endParaRPr lang="en-US" dirty="0"/>
           </a:p>
         </p:txBody>
@@ -2655,9 +3030,8 @@
           <a:bodyPr/>
           <a:lstStyle/>
           <a:p>
-            <a:fld id="{B61BEF0D-F0BB-DE4B-95CE-6DB70DBA9567}" type="datetimeFigureOut">
-              <a:rPr lang="en-US" dirty="0"/>
-              <a:pPr/>
+            <a:fld id="{13DC189D-A43C-4D11-831B-6939E200B654}" type="datetime1">
+              <a:rPr lang="en-US" smtClean="0"/>
               <a:t>11/29/2017</a:t>
             </a:fld>
             <a:endParaRPr lang="en-US" dirty="0"/>
@@ -2679,6 +3053,10 @@
           <a:bodyPr/>
           <a:lstStyle/>
           <a:p>
+            <a:r>
+              <a:rPr lang="en-US"/>
+              <a:t>PasswordProtectionProgram - Group 28</a:t>
+            </a:r>
             <a:endParaRPr lang="en-US" dirty="0"/>
           </a:p>
         </p:txBody>
@@ -2832,9 +3210,8 @@
           <a:bodyPr/>
           <a:lstStyle/>
           <a:p>
-            <a:fld id="{B61BEF0D-F0BB-DE4B-95CE-6DB70DBA9567}" type="datetimeFigureOut">
-              <a:rPr lang="en-US" dirty="0"/>
-              <a:pPr/>
+            <a:fld id="{EF5E14BA-82D5-4E9B-A816-EF51F2883405}" type="datetime1">
+              <a:rPr lang="en-US" smtClean="0"/>
               <a:t>11/29/2017</a:t>
             </a:fld>
             <a:endParaRPr lang="en-US" dirty="0"/>
@@ -2856,6 +3233,10 @@
           <a:bodyPr/>
           <a:lstStyle/>
           <a:p>
+            <a:r>
+              <a:rPr lang="en-US"/>
+              <a:t>PasswordProtectionProgram - Group 28</a:t>
+            </a:r>
             <a:endParaRPr lang="en-US" dirty="0"/>
           </a:p>
         </p:txBody>
@@ -2999,9 +3380,8 @@
           <a:bodyPr/>
           <a:lstStyle/>
           <a:p>
-            <a:fld id="{B61BEF0D-F0BB-DE4B-95CE-6DB70DBA9567}" type="datetimeFigureOut">
-              <a:rPr lang="en-US" dirty="0"/>
-              <a:pPr/>
+            <a:fld id="{D04E783A-28F1-4D89-857C-B8BBA6DEA7A1}" type="datetime1">
+              <a:rPr lang="en-US" smtClean="0"/>
               <a:t>11/29/2017</a:t>
             </a:fld>
             <a:endParaRPr lang="en-US" dirty="0"/>
@@ -3023,6 +3403,10 @@
           <a:bodyPr/>
           <a:lstStyle/>
           <a:p>
+            <a:r>
+              <a:rPr lang="en-US"/>
+              <a:t>PasswordProtectionProgram - Group 28</a:t>
+            </a:r>
             <a:endParaRPr lang="en-US" dirty="0"/>
           </a:p>
         </p:txBody>
@@ -3242,9 +3626,8 @@
           <a:bodyPr/>
           <a:lstStyle/>
           <a:p>
-            <a:fld id="{B61BEF0D-F0BB-DE4B-95CE-6DB70DBA9567}" type="datetimeFigureOut">
-              <a:rPr lang="en-US" dirty="0"/>
-              <a:pPr/>
+            <a:fld id="{1CC0AA34-21CF-40E3-A889-6C90F7878F79}" type="datetime1">
+              <a:rPr lang="en-US" smtClean="0"/>
               <a:t>11/29/2017</a:t>
             </a:fld>
             <a:endParaRPr lang="en-US" dirty="0"/>
@@ -3266,6 +3649,10 @@
           <a:bodyPr/>
           <a:lstStyle/>
           <a:p>
+            <a:r>
+              <a:rPr lang="en-US"/>
+              <a:t>PasswordProtectionProgram - Group 28</a:t>
+            </a:r>
             <a:endParaRPr lang="en-US" dirty="0"/>
           </a:p>
         </p:txBody>
@@ -3531,9 +3918,8 @@
           <a:bodyPr/>
           <a:lstStyle/>
           <a:p>
-            <a:fld id="{B61BEF0D-F0BB-DE4B-95CE-6DB70DBA9567}" type="datetimeFigureOut">
-              <a:rPr lang="en-US" dirty="0"/>
-              <a:pPr/>
+            <a:fld id="{5DD25C56-8C21-4819-973F-25E001628408}" type="datetime1">
+              <a:rPr lang="en-US" smtClean="0"/>
               <a:t>11/29/2017</a:t>
             </a:fld>
             <a:endParaRPr lang="en-US" dirty="0"/>
@@ -3555,6 +3941,10 @@
           <a:bodyPr/>
           <a:lstStyle/>
           <a:p>
+            <a:r>
+              <a:rPr lang="en-US"/>
+              <a:t>PasswordProtectionProgram - Group 28</a:t>
+            </a:r>
             <a:endParaRPr lang="en-US" dirty="0"/>
           </a:p>
         </p:txBody>
@@ -3958,9 +4348,8 @@
           <a:bodyPr/>
           <a:lstStyle/>
           <a:p>
-            <a:fld id="{B61BEF0D-F0BB-DE4B-95CE-6DB70DBA9567}" type="datetimeFigureOut">
-              <a:rPr lang="en-US" dirty="0"/>
-              <a:pPr/>
+            <a:fld id="{4E40EA13-74A9-4F96-ADA1-ED44568FE289}" type="datetime1">
+              <a:rPr lang="en-US" smtClean="0"/>
               <a:t>11/29/2017</a:t>
             </a:fld>
             <a:endParaRPr lang="en-US" dirty="0"/>
@@ -3982,6 +4371,10 @@
           <a:bodyPr/>
           <a:lstStyle/>
           <a:p>
+            <a:r>
+              <a:rPr lang="en-US"/>
+              <a:t>PasswordProtectionProgram - Group 28</a:t>
+            </a:r>
             <a:endParaRPr lang="en-US" dirty="0"/>
           </a:p>
         </p:txBody>
@@ -4078,9 +4471,8 @@
           <a:bodyPr/>
           <a:lstStyle/>
           <a:p>
-            <a:fld id="{B61BEF0D-F0BB-DE4B-95CE-6DB70DBA9567}" type="datetimeFigureOut">
-              <a:rPr lang="en-US" dirty="0"/>
-              <a:pPr/>
+            <a:fld id="{D957318A-C7DE-4563-B4EA-86969E15100E}" type="datetime1">
+              <a:rPr lang="en-US" smtClean="0"/>
               <a:t>11/29/2017</a:t>
             </a:fld>
             <a:endParaRPr lang="en-US" dirty="0"/>
@@ -4102,6 +4494,10 @@
           <a:bodyPr/>
           <a:lstStyle/>
           <a:p>
+            <a:r>
+              <a:rPr lang="en-US"/>
+              <a:t>PasswordProtectionProgram - Group 28</a:t>
+            </a:r>
             <a:endParaRPr lang="en-US" dirty="0"/>
           </a:p>
         </p:txBody>
@@ -4170,9 +4566,8 @@
           <a:bodyPr/>
           <a:lstStyle/>
           <a:p>
-            <a:fld id="{B61BEF0D-F0BB-DE4B-95CE-6DB70DBA9567}" type="datetimeFigureOut">
-              <a:rPr lang="en-US" dirty="0"/>
-              <a:pPr/>
+            <a:fld id="{D2A8FAF3-E9AE-4366-B0DE-431444414532}" type="datetime1">
+              <a:rPr lang="en-US" smtClean="0"/>
               <a:t>11/29/2017</a:t>
             </a:fld>
             <a:endParaRPr lang="en-US" dirty="0"/>
@@ -4194,6 +4589,10 @@
           <a:bodyPr/>
           <a:lstStyle/>
           <a:p>
+            <a:r>
+              <a:rPr lang="en-US"/>
+              <a:t>PasswordProtectionProgram - Group 28</a:t>
+            </a:r>
             <a:endParaRPr lang="en-US" dirty="0"/>
           </a:p>
         </p:txBody>
@@ -4450,9 +4849,8 @@
           <a:bodyPr/>
           <a:lstStyle/>
           <a:p>
-            <a:fld id="{B61BEF0D-F0BB-DE4B-95CE-6DB70DBA9567}" type="datetimeFigureOut">
-              <a:rPr lang="en-US" dirty="0"/>
-              <a:pPr/>
+            <a:fld id="{409DF96B-7A51-4F16-B073-46AF28113AAB}" type="datetime1">
+              <a:rPr lang="en-US" smtClean="0"/>
               <a:t>11/29/2017</a:t>
             </a:fld>
             <a:endParaRPr lang="en-US" dirty="0"/>
@@ -4474,6 +4872,10 @@
           <a:bodyPr/>
           <a:lstStyle/>
           <a:p>
+            <a:r>
+              <a:rPr lang="en-US"/>
+              <a:t>PasswordProtectionProgram - Group 28</a:t>
+            </a:r>
             <a:endParaRPr lang="en-US" dirty="0"/>
           </a:p>
         </p:txBody>
@@ -4738,9 +5140,8 @@
           <a:bodyPr/>
           <a:lstStyle/>
           <a:p>
-            <a:fld id="{B61BEF0D-F0BB-DE4B-95CE-6DB70DBA9567}" type="datetimeFigureOut">
-              <a:rPr lang="en-US" dirty="0"/>
-              <a:pPr/>
+            <a:fld id="{319042A0-DF81-41B5-A926-1A892F9FCEEF}" type="datetime1">
+              <a:rPr lang="en-US" smtClean="0"/>
               <a:t>11/29/2017</a:t>
             </a:fld>
             <a:endParaRPr lang="en-US" dirty="0"/>
@@ -4767,6 +5168,10 @@
           <a:bodyPr/>
           <a:lstStyle/>
           <a:p>
+            <a:r>
+              <a:rPr lang="en-US"/>
+              <a:t>PasswordProtectionProgram - Group 28</a:t>
+            </a:r>
             <a:endParaRPr lang="en-US" dirty="0"/>
           </a:p>
         </p:txBody>
@@ -4966,9 +5371,8 @@
             </a:lvl1pPr>
           </a:lstStyle>
           <a:p>
-            <a:fld id="{B61BEF0D-F0BB-DE4B-95CE-6DB70DBA9567}" type="datetimeFigureOut">
-              <a:rPr lang="en-US" dirty="0"/>
-              <a:pPr/>
+            <a:fld id="{5FDC463A-FA03-4ED2-9378-6B5CF613056D}" type="datetime1">
+              <a:rPr lang="en-US" smtClean="0"/>
               <a:t>11/29/2017</a:t>
             </a:fld>
             <a:endParaRPr lang="en-US" dirty="0"/>
@@ -5016,6 +5420,10 @@
             </a:lvl1pPr>
           </a:lstStyle>
           <a:p>
+            <a:r>
+              <a:rPr lang="en-US"/>
+              <a:t>PasswordProtectionProgram - Group 28</a:t>
+            </a:r>
             <a:endParaRPr lang="en-US" dirty="0"/>
           </a:p>
         </p:txBody>
@@ -5092,6 +5500,7 @@
     <p:sldLayoutId id="2147483658" r:id="rId16"/>
     <p:sldLayoutId id="2147483659" r:id="rId17"/>
   </p:sldLayoutIdLst>
+  <p:hf sldNum="0" hdr="0" dt="0"/>
   <p:txStyles>
     <p:titleStyle>
       <a:lvl1pPr algn="l" defTabSz="457200" rtl="0" eaLnBrk="1" latinLnBrk="0" hangingPunct="1">
@@ -5917,13 +6326,223 @@
           <a:p>
             <a:r>
               <a:rPr lang="en-CA" dirty="0"/>
-              <a:t>Future </a:t>
-            </a:r>
-            <a:r>
-              <a:rPr lang="en-CA" dirty="0" err="1"/>
-              <a:t>PLans</a:t>
-            </a:r>
-            <a:endParaRPr lang="en-CA" dirty="0"/>
+              <a:t>Future Plans</a:t>
+            </a:r>
+          </a:p>
+        </p:txBody>
+      </p:sp>
+      <p:pic>
+        <p:nvPicPr>
+          <p:cNvPr id="2" name="Picture 1">
+            <a:extLst>
+              <a:ext uri="{FF2B5EF4-FFF2-40B4-BE49-F238E27FC236}">
+                <a16:creationId xmlns:a16="http://schemas.microsoft.com/office/drawing/2014/main" id="{3666788D-0B86-45E7-BE06-73BFDB73CCBD}"/>
+              </a:ext>
+            </a:extLst>
+          </p:cNvPr>
+          <p:cNvPicPr>
+            <a:picLocks noChangeAspect="1"/>
+          </p:cNvPicPr>
+          <p:nvPr/>
+        </p:nvPicPr>
+        <p:blipFill>
+          <a:blip r:embed="rId2"/>
+          <a:stretch>
+            <a:fillRect/>
+          </a:stretch>
+        </p:blipFill>
+        <p:spPr>
+          <a:xfrm>
+            <a:off x="6396037" y="4232019"/>
+            <a:ext cx="4752975" cy="2143125"/>
+          </a:xfrm>
+          <a:prstGeom prst="rect">
+            <a:avLst/>
+          </a:prstGeom>
+        </p:spPr>
+      </p:pic>
+      <p:pic>
+        <p:nvPicPr>
+          <p:cNvPr id="3074" name="Picture 2" descr="Image result for 2 step authentication">
+            <a:extLst>
+              <a:ext uri="{FF2B5EF4-FFF2-40B4-BE49-F238E27FC236}">
+                <a16:creationId xmlns:a16="http://schemas.microsoft.com/office/drawing/2014/main" id="{E7656606-14E2-4268-8A01-71B52AFB4670}"/>
+              </a:ext>
+            </a:extLst>
+          </p:cNvPr>
+          <p:cNvPicPr>
+            <a:picLocks noChangeAspect="1" noChangeArrowheads="1"/>
+          </p:cNvPicPr>
+          <p:nvPr/>
+        </p:nvPicPr>
+        <p:blipFill>
+          <a:blip r:embed="rId3">
+            <a:extLst>
+              <a:ext uri="{28A0092B-C50C-407E-A947-70E740481C1C}">
+                <a14:useLocalDpi xmlns:a14="http://schemas.microsoft.com/office/drawing/2010/main" val="0"/>
+              </a:ext>
+            </a:extLst>
+          </a:blip>
+          <a:srcRect/>
+          <a:stretch>
+            <a:fillRect/>
+          </a:stretch>
+        </p:blipFill>
+        <p:spPr bwMode="auto">
+          <a:xfrm>
+            <a:off x="7615236" y="922082"/>
+            <a:ext cx="3041313" cy="1859218"/>
+          </a:xfrm>
+          <a:prstGeom prst="rect">
+            <a:avLst/>
+          </a:prstGeom>
+          <a:noFill/>
+          <a:extLst>
+            <a:ext uri="{909E8E84-426E-40DD-AFC4-6F175D3DCCD1}">
+              <a14:hiddenFill xmlns:a14="http://schemas.microsoft.com/office/drawing/2010/main">
+                <a:solidFill>
+                  <a:srgbClr val="FFFFFF"/>
+                </a:solidFill>
+              </a14:hiddenFill>
+            </a:ext>
+          </a:extLst>
+        </p:spPr>
+      </p:pic>
+      <p:sp>
+        <p:nvSpPr>
+          <p:cNvPr id="7" name="Footer Placeholder 3">
+            <a:extLst>
+              <a:ext uri="{FF2B5EF4-FFF2-40B4-BE49-F238E27FC236}">
+                <a16:creationId xmlns:a16="http://schemas.microsoft.com/office/drawing/2014/main" id="{2EDA8ED6-2222-4160-A561-055521C82E7D}"/>
+              </a:ext>
+            </a:extLst>
+          </p:cNvPr>
+          <p:cNvSpPr txBox="1">
+            <a:spLocks/>
+          </p:cNvSpPr>
+          <p:nvPr/>
+        </p:nvSpPr>
+        <p:spPr>
+          <a:xfrm>
+            <a:off x="0" y="6510293"/>
+            <a:ext cx="7543800" cy="365125"/>
+          </a:xfrm>
+          <a:prstGeom prst="rect">
+            <a:avLst/>
+          </a:prstGeom>
+        </p:spPr>
+        <p:txBody>
+          <a:bodyPr vert="horz" lIns="91440" tIns="45720" rIns="91440" bIns="45720" rtlCol="0" anchor="ctr"/>
+          <a:lstStyle>
+            <a:defPPr>
+              <a:defRPr lang="en-US"/>
+            </a:defPPr>
+            <a:lvl1pPr marL="0" algn="l" defTabSz="457200" rtl="0" eaLnBrk="1" latinLnBrk="0" hangingPunct="1">
+              <a:defRPr sz="900" b="1" i="0" kern="1200">
+                <a:solidFill>
+                  <a:schemeClr val="tx1">
+                    <a:lumMod val="75000"/>
+                  </a:schemeClr>
+                </a:solidFill>
+                <a:effectLst>
+                  <a:outerShdw blurRad="50800" dist="38100" dir="2700000" algn="tl" rotWithShape="0">
+                    <a:srgbClr val="000000">
+                      <a:alpha val="43000"/>
+                    </a:srgbClr>
+                  </a:outerShdw>
+                </a:effectLst>
+                <a:latin typeface="+mn-lt"/>
+                <a:ea typeface="+mn-ea"/>
+                <a:cs typeface="+mn-cs"/>
+              </a:defRPr>
+            </a:lvl1pPr>
+            <a:lvl2pPr marL="457200" algn="l" defTabSz="457200" rtl="0" eaLnBrk="1" latinLnBrk="0" hangingPunct="1">
+              <a:defRPr sz="1800" kern="1200">
+                <a:solidFill>
+                  <a:schemeClr val="tx1"/>
+                </a:solidFill>
+                <a:latin typeface="+mn-lt"/>
+                <a:ea typeface="+mn-ea"/>
+                <a:cs typeface="+mn-cs"/>
+              </a:defRPr>
+            </a:lvl2pPr>
+            <a:lvl3pPr marL="914400" algn="l" defTabSz="457200" rtl="0" eaLnBrk="1" latinLnBrk="0" hangingPunct="1">
+              <a:defRPr sz="1800" kern="1200">
+                <a:solidFill>
+                  <a:schemeClr val="tx1"/>
+                </a:solidFill>
+                <a:latin typeface="+mn-lt"/>
+                <a:ea typeface="+mn-ea"/>
+                <a:cs typeface="+mn-cs"/>
+              </a:defRPr>
+            </a:lvl3pPr>
+            <a:lvl4pPr marL="1371600" algn="l" defTabSz="457200" rtl="0" eaLnBrk="1" latinLnBrk="0" hangingPunct="1">
+              <a:defRPr sz="1800" kern="1200">
+                <a:solidFill>
+                  <a:schemeClr val="tx1"/>
+                </a:solidFill>
+                <a:latin typeface="+mn-lt"/>
+                <a:ea typeface="+mn-ea"/>
+                <a:cs typeface="+mn-cs"/>
+              </a:defRPr>
+            </a:lvl4pPr>
+            <a:lvl5pPr marL="1828800" algn="l" defTabSz="457200" rtl="0" eaLnBrk="1" latinLnBrk="0" hangingPunct="1">
+              <a:defRPr sz="1800" kern="1200">
+                <a:solidFill>
+                  <a:schemeClr val="tx1"/>
+                </a:solidFill>
+                <a:latin typeface="+mn-lt"/>
+                <a:ea typeface="+mn-ea"/>
+                <a:cs typeface="+mn-cs"/>
+              </a:defRPr>
+            </a:lvl5pPr>
+            <a:lvl6pPr marL="2286000" algn="l" defTabSz="457200" rtl="0" eaLnBrk="1" latinLnBrk="0" hangingPunct="1">
+              <a:defRPr sz="1800" kern="1200">
+                <a:solidFill>
+                  <a:schemeClr val="tx1"/>
+                </a:solidFill>
+                <a:latin typeface="+mn-lt"/>
+                <a:ea typeface="+mn-ea"/>
+                <a:cs typeface="+mn-cs"/>
+              </a:defRPr>
+            </a:lvl6pPr>
+            <a:lvl7pPr marL="2743200" algn="l" defTabSz="457200" rtl="0" eaLnBrk="1" latinLnBrk="0" hangingPunct="1">
+              <a:defRPr sz="1800" kern="1200">
+                <a:solidFill>
+                  <a:schemeClr val="tx1"/>
+                </a:solidFill>
+                <a:latin typeface="+mn-lt"/>
+                <a:ea typeface="+mn-ea"/>
+                <a:cs typeface="+mn-cs"/>
+              </a:defRPr>
+            </a:lvl7pPr>
+            <a:lvl8pPr marL="3200400" algn="l" defTabSz="457200" rtl="0" eaLnBrk="1" latinLnBrk="0" hangingPunct="1">
+              <a:defRPr sz="1800" kern="1200">
+                <a:solidFill>
+                  <a:schemeClr val="tx1"/>
+                </a:solidFill>
+                <a:latin typeface="+mn-lt"/>
+                <a:ea typeface="+mn-ea"/>
+                <a:cs typeface="+mn-cs"/>
+              </a:defRPr>
+            </a:lvl8pPr>
+            <a:lvl9pPr marL="3657600" algn="l" defTabSz="457200" rtl="0" eaLnBrk="1" latinLnBrk="0" hangingPunct="1">
+              <a:defRPr sz="1800" kern="1200">
+                <a:solidFill>
+                  <a:schemeClr val="tx1"/>
+                </a:solidFill>
+                <a:latin typeface="+mn-lt"/>
+                <a:ea typeface="+mn-ea"/>
+                <a:cs typeface="+mn-cs"/>
+              </a:defRPr>
+            </a:lvl9pPr>
+          </a:lstStyle>
+          <a:p>
+            <a:r>
+              <a:rPr lang="en-US"/>
+              <a:t>PasswordProtectionProgram - Group 28</a:t>
+            </a:r>
+            <a:endParaRPr lang="en-US" dirty="0"/>
           </a:p>
         </p:txBody>
       </p:sp>
@@ -5931,6 +6550,136 @@
     <p:extLst>
       <p:ext uri="{BB962C8B-B14F-4D97-AF65-F5344CB8AC3E}">
         <p14:creationId xmlns:p14="http://schemas.microsoft.com/office/powerpoint/2010/main" val="1798751399"/>
+      </p:ext>
+    </p:extLst>
+  </p:cSld>
+  <p:clrMapOvr>
+    <a:masterClrMapping/>
+  </p:clrMapOvr>
+</p:sld>
+</file>
+
+<file path=ppt/slides/slide11.xml><?xml version="1.0" encoding="utf-8"?>
+<p:sld xmlns:a="http://schemas.openxmlformats.org/drawingml/2006/main" xmlns:r="http://schemas.openxmlformats.org/officeDocument/2006/relationships" xmlns:p="http://schemas.openxmlformats.org/presentationml/2006/main">
+  <p:cSld>
+    <p:spTree>
+      <p:nvGrpSpPr>
+        <p:cNvPr id="1" name=""/>
+        <p:cNvGrpSpPr/>
+        <p:nvPr/>
+      </p:nvGrpSpPr>
+      <p:grpSpPr>
+        <a:xfrm>
+          <a:off x="0" y="0"/>
+          <a:ext cx="0" cy="0"/>
+          <a:chOff x="0" y="0"/>
+          <a:chExt cx="0" cy="0"/>
+        </a:xfrm>
+      </p:grpSpPr>
+      <p:sp>
+        <p:nvSpPr>
+          <p:cNvPr id="2" name="Title 1">
+            <a:extLst>
+              <a:ext uri="{FF2B5EF4-FFF2-40B4-BE49-F238E27FC236}">
+                <a16:creationId xmlns:a16="http://schemas.microsoft.com/office/drawing/2014/main" id="{2D800C0B-5798-49F7-845F-E1D9C3274310}"/>
+              </a:ext>
+            </a:extLst>
+          </p:cNvPr>
+          <p:cNvSpPr>
+            <a:spLocks noGrp="1"/>
+          </p:cNvSpPr>
+          <p:nvPr>
+            <p:ph type="title"/>
+          </p:nvPr>
+        </p:nvSpPr>
+        <p:spPr/>
+        <p:txBody>
+          <a:bodyPr/>
+          <a:lstStyle/>
+          <a:p>
+            <a:r>
+              <a:rPr lang="en-CA" dirty="0"/>
+              <a:t>Thank you for listening </a:t>
+            </a:r>
+            <a:r>
+              <a:rPr lang="en-CA" dirty="0">
+                <a:sym typeface="Wingdings" panose="05000000000000000000" pitchFamily="2" charset="2"/>
+              </a:rPr>
+              <a:t> </a:t>
+            </a:r>
+            <a:endParaRPr lang="en-CA" dirty="0"/>
+          </a:p>
+        </p:txBody>
+      </p:sp>
+      <p:sp>
+        <p:nvSpPr>
+          <p:cNvPr id="3" name="Text Placeholder 2">
+            <a:extLst>
+              <a:ext uri="{FF2B5EF4-FFF2-40B4-BE49-F238E27FC236}">
+                <a16:creationId xmlns:a16="http://schemas.microsoft.com/office/drawing/2014/main" id="{68C9AA01-7621-4913-8C83-D14253A844F3}"/>
+              </a:ext>
+            </a:extLst>
+          </p:cNvPr>
+          <p:cNvSpPr>
+            <a:spLocks noGrp="1"/>
+          </p:cNvSpPr>
+          <p:nvPr>
+            <p:ph type="body" idx="1"/>
+          </p:nvPr>
+        </p:nvSpPr>
+        <p:spPr/>
+        <p:txBody>
+          <a:bodyPr/>
+          <a:lstStyle/>
+          <a:p>
+            <a:r>
+              <a:rPr lang="en-CA" dirty="0"/>
+              <a:t>Any questions?</a:t>
+            </a:r>
+          </a:p>
+        </p:txBody>
+      </p:sp>
+      <p:sp>
+        <p:nvSpPr>
+          <p:cNvPr id="4" name="Footer Placeholder 3">
+            <a:extLst>
+              <a:ext uri="{FF2B5EF4-FFF2-40B4-BE49-F238E27FC236}">
+                <a16:creationId xmlns:a16="http://schemas.microsoft.com/office/drawing/2014/main" id="{F44C70F7-2219-4735-BFCF-4F7CF1DA3618}"/>
+              </a:ext>
+            </a:extLst>
+          </p:cNvPr>
+          <p:cNvSpPr>
+            <a:spLocks noGrp="1"/>
+          </p:cNvSpPr>
+          <p:nvPr>
+            <p:ph type="ftr" sz="quarter" idx="11"/>
+          </p:nvPr>
+        </p:nvSpPr>
+        <p:spPr>
+          <a:xfrm>
+            <a:off x="0" y="6510293"/>
+            <a:ext cx="7543800" cy="365125"/>
+          </a:xfrm>
+        </p:spPr>
+        <p:txBody>
+          <a:bodyPr/>
+          <a:lstStyle/>
+          <a:p>
+            <a:r>
+              <a:rPr lang="en-US" dirty="0" err="1"/>
+              <a:t>PasswordProtectionProgram</a:t>
+            </a:r>
+            <a:r>
+              <a:rPr lang="en-US" dirty="0"/>
+              <a:t> - Group 28</a:t>
+            </a:r>
+          </a:p>
+        </p:txBody>
+      </p:sp>
+    </p:spTree>
+    <p:extLst>
+      <p:ext uri="{BB962C8B-B14F-4D97-AF65-F5344CB8AC3E}">
+        <p14:creationId xmlns:p14="http://schemas.microsoft.com/office/powerpoint/2010/main" val="1501155928"/>
       </p:ext>
     </p:extLst>
   </p:cSld>
@@ -6070,6 +6819,191 @@
               <a:rPr lang="en-CA" dirty="0"/>
               <a:t>Introduction - purpose</a:t>
             </a:r>
+          </a:p>
+        </p:txBody>
+      </p:sp>
+      <p:pic>
+        <p:nvPicPr>
+          <p:cNvPr id="1032" name="Picture 8" descr="Image result for easy passwords">
+            <a:extLst>
+              <a:ext uri="{FF2B5EF4-FFF2-40B4-BE49-F238E27FC236}">
+                <a16:creationId xmlns:a16="http://schemas.microsoft.com/office/drawing/2014/main" id="{1BEAF8D4-F369-4BC0-8443-AAB6056C2E6A}"/>
+              </a:ext>
+            </a:extLst>
+          </p:cNvPr>
+          <p:cNvPicPr>
+            <a:picLocks noChangeAspect="1" noChangeArrowheads="1"/>
+          </p:cNvPicPr>
+          <p:nvPr/>
+        </p:nvPicPr>
+        <p:blipFill>
+          <a:blip r:embed="rId2">
+            <a:extLst>
+              <a:ext uri="{28A0092B-C50C-407E-A947-70E740481C1C}">
+                <a14:useLocalDpi xmlns:a14="http://schemas.microsoft.com/office/drawing/2010/main" val="0"/>
+              </a:ext>
+            </a:extLst>
+          </a:blip>
+          <a:srcRect/>
+          <a:stretch>
+            <a:fillRect/>
+          </a:stretch>
+        </p:blipFill>
+        <p:spPr bwMode="auto">
+          <a:xfrm>
+            <a:off x="6753226" y="1316866"/>
+            <a:ext cx="3886200" cy="2590800"/>
+          </a:xfrm>
+          <a:prstGeom prst="rect">
+            <a:avLst/>
+          </a:prstGeom>
+          <a:noFill/>
+          <a:extLst>
+            <a:ext uri="{909E8E84-426E-40DD-AFC4-6F175D3DCCD1}">
+              <a14:hiddenFill xmlns:a14="http://schemas.microsoft.com/office/drawing/2010/main">
+                <a:solidFill>
+                  <a:srgbClr val="FFFFFF"/>
+                </a:solidFill>
+              </a14:hiddenFill>
+            </a:ext>
+          </a:extLst>
+        </p:spPr>
+      </p:pic>
+      <p:sp>
+        <p:nvSpPr>
+          <p:cNvPr id="9" name="Footer Placeholder 3">
+            <a:extLst>
+              <a:ext uri="{FF2B5EF4-FFF2-40B4-BE49-F238E27FC236}">
+                <a16:creationId xmlns:a16="http://schemas.microsoft.com/office/drawing/2014/main" id="{43FC19C7-7AC8-461D-8089-A4E26DF89FD4}"/>
+              </a:ext>
+            </a:extLst>
+          </p:cNvPr>
+          <p:cNvSpPr txBox="1">
+            <a:spLocks/>
+          </p:cNvSpPr>
+          <p:nvPr/>
+        </p:nvSpPr>
+        <p:spPr>
+          <a:xfrm>
+            <a:off x="0" y="6510293"/>
+            <a:ext cx="7543800" cy="365125"/>
+          </a:xfrm>
+          <a:prstGeom prst="rect">
+            <a:avLst/>
+          </a:prstGeom>
+        </p:spPr>
+        <p:txBody>
+          <a:bodyPr vert="horz" lIns="91440" tIns="45720" rIns="91440" bIns="45720" rtlCol="0" anchor="ctr"/>
+          <a:lstStyle>
+            <a:defPPr>
+              <a:defRPr lang="en-US"/>
+            </a:defPPr>
+            <a:lvl1pPr marL="0" algn="l" defTabSz="457200" rtl="0" eaLnBrk="1" latinLnBrk="0" hangingPunct="1">
+              <a:defRPr sz="900" b="1" i="0" kern="1200">
+                <a:solidFill>
+                  <a:schemeClr val="tx1">
+                    <a:lumMod val="75000"/>
+                  </a:schemeClr>
+                </a:solidFill>
+                <a:effectLst>
+                  <a:outerShdw blurRad="50800" dist="38100" dir="2700000" algn="tl" rotWithShape="0">
+                    <a:srgbClr val="000000">
+                      <a:alpha val="43000"/>
+                    </a:srgbClr>
+                  </a:outerShdw>
+                </a:effectLst>
+                <a:latin typeface="+mn-lt"/>
+                <a:ea typeface="+mn-ea"/>
+                <a:cs typeface="+mn-cs"/>
+              </a:defRPr>
+            </a:lvl1pPr>
+            <a:lvl2pPr marL="457200" algn="l" defTabSz="457200" rtl="0" eaLnBrk="1" latinLnBrk="0" hangingPunct="1">
+              <a:defRPr sz="1800" kern="1200">
+                <a:solidFill>
+                  <a:schemeClr val="tx1"/>
+                </a:solidFill>
+                <a:latin typeface="+mn-lt"/>
+                <a:ea typeface="+mn-ea"/>
+                <a:cs typeface="+mn-cs"/>
+              </a:defRPr>
+            </a:lvl2pPr>
+            <a:lvl3pPr marL="914400" algn="l" defTabSz="457200" rtl="0" eaLnBrk="1" latinLnBrk="0" hangingPunct="1">
+              <a:defRPr sz="1800" kern="1200">
+                <a:solidFill>
+                  <a:schemeClr val="tx1"/>
+                </a:solidFill>
+                <a:latin typeface="+mn-lt"/>
+                <a:ea typeface="+mn-ea"/>
+                <a:cs typeface="+mn-cs"/>
+              </a:defRPr>
+            </a:lvl3pPr>
+            <a:lvl4pPr marL="1371600" algn="l" defTabSz="457200" rtl="0" eaLnBrk="1" latinLnBrk="0" hangingPunct="1">
+              <a:defRPr sz="1800" kern="1200">
+                <a:solidFill>
+                  <a:schemeClr val="tx1"/>
+                </a:solidFill>
+                <a:latin typeface="+mn-lt"/>
+                <a:ea typeface="+mn-ea"/>
+                <a:cs typeface="+mn-cs"/>
+              </a:defRPr>
+            </a:lvl4pPr>
+            <a:lvl5pPr marL="1828800" algn="l" defTabSz="457200" rtl="0" eaLnBrk="1" latinLnBrk="0" hangingPunct="1">
+              <a:defRPr sz="1800" kern="1200">
+                <a:solidFill>
+                  <a:schemeClr val="tx1"/>
+                </a:solidFill>
+                <a:latin typeface="+mn-lt"/>
+                <a:ea typeface="+mn-ea"/>
+                <a:cs typeface="+mn-cs"/>
+              </a:defRPr>
+            </a:lvl5pPr>
+            <a:lvl6pPr marL="2286000" algn="l" defTabSz="457200" rtl="0" eaLnBrk="1" latinLnBrk="0" hangingPunct="1">
+              <a:defRPr sz="1800" kern="1200">
+                <a:solidFill>
+                  <a:schemeClr val="tx1"/>
+                </a:solidFill>
+                <a:latin typeface="+mn-lt"/>
+                <a:ea typeface="+mn-ea"/>
+                <a:cs typeface="+mn-cs"/>
+              </a:defRPr>
+            </a:lvl6pPr>
+            <a:lvl7pPr marL="2743200" algn="l" defTabSz="457200" rtl="0" eaLnBrk="1" latinLnBrk="0" hangingPunct="1">
+              <a:defRPr sz="1800" kern="1200">
+                <a:solidFill>
+                  <a:schemeClr val="tx1"/>
+                </a:solidFill>
+                <a:latin typeface="+mn-lt"/>
+                <a:ea typeface="+mn-ea"/>
+                <a:cs typeface="+mn-cs"/>
+              </a:defRPr>
+            </a:lvl7pPr>
+            <a:lvl8pPr marL="3200400" algn="l" defTabSz="457200" rtl="0" eaLnBrk="1" latinLnBrk="0" hangingPunct="1">
+              <a:defRPr sz="1800" kern="1200">
+                <a:solidFill>
+                  <a:schemeClr val="tx1"/>
+                </a:solidFill>
+                <a:latin typeface="+mn-lt"/>
+                <a:ea typeface="+mn-ea"/>
+                <a:cs typeface="+mn-cs"/>
+              </a:defRPr>
+            </a:lvl8pPr>
+            <a:lvl9pPr marL="3657600" algn="l" defTabSz="457200" rtl="0" eaLnBrk="1" latinLnBrk="0" hangingPunct="1">
+              <a:defRPr sz="1800" kern="1200">
+                <a:solidFill>
+                  <a:schemeClr val="tx1"/>
+                </a:solidFill>
+                <a:latin typeface="+mn-lt"/>
+                <a:ea typeface="+mn-ea"/>
+                <a:cs typeface="+mn-cs"/>
+              </a:defRPr>
+            </a:lvl9pPr>
+          </a:lstStyle>
+          <a:p>
+            <a:r>
+              <a:rPr lang="en-US"/>
+              <a:t>PasswordProtectionProgram - Group 28</a:t>
+            </a:r>
+            <a:endParaRPr lang="en-US" dirty="0"/>
           </a:p>
         </p:txBody>
       </p:sp>
@@ -6192,6 +7126,183 @@
               <a:rPr lang="en-CA" dirty="0"/>
               <a:t>Introduction - Scope</a:t>
             </a:r>
+          </a:p>
+        </p:txBody>
+      </p:sp>
+      <p:pic>
+        <p:nvPicPr>
+          <p:cNvPr id="8" name="Picture 7" descr="Image result for python png">
+            <a:extLst>
+              <a:ext uri="{FF2B5EF4-FFF2-40B4-BE49-F238E27FC236}">
+                <a16:creationId xmlns:a16="http://schemas.microsoft.com/office/drawing/2014/main" id="{1721C33A-F8C0-4079-B134-8A5EEE358575}"/>
+              </a:ext>
+            </a:extLst>
+          </p:cNvPr>
+          <p:cNvPicPr/>
+          <p:nvPr/>
+        </p:nvPicPr>
+        <p:blipFill>
+          <a:blip r:embed="rId2">
+            <a:extLst>
+              <a:ext uri="{28A0092B-C50C-407E-A947-70E740481C1C}">
+                <a14:useLocalDpi xmlns:a14="http://schemas.microsoft.com/office/drawing/2010/main" val="0"/>
+              </a:ext>
+            </a:extLst>
+          </a:blip>
+          <a:srcRect/>
+          <a:stretch>
+            <a:fillRect/>
+          </a:stretch>
+        </p:blipFill>
+        <p:spPr bwMode="auto">
+          <a:xfrm>
+            <a:off x="7639049" y="1936628"/>
+            <a:ext cx="4162425" cy="2209800"/>
+          </a:xfrm>
+          <a:prstGeom prst="rect">
+            <a:avLst/>
+          </a:prstGeom>
+          <a:noFill/>
+          <a:ln>
+            <a:noFill/>
+          </a:ln>
+        </p:spPr>
+      </p:pic>
+      <p:sp>
+        <p:nvSpPr>
+          <p:cNvPr id="10" name="Footer Placeholder 3">
+            <a:extLst>
+              <a:ext uri="{FF2B5EF4-FFF2-40B4-BE49-F238E27FC236}">
+                <a16:creationId xmlns:a16="http://schemas.microsoft.com/office/drawing/2014/main" id="{A6C47476-074B-47C9-B161-3BFF1331A4B0}"/>
+              </a:ext>
+            </a:extLst>
+          </p:cNvPr>
+          <p:cNvSpPr txBox="1">
+            <a:spLocks/>
+          </p:cNvSpPr>
+          <p:nvPr/>
+        </p:nvSpPr>
+        <p:spPr>
+          <a:xfrm>
+            <a:off x="0" y="6510293"/>
+            <a:ext cx="7543800" cy="365125"/>
+          </a:xfrm>
+          <a:prstGeom prst="rect">
+            <a:avLst/>
+          </a:prstGeom>
+        </p:spPr>
+        <p:txBody>
+          <a:bodyPr vert="horz" lIns="91440" tIns="45720" rIns="91440" bIns="45720" rtlCol="0" anchor="ctr"/>
+          <a:lstStyle>
+            <a:defPPr>
+              <a:defRPr lang="en-US"/>
+            </a:defPPr>
+            <a:lvl1pPr marL="0" algn="l" defTabSz="457200" rtl="0" eaLnBrk="1" latinLnBrk="0" hangingPunct="1">
+              <a:defRPr sz="900" b="1" i="0" kern="1200">
+                <a:solidFill>
+                  <a:schemeClr val="tx1">
+                    <a:lumMod val="75000"/>
+                  </a:schemeClr>
+                </a:solidFill>
+                <a:effectLst>
+                  <a:outerShdw blurRad="50800" dist="38100" dir="2700000" algn="tl" rotWithShape="0">
+                    <a:srgbClr val="000000">
+                      <a:alpha val="43000"/>
+                    </a:srgbClr>
+                  </a:outerShdw>
+                </a:effectLst>
+                <a:latin typeface="+mn-lt"/>
+                <a:ea typeface="+mn-ea"/>
+                <a:cs typeface="+mn-cs"/>
+              </a:defRPr>
+            </a:lvl1pPr>
+            <a:lvl2pPr marL="457200" algn="l" defTabSz="457200" rtl="0" eaLnBrk="1" latinLnBrk="0" hangingPunct="1">
+              <a:defRPr sz="1800" kern="1200">
+                <a:solidFill>
+                  <a:schemeClr val="tx1"/>
+                </a:solidFill>
+                <a:latin typeface="+mn-lt"/>
+                <a:ea typeface="+mn-ea"/>
+                <a:cs typeface="+mn-cs"/>
+              </a:defRPr>
+            </a:lvl2pPr>
+            <a:lvl3pPr marL="914400" algn="l" defTabSz="457200" rtl="0" eaLnBrk="1" latinLnBrk="0" hangingPunct="1">
+              <a:defRPr sz="1800" kern="1200">
+                <a:solidFill>
+                  <a:schemeClr val="tx1"/>
+                </a:solidFill>
+                <a:latin typeface="+mn-lt"/>
+                <a:ea typeface="+mn-ea"/>
+                <a:cs typeface="+mn-cs"/>
+              </a:defRPr>
+            </a:lvl3pPr>
+            <a:lvl4pPr marL="1371600" algn="l" defTabSz="457200" rtl="0" eaLnBrk="1" latinLnBrk="0" hangingPunct="1">
+              <a:defRPr sz="1800" kern="1200">
+                <a:solidFill>
+                  <a:schemeClr val="tx1"/>
+                </a:solidFill>
+                <a:latin typeface="+mn-lt"/>
+                <a:ea typeface="+mn-ea"/>
+                <a:cs typeface="+mn-cs"/>
+              </a:defRPr>
+            </a:lvl4pPr>
+            <a:lvl5pPr marL="1828800" algn="l" defTabSz="457200" rtl="0" eaLnBrk="1" latinLnBrk="0" hangingPunct="1">
+              <a:defRPr sz="1800" kern="1200">
+                <a:solidFill>
+                  <a:schemeClr val="tx1"/>
+                </a:solidFill>
+                <a:latin typeface="+mn-lt"/>
+                <a:ea typeface="+mn-ea"/>
+                <a:cs typeface="+mn-cs"/>
+              </a:defRPr>
+            </a:lvl5pPr>
+            <a:lvl6pPr marL="2286000" algn="l" defTabSz="457200" rtl="0" eaLnBrk="1" latinLnBrk="0" hangingPunct="1">
+              <a:defRPr sz="1800" kern="1200">
+                <a:solidFill>
+                  <a:schemeClr val="tx1"/>
+                </a:solidFill>
+                <a:latin typeface="+mn-lt"/>
+                <a:ea typeface="+mn-ea"/>
+                <a:cs typeface="+mn-cs"/>
+              </a:defRPr>
+            </a:lvl6pPr>
+            <a:lvl7pPr marL="2743200" algn="l" defTabSz="457200" rtl="0" eaLnBrk="1" latinLnBrk="0" hangingPunct="1">
+              <a:defRPr sz="1800" kern="1200">
+                <a:solidFill>
+                  <a:schemeClr val="tx1"/>
+                </a:solidFill>
+                <a:latin typeface="+mn-lt"/>
+                <a:ea typeface="+mn-ea"/>
+                <a:cs typeface="+mn-cs"/>
+              </a:defRPr>
+            </a:lvl7pPr>
+            <a:lvl8pPr marL="3200400" algn="l" defTabSz="457200" rtl="0" eaLnBrk="1" latinLnBrk="0" hangingPunct="1">
+              <a:defRPr sz="1800" kern="1200">
+                <a:solidFill>
+                  <a:schemeClr val="tx1"/>
+                </a:solidFill>
+                <a:latin typeface="+mn-lt"/>
+                <a:ea typeface="+mn-ea"/>
+                <a:cs typeface="+mn-cs"/>
+              </a:defRPr>
+            </a:lvl8pPr>
+            <a:lvl9pPr marL="3657600" algn="l" defTabSz="457200" rtl="0" eaLnBrk="1" latinLnBrk="0" hangingPunct="1">
+              <a:defRPr sz="1800" kern="1200">
+                <a:solidFill>
+                  <a:schemeClr val="tx1"/>
+                </a:solidFill>
+                <a:latin typeface="+mn-lt"/>
+                <a:ea typeface="+mn-ea"/>
+                <a:cs typeface="+mn-cs"/>
+              </a:defRPr>
+            </a:lvl9pPr>
+          </a:lstStyle>
+          <a:p>
+            <a:r>
+              <a:rPr lang="en-US"/>
+              <a:t>PasswordProtectionProgram - Group 28</a:t>
+            </a:r>
+            <a:endParaRPr lang="en-US" dirty="0"/>
           </a:p>
         </p:txBody>
       </p:sp>
@@ -6563,6 +7674,144 @@
           </a:p>
         </p:txBody>
       </p:sp>
+      <p:sp>
+        <p:nvSpPr>
+          <p:cNvPr id="9" name="Footer Placeholder 3">
+            <a:extLst>
+              <a:ext uri="{FF2B5EF4-FFF2-40B4-BE49-F238E27FC236}">
+                <a16:creationId xmlns:a16="http://schemas.microsoft.com/office/drawing/2014/main" id="{EF2ACF52-5251-4C63-AE2E-2DC00A7641C9}"/>
+              </a:ext>
+            </a:extLst>
+          </p:cNvPr>
+          <p:cNvSpPr txBox="1">
+            <a:spLocks/>
+          </p:cNvSpPr>
+          <p:nvPr/>
+        </p:nvSpPr>
+        <p:spPr>
+          <a:xfrm>
+            <a:off x="0" y="6510293"/>
+            <a:ext cx="7543800" cy="365125"/>
+          </a:xfrm>
+          <a:prstGeom prst="rect">
+            <a:avLst/>
+          </a:prstGeom>
+        </p:spPr>
+        <p:txBody>
+          <a:bodyPr vert="horz" lIns="91440" tIns="45720" rIns="91440" bIns="45720" rtlCol="0" anchor="ctr"/>
+          <a:lstStyle>
+            <a:defPPr>
+              <a:defRPr lang="en-US"/>
+            </a:defPPr>
+            <a:lvl1pPr marL="0" algn="l" defTabSz="457200" rtl="0" eaLnBrk="1" latinLnBrk="0" hangingPunct="1">
+              <a:defRPr sz="900" b="1" i="0" kern="1200">
+                <a:solidFill>
+                  <a:schemeClr val="tx1">
+                    <a:lumMod val="75000"/>
+                  </a:schemeClr>
+                </a:solidFill>
+                <a:effectLst>
+                  <a:outerShdw blurRad="50800" dist="38100" dir="2700000" algn="tl" rotWithShape="0">
+                    <a:srgbClr val="000000">
+                      <a:alpha val="43000"/>
+                    </a:srgbClr>
+                  </a:outerShdw>
+                </a:effectLst>
+                <a:latin typeface="+mn-lt"/>
+                <a:ea typeface="+mn-ea"/>
+                <a:cs typeface="+mn-cs"/>
+              </a:defRPr>
+            </a:lvl1pPr>
+            <a:lvl2pPr marL="457200" algn="l" defTabSz="457200" rtl="0" eaLnBrk="1" latinLnBrk="0" hangingPunct="1">
+              <a:defRPr sz="1800" kern="1200">
+                <a:solidFill>
+                  <a:schemeClr val="tx1"/>
+                </a:solidFill>
+                <a:latin typeface="+mn-lt"/>
+                <a:ea typeface="+mn-ea"/>
+                <a:cs typeface="+mn-cs"/>
+              </a:defRPr>
+            </a:lvl2pPr>
+            <a:lvl3pPr marL="914400" algn="l" defTabSz="457200" rtl="0" eaLnBrk="1" latinLnBrk="0" hangingPunct="1">
+              <a:defRPr sz="1800" kern="1200">
+                <a:solidFill>
+                  <a:schemeClr val="tx1"/>
+                </a:solidFill>
+                <a:latin typeface="+mn-lt"/>
+                <a:ea typeface="+mn-ea"/>
+                <a:cs typeface="+mn-cs"/>
+              </a:defRPr>
+            </a:lvl3pPr>
+            <a:lvl4pPr marL="1371600" algn="l" defTabSz="457200" rtl="0" eaLnBrk="1" latinLnBrk="0" hangingPunct="1">
+              <a:defRPr sz="1800" kern="1200">
+                <a:solidFill>
+                  <a:schemeClr val="tx1"/>
+                </a:solidFill>
+                <a:latin typeface="+mn-lt"/>
+                <a:ea typeface="+mn-ea"/>
+                <a:cs typeface="+mn-cs"/>
+              </a:defRPr>
+            </a:lvl4pPr>
+            <a:lvl5pPr marL="1828800" algn="l" defTabSz="457200" rtl="0" eaLnBrk="1" latinLnBrk="0" hangingPunct="1">
+              <a:defRPr sz="1800" kern="1200">
+                <a:solidFill>
+                  <a:schemeClr val="tx1"/>
+                </a:solidFill>
+                <a:latin typeface="+mn-lt"/>
+                <a:ea typeface="+mn-ea"/>
+                <a:cs typeface="+mn-cs"/>
+              </a:defRPr>
+            </a:lvl5pPr>
+            <a:lvl6pPr marL="2286000" algn="l" defTabSz="457200" rtl="0" eaLnBrk="1" latinLnBrk="0" hangingPunct="1">
+              <a:defRPr sz="1800" kern="1200">
+                <a:solidFill>
+                  <a:schemeClr val="tx1"/>
+                </a:solidFill>
+                <a:latin typeface="+mn-lt"/>
+                <a:ea typeface="+mn-ea"/>
+                <a:cs typeface="+mn-cs"/>
+              </a:defRPr>
+            </a:lvl6pPr>
+            <a:lvl7pPr marL="2743200" algn="l" defTabSz="457200" rtl="0" eaLnBrk="1" latinLnBrk="0" hangingPunct="1">
+              <a:defRPr sz="1800" kern="1200">
+                <a:solidFill>
+                  <a:schemeClr val="tx1"/>
+                </a:solidFill>
+                <a:latin typeface="+mn-lt"/>
+                <a:ea typeface="+mn-ea"/>
+                <a:cs typeface="+mn-cs"/>
+              </a:defRPr>
+            </a:lvl7pPr>
+            <a:lvl8pPr marL="3200400" algn="l" defTabSz="457200" rtl="0" eaLnBrk="1" latinLnBrk="0" hangingPunct="1">
+              <a:defRPr sz="1800" kern="1200">
+                <a:solidFill>
+                  <a:schemeClr val="tx1"/>
+                </a:solidFill>
+                <a:latin typeface="+mn-lt"/>
+                <a:ea typeface="+mn-ea"/>
+                <a:cs typeface="+mn-cs"/>
+              </a:defRPr>
+            </a:lvl8pPr>
+            <a:lvl9pPr marL="3657600" algn="l" defTabSz="457200" rtl="0" eaLnBrk="1" latinLnBrk="0" hangingPunct="1">
+              <a:defRPr sz="1800" kern="1200">
+                <a:solidFill>
+                  <a:schemeClr val="tx1"/>
+                </a:solidFill>
+                <a:latin typeface="+mn-lt"/>
+                <a:ea typeface="+mn-ea"/>
+                <a:cs typeface="+mn-cs"/>
+              </a:defRPr>
+            </a:lvl9pPr>
+          </a:lstStyle>
+          <a:p>
+            <a:r>
+              <a:rPr lang="en-US"/>
+              <a:t>PasswordProtectionProgram - Group 28</a:t>
+            </a:r>
+            <a:endParaRPr lang="en-US" dirty="0"/>
+          </a:p>
+        </p:txBody>
+      </p:sp>
     </p:spTree>
     <p:extLst>
       <p:ext uri="{BB962C8B-B14F-4D97-AF65-F5344CB8AC3E}">
@@ -6593,41 +7842,186 @@
           <a:chExt cx="0" cy="0"/>
         </a:xfrm>
       </p:grpSpPr>
-      <p:pic>
-        <p:nvPicPr>
-          <p:cNvPr id="5" name="Content Placeholder 4">
+      <p:sp>
+        <p:nvSpPr>
+          <p:cNvPr id="10" name="Title 1">
             <a:extLst>
               <a:ext uri="{FF2B5EF4-FFF2-40B4-BE49-F238E27FC236}">
-                <a16:creationId xmlns:a16="http://schemas.microsoft.com/office/drawing/2014/main" id="{1198C28F-733A-4B9F-9596-50D7B9A4BBD5}"/>
+                <a16:creationId xmlns:a16="http://schemas.microsoft.com/office/drawing/2014/main" id="{B901DE0C-F031-45EA-B506-36089DEDC9E8}"/>
               </a:ext>
             </a:extLst>
           </p:cNvPr>
-          <p:cNvPicPr>
-            <a:picLocks noGrp="1" noChangeAspect="1"/>
-          </p:cNvPicPr>
-          <p:nvPr>
-            <p:ph idx="1"/>
-          </p:nvPr>
-        </p:nvPicPr>
-        <p:blipFill>
-          <a:blip r:embed="rId2"/>
-          <a:stretch>
-            <a:fillRect/>
-          </a:stretch>
-        </p:blipFill>
+          <p:cNvSpPr>
+            <a:spLocks noGrp="1"/>
+          </p:cNvSpPr>
+          <p:nvPr>
+            <p:ph type="title"/>
+          </p:nvPr>
+        </p:nvSpPr>
         <p:spPr>
           <a:xfrm>
-            <a:off x="638125" y="1994070"/>
-            <a:ext cx="4768145" cy="4092098"/>
+            <a:off x="1143001" y="177082"/>
+            <a:ext cx="9905998" cy="1227517"/>
           </a:xfrm>
         </p:spPr>
-      </p:pic>
+        <p:txBody>
+          <a:bodyPr/>
+          <a:lstStyle/>
+          <a:p>
+            <a:r>
+              <a:rPr lang="en-CA" dirty="0">
+                <a:hlinkClick r:id="rId2" action="ppaction://hlinkfile"/>
+              </a:rPr>
+              <a:t>Demonstration</a:t>
+            </a:r>
+            <a:endParaRPr lang="en-CA" dirty="0"/>
+          </a:p>
+        </p:txBody>
+      </p:sp>
+      <p:sp>
+        <p:nvSpPr>
+          <p:cNvPr id="12" name="Footer Placeholder 3">
+            <a:extLst>
+              <a:ext uri="{FF2B5EF4-FFF2-40B4-BE49-F238E27FC236}">
+                <a16:creationId xmlns:a16="http://schemas.microsoft.com/office/drawing/2014/main" id="{0DC53030-1098-48DC-BA50-646DFC1547C9}"/>
+              </a:ext>
+            </a:extLst>
+          </p:cNvPr>
+          <p:cNvSpPr txBox="1">
+            <a:spLocks/>
+          </p:cNvSpPr>
+          <p:nvPr/>
+        </p:nvSpPr>
+        <p:spPr>
+          <a:xfrm>
+            <a:off x="0" y="6510293"/>
+            <a:ext cx="7543800" cy="365125"/>
+          </a:xfrm>
+          <a:prstGeom prst="rect">
+            <a:avLst/>
+          </a:prstGeom>
+        </p:spPr>
+        <p:txBody>
+          <a:bodyPr vert="horz" lIns="91440" tIns="45720" rIns="91440" bIns="45720" rtlCol="0" anchor="ctr"/>
+          <a:lstStyle>
+            <a:defPPr>
+              <a:defRPr lang="en-US"/>
+            </a:defPPr>
+            <a:lvl1pPr marL="0" algn="l" defTabSz="457200" rtl="0" eaLnBrk="1" latinLnBrk="0" hangingPunct="1">
+              <a:defRPr sz="900" b="1" i="0" kern="1200">
+                <a:solidFill>
+                  <a:schemeClr val="tx1">
+                    <a:lumMod val="75000"/>
+                  </a:schemeClr>
+                </a:solidFill>
+                <a:effectLst>
+                  <a:outerShdw blurRad="50800" dist="38100" dir="2700000" algn="tl" rotWithShape="0">
+                    <a:srgbClr val="000000">
+                      <a:alpha val="43000"/>
+                    </a:srgbClr>
+                  </a:outerShdw>
+                </a:effectLst>
+                <a:latin typeface="+mn-lt"/>
+                <a:ea typeface="+mn-ea"/>
+                <a:cs typeface="+mn-cs"/>
+              </a:defRPr>
+            </a:lvl1pPr>
+            <a:lvl2pPr marL="457200" algn="l" defTabSz="457200" rtl="0" eaLnBrk="1" latinLnBrk="0" hangingPunct="1">
+              <a:defRPr sz="1800" kern="1200">
+                <a:solidFill>
+                  <a:schemeClr val="tx1"/>
+                </a:solidFill>
+                <a:latin typeface="+mn-lt"/>
+                <a:ea typeface="+mn-ea"/>
+                <a:cs typeface="+mn-cs"/>
+              </a:defRPr>
+            </a:lvl2pPr>
+            <a:lvl3pPr marL="914400" algn="l" defTabSz="457200" rtl="0" eaLnBrk="1" latinLnBrk="0" hangingPunct="1">
+              <a:defRPr sz="1800" kern="1200">
+                <a:solidFill>
+                  <a:schemeClr val="tx1"/>
+                </a:solidFill>
+                <a:latin typeface="+mn-lt"/>
+                <a:ea typeface="+mn-ea"/>
+                <a:cs typeface="+mn-cs"/>
+              </a:defRPr>
+            </a:lvl3pPr>
+            <a:lvl4pPr marL="1371600" algn="l" defTabSz="457200" rtl="0" eaLnBrk="1" latinLnBrk="0" hangingPunct="1">
+              <a:defRPr sz="1800" kern="1200">
+                <a:solidFill>
+                  <a:schemeClr val="tx1"/>
+                </a:solidFill>
+                <a:latin typeface="+mn-lt"/>
+                <a:ea typeface="+mn-ea"/>
+                <a:cs typeface="+mn-cs"/>
+              </a:defRPr>
+            </a:lvl4pPr>
+            <a:lvl5pPr marL="1828800" algn="l" defTabSz="457200" rtl="0" eaLnBrk="1" latinLnBrk="0" hangingPunct="1">
+              <a:defRPr sz="1800" kern="1200">
+                <a:solidFill>
+                  <a:schemeClr val="tx1"/>
+                </a:solidFill>
+                <a:latin typeface="+mn-lt"/>
+                <a:ea typeface="+mn-ea"/>
+                <a:cs typeface="+mn-cs"/>
+              </a:defRPr>
+            </a:lvl5pPr>
+            <a:lvl6pPr marL="2286000" algn="l" defTabSz="457200" rtl="0" eaLnBrk="1" latinLnBrk="0" hangingPunct="1">
+              <a:defRPr sz="1800" kern="1200">
+                <a:solidFill>
+                  <a:schemeClr val="tx1"/>
+                </a:solidFill>
+                <a:latin typeface="+mn-lt"/>
+                <a:ea typeface="+mn-ea"/>
+                <a:cs typeface="+mn-cs"/>
+              </a:defRPr>
+            </a:lvl6pPr>
+            <a:lvl7pPr marL="2743200" algn="l" defTabSz="457200" rtl="0" eaLnBrk="1" latinLnBrk="0" hangingPunct="1">
+              <a:defRPr sz="1800" kern="1200">
+                <a:solidFill>
+                  <a:schemeClr val="tx1"/>
+                </a:solidFill>
+                <a:latin typeface="+mn-lt"/>
+                <a:ea typeface="+mn-ea"/>
+                <a:cs typeface="+mn-cs"/>
+              </a:defRPr>
+            </a:lvl7pPr>
+            <a:lvl8pPr marL="3200400" algn="l" defTabSz="457200" rtl="0" eaLnBrk="1" latinLnBrk="0" hangingPunct="1">
+              <a:defRPr sz="1800" kern="1200">
+                <a:solidFill>
+                  <a:schemeClr val="tx1"/>
+                </a:solidFill>
+                <a:latin typeface="+mn-lt"/>
+                <a:ea typeface="+mn-ea"/>
+                <a:cs typeface="+mn-cs"/>
+              </a:defRPr>
+            </a:lvl8pPr>
+            <a:lvl9pPr marL="3657600" algn="l" defTabSz="457200" rtl="0" eaLnBrk="1" latinLnBrk="0" hangingPunct="1">
+              <a:defRPr sz="1800" kern="1200">
+                <a:solidFill>
+                  <a:schemeClr val="tx1"/>
+                </a:solidFill>
+                <a:latin typeface="+mn-lt"/>
+                <a:ea typeface="+mn-ea"/>
+                <a:cs typeface="+mn-cs"/>
+              </a:defRPr>
+            </a:lvl9pPr>
+          </a:lstStyle>
+          <a:p>
+            <a:r>
+              <a:rPr lang="en-US"/>
+              <a:t>PasswordProtectionProgram - Group 28</a:t>
+            </a:r>
+            <a:endParaRPr lang="en-US" dirty="0"/>
+          </a:p>
+        </p:txBody>
+      </p:sp>
       <p:pic>
         <p:nvPicPr>
-          <p:cNvPr id="7" name="Picture 6">
+          <p:cNvPr id="2" name="Picture 1">
             <a:extLst>
               <a:ext uri="{FF2B5EF4-FFF2-40B4-BE49-F238E27FC236}">
-                <a16:creationId xmlns:a16="http://schemas.microsoft.com/office/drawing/2014/main" id="{36E5A5C5-376E-462D-82EA-90A5E655736F}"/>
+                <a16:creationId xmlns:a16="http://schemas.microsoft.com/office/drawing/2014/main" id="{0E884C0D-7360-4BBF-A30D-B1FF5764FB26}"/>
               </a:ext>
             </a:extLst>
           </p:cNvPr>
@@ -6644,44 +8038,66 @@
         </p:blipFill>
         <p:spPr>
           <a:xfrm>
-            <a:off x="5978337" y="1994070"/>
-            <a:ext cx="5781043" cy="4092098"/>
+            <a:off x="570827" y="1655912"/>
+            <a:ext cx="5204273" cy="4254587"/>
           </a:xfrm>
           <a:prstGeom prst="rect">
             <a:avLst/>
           </a:prstGeom>
         </p:spPr>
       </p:pic>
-      <p:sp>
-        <p:nvSpPr>
-          <p:cNvPr id="10" name="Title 1">
+      <p:pic>
+        <p:nvPicPr>
+          <p:cNvPr id="3" name="Picture 2">
             <a:extLst>
               <a:ext uri="{FF2B5EF4-FFF2-40B4-BE49-F238E27FC236}">
-                <a16:creationId xmlns:a16="http://schemas.microsoft.com/office/drawing/2014/main" id="{B901DE0C-F031-45EA-B506-36089DEDC9E8}"/>
+                <a16:creationId xmlns:a16="http://schemas.microsoft.com/office/drawing/2014/main" id="{0CC47D26-389C-4BBF-95A2-A642B9995A6E}"/>
               </a:ext>
             </a:extLst>
           </p:cNvPr>
-          <p:cNvSpPr>
-            <a:spLocks noGrp="1"/>
-          </p:cNvSpPr>
-          <p:nvPr>
-            <p:ph type="title"/>
-          </p:nvPr>
-        </p:nvSpPr>
+          <p:cNvPicPr>
+            <a:picLocks noChangeAspect="1"/>
+          </p:cNvPicPr>
+          <p:nvPr/>
+        </p:nvPicPr>
+        <p:blipFill>
+          <a:blip r:embed="rId4"/>
+          <a:stretch>
+            <a:fillRect/>
+          </a:stretch>
+        </p:blipFill>
         <p:spPr>
           <a:xfrm>
-            <a:off x="1143001" y="177082"/>
-            <a:ext cx="9905998" cy="1227517"/>
+            <a:off x="6096000" y="1655910"/>
+            <a:ext cx="5204274" cy="4254589"/>
           </a:xfrm>
+          <a:prstGeom prst="rect">
+            <a:avLst/>
+          </a:prstGeom>
         </p:spPr>
+      </p:pic>
+      <p:sp>
+        <p:nvSpPr>
+          <p:cNvPr id="6" name="Content Placeholder 5">
+            <a:extLst>
+              <a:ext uri="{FF2B5EF4-FFF2-40B4-BE49-F238E27FC236}">
+                <a16:creationId xmlns:a16="http://schemas.microsoft.com/office/drawing/2014/main" id="{3B403204-6751-4269-938A-E39299412099}"/>
+              </a:ext>
+            </a:extLst>
+          </p:cNvPr>
+          <p:cNvSpPr>
+            <a:spLocks noGrp="1"/>
+          </p:cNvSpPr>
+          <p:nvPr>
+            <p:ph idx="1"/>
+          </p:nvPr>
+        </p:nvSpPr>
+        <p:spPr/>
         <p:txBody>
           <a:bodyPr/>
           <a:lstStyle/>
           <a:p>
-            <a:r>
-              <a:rPr lang="en-CA" dirty="0"/>
-              <a:t>Demonstration</a:t>
-            </a:r>
+            <a:endParaRPr lang="en-CA" dirty="0"/>
           </a:p>
         </p:txBody>
       </p:sp>
@@ -6842,6 +8258,144 @@
           </a:p>
         </p:txBody>
       </p:sp>
+      <p:sp>
+        <p:nvSpPr>
+          <p:cNvPr id="5" name="Footer Placeholder 3">
+            <a:extLst>
+              <a:ext uri="{FF2B5EF4-FFF2-40B4-BE49-F238E27FC236}">
+                <a16:creationId xmlns:a16="http://schemas.microsoft.com/office/drawing/2014/main" id="{36C6937F-F5BE-4D99-8878-C18BC5D94FBD}"/>
+              </a:ext>
+            </a:extLst>
+          </p:cNvPr>
+          <p:cNvSpPr txBox="1">
+            <a:spLocks/>
+          </p:cNvSpPr>
+          <p:nvPr/>
+        </p:nvSpPr>
+        <p:spPr>
+          <a:xfrm>
+            <a:off x="0" y="6510293"/>
+            <a:ext cx="7543800" cy="365125"/>
+          </a:xfrm>
+          <a:prstGeom prst="rect">
+            <a:avLst/>
+          </a:prstGeom>
+        </p:spPr>
+        <p:txBody>
+          <a:bodyPr vert="horz" lIns="91440" tIns="45720" rIns="91440" bIns="45720" rtlCol="0" anchor="ctr"/>
+          <a:lstStyle>
+            <a:defPPr>
+              <a:defRPr lang="en-US"/>
+            </a:defPPr>
+            <a:lvl1pPr marL="0" algn="l" defTabSz="457200" rtl="0" eaLnBrk="1" latinLnBrk="0" hangingPunct="1">
+              <a:defRPr sz="900" b="1" i="0" kern="1200">
+                <a:solidFill>
+                  <a:schemeClr val="tx1">
+                    <a:lumMod val="75000"/>
+                  </a:schemeClr>
+                </a:solidFill>
+                <a:effectLst>
+                  <a:outerShdw blurRad="50800" dist="38100" dir="2700000" algn="tl" rotWithShape="0">
+                    <a:srgbClr val="000000">
+                      <a:alpha val="43000"/>
+                    </a:srgbClr>
+                  </a:outerShdw>
+                </a:effectLst>
+                <a:latin typeface="+mn-lt"/>
+                <a:ea typeface="+mn-ea"/>
+                <a:cs typeface="+mn-cs"/>
+              </a:defRPr>
+            </a:lvl1pPr>
+            <a:lvl2pPr marL="457200" algn="l" defTabSz="457200" rtl="0" eaLnBrk="1" latinLnBrk="0" hangingPunct="1">
+              <a:defRPr sz="1800" kern="1200">
+                <a:solidFill>
+                  <a:schemeClr val="tx1"/>
+                </a:solidFill>
+                <a:latin typeface="+mn-lt"/>
+                <a:ea typeface="+mn-ea"/>
+                <a:cs typeface="+mn-cs"/>
+              </a:defRPr>
+            </a:lvl2pPr>
+            <a:lvl3pPr marL="914400" algn="l" defTabSz="457200" rtl="0" eaLnBrk="1" latinLnBrk="0" hangingPunct="1">
+              <a:defRPr sz="1800" kern="1200">
+                <a:solidFill>
+                  <a:schemeClr val="tx1"/>
+                </a:solidFill>
+                <a:latin typeface="+mn-lt"/>
+                <a:ea typeface="+mn-ea"/>
+                <a:cs typeface="+mn-cs"/>
+              </a:defRPr>
+            </a:lvl3pPr>
+            <a:lvl4pPr marL="1371600" algn="l" defTabSz="457200" rtl="0" eaLnBrk="1" latinLnBrk="0" hangingPunct="1">
+              <a:defRPr sz="1800" kern="1200">
+                <a:solidFill>
+                  <a:schemeClr val="tx1"/>
+                </a:solidFill>
+                <a:latin typeface="+mn-lt"/>
+                <a:ea typeface="+mn-ea"/>
+                <a:cs typeface="+mn-cs"/>
+              </a:defRPr>
+            </a:lvl4pPr>
+            <a:lvl5pPr marL="1828800" algn="l" defTabSz="457200" rtl="0" eaLnBrk="1" latinLnBrk="0" hangingPunct="1">
+              <a:defRPr sz="1800" kern="1200">
+                <a:solidFill>
+                  <a:schemeClr val="tx1"/>
+                </a:solidFill>
+                <a:latin typeface="+mn-lt"/>
+                <a:ea typeface="+mn-ea"/>
+                <a:cs typeface="+mn-cs"/>
+              </a:defRPr>
+            </a:lvl5pPr>
+            <a:lvl6pPr marL="2286000" algn="l" defTabSz="457200" rtl="0" eaLnBrk="1" latinLnBrk="0" hangingPunct="1">
+              <a:defRPr sz="1800" kern="1200">
+                <a:solidFill>
+                  <a:schemeClr val="tx1"/>
+                </a:solidFill>
+                <a:latin typeface="+mn-lt"/>
+                <a:ea typeface="+mn-ea"/>
+                <a:cs typeface="+mn-cs"/>
+              </a:defRPr>
+            </a:lvl6pPr>
+            <a:lvl7pPr marL="2743200" algn="l" defTabSz="457200" rtl="0" eaLnBrk="1" latinLnBrk="0" hangingPunct="1">
+              <a:defRPr sz="1800" kern="1200">
+                <a:solidFill>
+                  <a:schemeClr val="tx1"/>
+                </a:solidFill>
+                <a:latin typeface="+mn-lt"/>
+                <a:ea typeface="+mn-ea"/>
+                <a:cs typeface="+mn-cs"/>
+              </a:defRPr>
+            </a:lvl7pPr>
+            <a:lvl8pPr marL="3200400" algn="l" defTabSz="457200" rtl="0" eaLnBrk="1" latinLnBrk="0" hangingPunct="1">
+              <a:defRPr sz="1800" kern="1200">
+                <a:solidFill>
+                  <a:schemeClr val="tx1"/>
+                </a:solidFill>
+                <a:latin typeface="+mn-lt"/>
+                <a:ea typeface="+mn-ea"/>
+                <a:cs typeface="+mn-cs"/>
+              </a:defRPr>
+            </a:lvl8pPr>
+            <a:lvl9pPr marL="3657600" algn="l" defTabSz="457200" rtl="0" eaLnBrk="1" latinLnBrk="0" hangingPunct="1">
+              <a:defRPr sz="1800" kern="1200">
+                <a:solidFill>
+                  <a:schemeClr val="tx1"/>
+                </a:solidFill>
+                <a:latin typeface="+mn-lt"/>
+                <a:ea typeface="+mn-ea"/>
+                <a:cs typeface="+mn-cs"/>
+              </a:defRPr>
+            </a:lvl9pPr>
+          </a:lstStyle>
+          <a:p>
+            <a:r>
+              <a:rPr lang="en-US"/>
+              <a:t>PasswordProtectionProgram - Group 28</a:t>
+            </a:r>
+            <a:endParaRPr lang="en-US" dirty="0"/>
+          </a:p>
+        </p:txBody>
+      </p:sp>
     </p:spTree>
     <p:extLst>
       <p:ext uri="{BB962C8B-B14F-4D97-AF65-F5344CB8AC3E}">
@@ -7012,6 +8566,414 @@
           </a:p>
         </p:txBody>
       </p:sp>
+      <p:pic>
+        <p:nvPicPr>
+          <p:cNvPr id="2" name="Picture 1">
+            <a:extLst>
+              <a:ext uri="{FF2B5EF4-FFF2-40B4-BE49-F238E27FC236}">
+                <a16:creationId xmlns:a16="http://schemas.microsoft.com/office/drawing/2014/main" id="{24BD287B-FBEF-4EC6-AC54-31F74148BF0B}"/>
+              </a:ext>
+            </a:extLst>
+          </p:cNvPr>
+          <p:cNvPicPr>
+            <a:picLocks noChangeAspect="1"/>
+          </p:cNvPicPr>
+          <p:nvPr/>
+        </p:nvPicPr>
+        <p:blipFill>
+          <a:blip r:embed="rId2"/>
+          <a:stretch>
+            <a:fillRect/>
+          </a:stretch>
+        </p:blipFill>
+        <p:spPr>
+          <a:xfrm>
+            <a:off x="6515100" y="1290299"/>
+            <a:ext cx="4133850" cy="1047750"/>
+          </a:xfrm>
+          <a:prstGeom prst="rect">
+            <a:avLst/>
+          </a:prstGeom>
+        </p:spPr>
+      </p:pic>
+      <p:pic>
+        <p:nvPicPr>
+          <p:cNvPr id="5" name="Picture 4">
+            <a:extLst>
+              <a:ext uri="{FF2B5EF4-FFF2-40B4-BE49-F238E27FC236}">
+                <a16:creationId xmlns:a16="http://schemas.microsoft.com/office/drawing/2014/main" id="{385B9B68-5DD6-40F6-9111-8C4F195ADEDC}"/>
+              </a:ext>
+            </a:extLst>
+          </p:cNvPr>
+          <p:cNvPicPr>
+            <a:picLocks noChangeAspect="1"/>
+          </p:cNvPicPr>
+          <p:nvPr/>
+        </p:nvPicPr>
+        <p:blipFill>
+          <a:blip r:embed="rId3">
+            <a:extLst>
+              <a:ext uri="{BEBA8EAE-BF5A-486C-A8C5-ECC9F3942E4B}">
+                <a14:imgProps xmlns:a14="http://schemas.microsoft.com/office/drawing/2010/main">
+                  <a14:imgLayer r:embed="rId4">
+                    <a14:imgEffect>
+                      <a14:brightnessContrast bright="-40000" contrast="40000"/>
+                    </a14:imgEffect>
+                  </a14:imgLayer>
+                </a14:imgProps>
+              </a:ext>
+            </a:extLst>
+          </a:blip>
+          <a:stretch>
+            <a:fillRect/>
+          </a:stretch>
+        </p:blipFill>
+        <p:spPr>
+          <a:xfrm>
+            <a:off x="4030972" y="4168162"/>
+            <a:ext cx="2465078" cy="1965938"/>
+          </a:xfrm>
+          <a:prstGeom prst="rect">
+            <a:avLst/>
+          </a:prstGeom>
+        </p:spPr>
+      </p:pic>
+      <p:pic>
+        <p:nvPicPr>
+          <p:cNvPr id="7" name="Picture 6">
+            <a:extLst>
+              <a:ext uri="{FF2B5EF4-FFF2-40B4-BE49-F238E27FC236}">
+                <a16:creationId xmlns:a16="http://schemas.microsoft.com/office/drawing/2014/main" id="{F8D5C356-3085-4DD7-B459-2883B23CEABB}"/>
+              </a:ext>
+            </a:extLst>
+          </p:cNvPr>
+          <p:cNvPicPr>
+            <a:picLocks noChangeAspect="1"/>
+          </p:cNvPicPr>
+          <p:nvPr/>
+        </p:nvPicPr>
+        <p:blipFill>
+          <a:blip r:embed="rId5">
+            <a:extLst>
+              <a:ext uri="{BEBA8EAE-BF5A-486C-A8C5-ECC9F3942E4B}">
+                <a14:imgProps xmlns:a14="http://schemas.microsoft.com/office/drawing/2010/main">
+                  <a14:imgLayer r:embed="rId6">
+                    <a14:imgEffect>
+                      <a14:brightnessContrast bright="-40000" contrast="40000"/>
+                    </a14:imgEffect>
+                  </a14:imgLayer>
+                </a14:imgProps>
+              </a:ext>
+            </a:extLst>
+          </a:blip>
+          <a:stretch>
+            <a:fillRect/>
+          </a:stretch>
+        </p:blipFill>
+        <p:spPr>
+          <a:xfrm>
+            <a:off x="6705909" y="4168163"/>
+            <a:ext cx="2465078" cy="1965937"/>
+          </a:xfrm>
+          <a:prstGeom prst="rect">
+            <a:avLst/>
+          </a:prstGeom>
+        </p:spPr>
+      </p:pic>
+      <p:pic>
+        <p:nvPicPr>
+          <p:cNvPr id="8" name="Picture 7">
+            <a:extLst>
+              <a:ext uri="{FF2B5EF4-FFF2-40B4-BE49-F238E27FC236}">
+                <a16:creationId xmlns:a16="http://schemas.microsoft.com/office/drawing/2014/main" id="{DE8E6E8C-D5BA-4437-B01B-D7681103434B}"/>
+              </a:ext>
+            </a:extLst>
+          </p:cNvPr>
+          <p:cNvPicPr>
+            <a:picLocks noChangeAspect="1"/>
+          </p:cNvPicPr>
+          <p:nvPr/>
+        </p:nvPicPr>
+        <p:blipFill>
+          <a:blip r:embed="rId7">
+            <a:extLst>
+              <a:ext uri="{BEBA8EAE-BF5A-486C-A8C5-ECC9F3942E4B}">
+                <a14:imgProps xmlns:a14="http://schemas.microsoft.com/office/drawing/2010/main">
+                  <a14:imgLayer r:embed="rId8">
+                    <a14:imgEffect>
+                      <a14:brightnessContrast bright="-40000" contrast="40000"/>
+                    </a14:imgEffect>
+                  </a14:imgLayer>
+                </a14:imgProps>
+              </a:ext>
+            </a:extLst>
+          </a:blip>
+          <a:stretch>
+            <a:fillRect/>
+          </a:stretch>
+        </p:blipFill>
+        <p:spPr>
+          <a:xfrm>
+            <a:off x="9351479" y="4168162"/>
+            <a:ext cx="2465078" cy="1965938"/>
+          </a:xfrm>
+          <a:prstGeom prst="rect">
+            <a:avLst/>
+          </a:prstGeom>
+        </p:spPr>
+      </p:pic>
+      <p:sp>
+        <p:nvSpPr>
+          <p:cNvPr id="9" name="TextBox 8">
+            <a:extLst>
+              <a:ext uri="{FF2B5EF4-FFF2-40B4-BE49-F238E27FC236}">
+                <a16:creationId xmlns:a16="http://schemas.microsoft.com/office/drawing/2014/main" id="{83B1C1B2-9009-4F4D-99B3-16C7FC2A9C2E}"/>
+              </a:ext>
+            </a:extLst>
+          </p:cNvPr>
+          <p:cNvSpPr txBox="1"/>
+          <p:nvPr/>
+        </p:nvSpPr>
+        <p:spPr>
+          <a:xfrm>
+            <a:off x="4215122" y="4293135"/>
+            <a:ext cx="1695450" cy="1015663"/>
+          </a:xfrm>
+          <a:prstGeom prst="rect">
+            <a:avLst/>
+          </a:prstGeom>
+          <a:noFill/>
+          <a:ln>
+            <a:noFill/>
+          </a:ln>
+        </p:spPr>
+        <p:txBody>
+          <a:bodyPr wrap="square" rtlCol="0">
+            <a:spAutoFit/>
+          </a:bodyPr>
+          <a:lstStyle/>
+          <a:p>
+            <a:r>
+              <a:rPr lang="en-CA" sz="6000" b="1" dirty="0"/>
+              <a:t>1</a:t>
+            </a:r>
+          </a:p>
+        </p:txBody>
+      </p:sp>
+      <p:sp>
+        <p:nvSpPr>
+          <p:cNvPr id="10" name="TextBox 9">
+            <a:extLst>
+              <a:ext uri="{FF2B5EF4-FFF2-40B4-BE49-F238E27FC236}">
+                <a16:creationId xmlns:a16="http://schemas.microsoft.com/office/drawing/2014/main" id="{AECE5CCD-8FCF-4E6F-ABD1-D07E7AA1BCB5}"/>
+              </a:ext>
+            </a:extLst>
+          </p:cNvPr>
+          <p:cNvSpPr txBox="1"/>
+          <p:nvPr/>
+        </p:nvSpPr>
+        <p:spPr>
+          <a:xfrm>
+            <a:off x="6844971" y="4293134"/>
+            <a:ext cx="1695450" cy="1015663"/>
+          </a:xfrm>
+          <a:prstGeom prst="rect">
+            <a:avLst/>
+          </a:prstGeom>
+          <a:noFill/>
+          <a:ln>
+            <a:noFill/>
+          </a:ln>
+        </p:spPr>
+        <p:txBody>
+          <a:bodyPr wrap="square" rtlCol="0">
+            <a:spAutoFit/>
+          </a:bodyPr>
+          <a:lstStyle/>
+          <a:p>
+            <a:r>
+              <a:rPr lang="en-CA" sz="6000" b="1" dirty="0"/>
+              <a:t>2</a:t>
+            </a:r>
+          </a:p>
+        </p:txBody>
+      </p:sp>
+      <p:sp>
+        <p:nvSpPr>
+          <p:cNvPr id="11" name="TextBox 10">
+            <a:extLst>
+              <a:ext uri="{FF2B5EF4-FFF2-40B4-BE49-F238E27FC236}">
+                <a16:creationId xmlns:a16="http://schemas.microsoft.com/office/drawing/2014/main" id="{D3DDAC2C-7760-4E58-B3CA-4954D417B726}"/>
+              </a:ext>
+            </a:extLst>
+          </p:cNvPr>
+          <p:cNvSpPr txBox="1"/>
+          <p:nvPr/>
+        </p:nvSpPr>
+        <p:spPr>
+          <a:xfrm>
+            <a:off x="9423709" y="4293133"/>
+            <a:ext cx="1695450" cy="1015663"/>
+          </a:xfrm>
+          <a:prstGeom prst="rect">
+            <a:avLst/>
+          </a:prstGeom>
+          <a:noFill/>
+          <a:ln>
+            <a:noFill/>
+          </a:ln>
+        </p:spPr>
+        <p:txBody>
+          <a:bodyPr wrap="square" rtlCol="0">
+            <a:spAutoFit/>
+          </a:bodyPr>
+          <a:lstStyle/>
+          <a:p>
+            <a:r>
+              <a:rPr lang="en-CA" sz="6000" b="1" dirty="0"/>
+              <a:t>3</a:t>
+            </a:r>
+          </a:p>
+        </p:txBody>
+      </p:sp>
+      <p:sp>
+        <p:nvSpPr>
+          <p:cNvPr id="13" name="Footer Placeholder 3">
+            <a:extLst>
+              <a:ext uri="{FF2B5EF4-FFF2-40B4-BE49-F238E27FC236}">
+                <a16:creationId xmlns:a16="http://schemas.microsoft.com/office/drawing/2014/main" id="{746C4647-A8F6-44A4-9A66-EE83C7F707D9}"/>
+              </a:ext>
+            </a:extLst>
+          </p:cNvPr>
+          <p:cNvSpPr txBox="1">
+            <a:spLocks/>
+          </p:cNvSpPr>
+          <p:nvPr/>
+        </p:nvSpPr>
+        <p:spPr>
+          <a:xfrm>
+            <a:off x="0" y="6510293"/>
+            <a:ext cx="7543800" cy="365125"/>
+          </a:xfrm>
+          <a:prstGeom prst="rect">
+            <a:avLst/>
+          </a:prstGeom>
+        </p:spPr>
+        <p:txBody>
+          <a:bodyPr vert="horz" lIns="91440" tIns="45720" rIns="91440" bIns="45720" rtlCol="0" anchor="ctr"/>
+          <a:lstStyle>
+            <a:defPPr>
+              <a:defRPr lang="en-US"/>
+            </a:defPPr>
+            <a:lvl1pPr marL="0" algn="l" defTabSz="457200" rtl="0" eaLnBrk="1" latinLnBrk="0" hangingPunct="1">
+              <a:defRPr sz="900" b="1" i="0" kern="1200">
+                <a:solidFill>
+                  <a:schemeClr val="tx1">
+                    <a:lumMod val="75000"/>
+                  </a:schemeClr>
+                </a:solidFill>
+                <a:effectLst>
+                  <a:outerShdw blurRad="50800" dist="38100" dir="2700000" algn="tl" rotWithShape="0">
+                    <a:srgbClr val="000000">
+                      <a:alpha val="43000"/>
+                    </a:srgbClr>
+                  </a:outerShdw>
+                </a:effectLst>
+                <a:latin typeface="+mn-lt"/>
+                <a:ea typeface="+mn-ea"/>
+                <a:cs typeface="+mn-cs"/>
+              </a:defRPr>
+            </a:lvl1pPr>
+            <a:lvl2pPr marL="457200" algn="l" defTabSz="457200" rtl="0" eaLnBrk="1" latinLnBrk="0" hangingPunct="1">
+              <a:defRPr sz="1800" kern="1200">
+                <a:solidFill>
+                  <a:schemeClr val="tx1"/>
+                </a:solidFill>
+                <a:latin typeface="+mn-lt"/>
+                <a:ea typeface="+mn-ea"/>
+                <a:cs typeface="+mn-cs"/>
+              </a:defRPr>
+            </a:lvl2pPr>
+            <a:lvl3pPr marL="914400" algn="l" defTabSz="457200" rtl="0" eaLnBrk="1" latinLnBrk="0" hangingPunct="1">
+              <a:defRPr sz="1800" kern="1200">
+                <a:solidFill>
+                  <a:schemeClr val="tx1"/>
+                </a:solidFill>
+                <a:latin typeface="+mn-lt"/>
+                <a:ea typeface="+mn-ea"/>
+                <a:cs typeface="+mn-cs"/>
+              </a:defRPr>
+            </a:lvl3pPr>
+            <a:lvl4pPr marL="1371600" algn="l" defTabSz="457200" rtl="0" eaLnBrk="1" latinLnBrk="0" hangingPunct="1">
+              <a:defRPr sz="1800" kern="1200">
+                <a:solidFill>
+                  <a:schemeClr val="tx1"/>
+                </a:solidFill>
+                <a:latin typeface="+mn-lt"/>
+                <a:ea typeface="+mn-ea"/>
+                <a:cs typeface="+mn-cs"/>
+              </a:defRPr>
+            </a:lvl4pPr>
+            <a:lvl5pPr marL="1828800" algn="l" defTabSz="457200" rtl="0" eaLnBrk="1" latinLnBrk="0" hangingPunct="1">
+              <a:defRPr sz="1800" kern="1200">
+                <a:solidFill>
+                  <a:schemeClr val="tx1"/>
+                </a:solidFill>
+                <a:latin typeface="+mn-lt"/>
+                <a:ea typeface="+mn-ea"/>
+                <a:cs typeface="+mn-cs"/>
+              </a:defRPr>
+            </a:lvl5pPr>
+            <a:lvl6pPr marL="2286000" algn="l" defTabSz="457200" rtl="0" eaLnBrk="1" latinLnBrk="0" hangingPunct="1">
+              <a:defRPr sz="1800" kern="1200">
+                <a:solidFill>
+                  <a:schemeClr val="tx1"/>
+                </a:solidFill>
+                <a:latin typeface="+mn-lt"/>
+                <a:ea typeface="+mn-ea"/>
+                <a:cs typeface="+mn-cs"/>
+              </a:defRPr>
+            </a:lvl6pPr>
+            <a:lvl7pPr marL="2743200" algn="l" defTabSz="457200" rtl="0" eaLnBrk="1" latinLnBrk="0" hangingPunct="1">
+              <a:defRPr sz="1800" kern="1200">
+                <a:solidFill>
+                  <a:schemeClr val="tx1"/>
+                </a:solidFill>
+                <a:latin typeface="+mn-lt"/>
+                <a:ea typeface="+mn-ea"/>
+                <a:cs typeface="+mn-cs"/>
+              </a:defRPr>
+            </a:lvl7pPr>
+            <a:lvl8pPr marL="3200400" algn="l" defTabSz="457200" rtl="0" eaLnBrk="1" latinLnBrk="0" hangingPunct="1">
+              <a:defRPr sz="1800" kern="1200">
+                <a:solidFill>
+                  <a:schemeClr val="tx1"/>
+                </a:solidFill>
+                <a:latin typeface="+mn-lt"/>
+                <a:ea typeface="+mn-ea"/>
+                <a:cs typeface="+mn-cs"/>
+              </a:defRPr>
+            </a:lvl8pPr>
+            <a:lvl9pPr marL="3657600" algn="l" defTabSz="457200" rtl="0" eaLnBrk="1" latinLnBrk="0" hangingPunct="1">
+              <a:defRPr sz="1800" kern="1200">
+                <a:solidFill>
+                  <a:schemeClr val="tx1"/>
+                </a:solidFill>
+                <a:latin typeface="+mn-lt"/>
+                <a:ea typeface="+mn-ea"/>
+                <a:cs typeface="+mn-cs"/>
+              </a:defRPr>
+            </a:lvl9pPr>
+          </a:lstStyle>
+          <a:p>
+            <a:r>
+              <a:rPr lang="en-US"/>
+              <a:t>PasswordProtectionProgram - Group 28</a:t>
+            </a:r>
+            <a:endParaRPr lang="en-US" dirty="0"/>
+          </a:p>
+        </p:txBody>
+      </p:sp>
     </p:spTree>
     <p:extLst>
       <p:ext uri="{BB962C8B-B14F-4D97-AF65-F5344CB8AC3E}">
@@ -7150,6 +9112,144 @@
           </a:p>
         </p:txBody>
       </p:sp>
+      <p:sp>
+        <p:nvSpPr>
+          <p:cNvPr id="5" name="Footer Placeholder 3">
+            <a:extLst>
+              <a:ext uri="{FF2B5EF4-FFF2-40B4-BE49-F238E27FC236}">
+                <a16:creationId xmlns:a16="http://schemas.microsoft.com/office/drawing/2014/main" id="{0A8F94A6-2A7D-4712-B8FB-95C2ABF7B162}"/>
+              </a:ext>
+            </a:extLst>
+          </p:cNvPr>
+          <p:cNvSpPr txBox="1">
+            <a:spLocks/>
+          </p:cNvSpPr>
+          <p:nvPr/>
+        </p:nvSpPr>
+        <p:spPr>
+          <a:xfrm>
+            <a:off x="0" y="6510293"/>
+            <a:ext cx="7543800" cy="365125"/>
+          </a:xfrm>
+          <a:prstGeom prst="rect">
+            <a:avLst/>
+          </a:prstGeom>
+        </p:spPr>
+        <p:txBody>
+          <a:bodyPr vert="horz" lIns="91440" tIns="45720" rIns="91440" bIns="45720" rtlCol="0" anchor="ctr"/>
+          <a:lstStyle>
+            <a:defPPr>
+              <a:defRPr lang="en-US"/>
+            </a:defPPr>
+            <a:lvl1pPr marL="0" algn="l" defTabSz="457200" rtl="0" eaLnBrk="1" latinLnBrk="0" hangingPunct="1">
+              <a:defRPr sz="900" b="1" i="0" kern="1200">
+                <a:solidFill>
+                  <a:schemeClr val="tx1">
+                    <a:lumMod val="75000"/>
+                  </a:schemeClr>
+                </a:solidFill>
+                <a:effectLst>
+                  <a:outerShdw blurRad="50800" dist="38100" dir="2700000" algn="tl" rotWithShape="0">
+                    <a:srgbClr val="000000">
+                      <a:alpha val="43000"/>
+                    </a:srgbClr>
+                  </a:outerShdw>
+                </a:effectLst>
+                <a:latin typeface="+mn-lt"/>
+                <a:ea typeface="+mn-ea"/>
+                <a:cs typeface="+mn-cs"/>
+              </a:defRPr>
+            </a:lvl1pPr>
+            <a:lvl2pPr marL="457200" algn="l" defTabSz="457200" rtl="0" eaLnBrk="1" latinLnBrk="0" hangingPunct="1">
+              <a:defRPr sz="1800" kern="1200">
+                <a:solidFill>
+                  <a:schemeClr val="tx1"/>
+                </a:solidFill>
+                <a:latin typeface="+mn-lt"/>
+                <a:ea typeface="+mn-ea"/>
+                <a:cs typeface="+mn-cs"/>
+              </a:defRPr>
+            </a:lvl2pPr>
+            <a:lvl3pPr marL="914400" algn="l" defTabSz="457200" rtl="0" eaLnBrk="1" latinLnBrk="0" hangingPunct="1">
+              <a:defRPr sz="1800" kern="1200">
+                <a:solidFill>
+                  <a:schemeClr val="tx1"/>
+                </a:solidFill>
+                <a:latin typeface="+mn-lt"/>
+                <a:ea typeface="+mn-ea"/>
+                <a:cs typeface="+mn-cs"/>
+              </a:defRPr>
+            </a:lvl3pPr>
+            <a:lvl4pPr marL="1371600" algn="l" defTabSz="457200" rtl="0" eaLnBrk="1" latinLnBrk="0" hangingPunct="1">
+              <a:defRPr sz="1800" kern="1200">
+                <a:solidFill>
+                  <a:schemeClr val="tx1"/>
+                </a:solidFill>
+                <a:latin typeface="+mn-lt"/>
+                <a:ea typeface="+mn-ea"/>
+                <a:cs typeface="+mn-cs"/>
+              </a:defRPr>
+            </a:lvl4pPr>
+            <a:lvl5pPr marL="1828800" algn="l" defTabSz="457200" rtl="0" eaLnBrk="1" latinLnBrk="0" hangingPunct="1">
+              <a:defRPr sz="1800" kern="1200">
+                <a:solidFill>
+                  <a:schemeClr val="tx1"/>
+                </a:solidFill>
+                <a:latin typeface="+mn-lt"/>
+                <a:ea typeface="+mn-ea"/>
+                <a:cs typeface="+mn-cs"/>
+              </a:defRPr>
+            </a:lvl5pPr>
+            <a:lvl6pPr marL="2286000" algn="l" defTabSz="457200" rtl="0" eaLnBrk="1" latinLnBrk="0" hangingPunct="1">
+              <a:defRPr sz="1800" kern="1200">
+                <a:solidFill>
+                  <a:schemeClr val="tx1"/>
+                </a:solidFill>
+                <a:latin typeface="+mn-lt"/>
+                <a:ea typeface="+mn-ea"/>
+                <a:cs typeface="+mn-cs"/>
+              </a:defRPr>
+            </a:lvl6pPr>
+            <a:lvl7pPr marL="2743200" algn="l" defTabSz="457200" rtl="0" eaLnBrk="1" latinLnBrk="0" hangingPunct="1">
+              <a:defRPr sz="1800" kern="1200">
+                <a:solidFill>
+                  <a:schemeClr val="tx1"/>
+                </a:solidFill>
+                <a:latin typeface="+mn-lt"/>
+                <a:ea typeface="+mn-ea"/>
+                <a:cs typeface="+mn-cs"/>
+              </a:defRPr>
+            </a:lvl7pPr>
+            <a:lvl8pPr marL="3200400" algn="l" defTabSz="457200" rtl="0" eaLnBrk="1" latinLnBrk="0" hangingPunct="1">
+              <a:defRPr sz="1800" kern="1200">
+                <a:solidFill>
+                  <a:schemeClr val="tx1"/>
+                </a:solidFill>
+                <a:latin typeface="+mn-lt"/>
+                <a:ea typeface="+mn-ea"/>
+                <a:cs typeface="+mn-cs"/>
+              </a:defRPr>
+            </a:lvl8pPr>
+            <a:lvl9pPr marL="3657600" algn="l" defTabSz="457200" rtl="0" eaLnBrk="1" latinLnBrk="0" hangingPunct="1">
+              <a:defRPr sz="1800" kern="1200">
+                <a:solidFill>
+                  <a:schemeClr val="tx1"/>
+                </a:solidFill>
+                <a:latin typeface="+mn-lt"/>
+                <a:ea typeface="+mn-ea"/>
+                <a:cs typeface="+mn-cs"/>
+              </a:defRPr>
+            </a:lvl9pPr>
+          </a:lstStyle>
+          <a:p>
+            <a:r>
+              <a:rPr lang="en-US"/>
+              <a:t>PasswordProtectionProgram - Group 28</a:t>
+            </a:r>
+            <a:endParaRPr lang="en-US" dirty="0"/>
+          </a:p>
+        </p:txBody>
+      </p:sp>
     </p:spTree>
     <p:extLst>
       <p:ext uri="{BB962C8B-B14F-4D97-AF65-F5344CB8AC3E}">
@@ -7237,11 +9337,48 @@
         </p:blipFill>
         <p:spPr>
           <a:xfrm>
-            <a:off x="1730477" y="1336596"/>
+            <a:off x="1730477" y="1301760"/>
             <a:ext cx="8731045" cy="5304402"/>
           </a:xfrm>
         </p:spPr>
       </p:pic>
+      <p:sp>
+        <p:nvSpPr>
+          <p:cNvPr id="6" name="Footer Placeholder 3">
+            <a:extLst>
+              <a:ext uri="{FF2B5EF4-FFF2-40B4-BE49-F238E27FC236}">
+                <a16:creationId xmlns:a16="http://schemas.microsoft.com/office/drawing/2014/main" id="{672E9F98-7692-4FDB-BD93-AEFAC155037D}"/>
+              </a:ext>
+            </a:extLst>
+          </p:cNvPr>
+          <p:cNvSpPr>
+            <a:spLocks noGrp="1"/>
+          </p:cNvSpPr>
+          <p:nvPr>
+            <p:ph type="ftr" sz="quarter" idx="11"/>
+          </p:nvPr>
+        </p:nvSpPr>
+        <p:spPr>
+          <a:xfrm>
+            <a:off x="0" y="6510293"/>
+            <a:ext cx="7543800" cy="365125"/>
+          </a:xfrm>
+        </p:spPr>
+        <p:txBody>
+          <a:bodyPr/>
+          <a:lstStyle/>
+          <a:p>
+            <a:r>
+              <a:rPr lang="en-US" dirty="0" err="1"/>
+              <a:t>PasswordProtectionProgram</a:t>
+            </a:r>
+            <a:r>
+              <a:rPr lang="en-US" dirty="0"/>
+              <a:t> - Group 28</a:t>
+            </a:r>
+          </a:p>
+        </p:txBody>
+      </p:sp>
     </p:spTree>
     <p:extLst>
       <p:ext uri="{BB962C8B-B14F-4D97-AF65-F5344CB8AC3E}">
@@ -7509,4 +9646,299 @@
     </a:ext>
   </a:extLst>
 </a:theme>
+</file>
+
+<file path=ppt/theme/theme2.xml><?xml version="1.0" encoding="utf-8"?>
+<a:theme xmlns:a="http://schemas.openxmlformats.org/drawingml/2006/main" name="Office Theme">
+  <a:themeElements>
+    <a:clrScheme name="Office">
+      <a:dk1>
+        <a:sysClr val="windowText" lastClr="000000"/>
+      </a:dk1>
+      <a:lt1>
+        <a:sysClr val="window" lastClr="FFFFFF"/>
+      </a:lt1>
+      <a:dk2>
+        <a:srgbClr val="44546A"/>
+      </a:dk2>
+      <a:lt2>
+        <a:srgbClr val="E7E6E6"/>
+      </a:lt2>
+      <a:accent1>
+        <a:srgbClr val="4472C4"/>
+      </a:accent1>
+      <a:accent2>
+        <a:srgbClr val="ED7D31"/>
+      </a:accent2>
+      <a:accent3>
+        <a:srgbClr val="A5A5A5"/>
+      </a:accent3>
+      <a:accent4>
+        <a:srgbClr val="FFC000"/>
+      </a:accent4>
+      <a:accent5>
+        <a:srgbClr val="5B9BD5"/>
+      </a:accent5>
+      <a:accent6>
+        <a:srgbClr val="70AD47"/>
+      </a:accent6>
+      <a:hlink>
+        <a:srgbClr val="0563C1"/>
+      </a:hlink>
+      <a:folHlink>
+        <a:srgbClr val="954F72"/>
+      </a:folHlink>
+    </a:clrScheme>
+    <a:fontScheme name="Office">
+      <a:majorFont>
+        <a:latin typeface="Calibri Light" panose="020F0302020204030204"/>
+        <a:ea typeface=""/>
+        <a:cs typeface=""/>
+        <a:font script="Jpan" typeface="游ゴシック Light"/>
+        <a:font script="Hang" typeface="맑은 고딕"/>
+        <a:font script="Hans" typeface="等线 Light"/>
+        <a:font script="Hant" typeface="新細明體"/>
+        <a:font script="Arab" typeface="Times New Roman"/>
+        <a:font script="Hebr" typeface="Times New Roman"/>
+        <a:font script="Thai" typeface="Angsana New"/>
+        <a:font script="Ethi" typeface="Nyala"/>
+        <a:font script="Beng" typeface="Vrinda"/>
+        <a:font script="Gujr" typeface="Shruti"/>
+        <a:font script="Khmr" typeface="MoolBoran"/>
+        <a:font script="Knda" typeface="Tunga"/>
+        <a:font script="Guru" typeface="Raavi"/>
+        <a:font script="Cans" typeface="Euphemia"/>
+        <a:font script="Cher" typeface="Plantagenet Cherokee"/>
+        <a:font script="Yiii" typeface="Microsoft Yi Baiti"/>
+        <a:font script="Tibt" typeface="Microsoft Himalaya"/>
+        <a:font script="Thaa" typeface="MV Boli"/>
+        <a:font script="Deva" typeface="Mangal"/>
+        <a:font script="Telu" typeface="Gautami"/>
+        <a:font script="Taml" typeface="Latha"/>
+        <a:font script="Syrc" typeface="Estrangelo Edessa"/>
+        <a:font script="Orya" typeface="Kalinga"/>
+        <a:font script="Mlym" typeface="Kartika"/>
+        <a:font script="Laoo" typeface="DokChampa"/>
+        <a:font script="Sinh" typeface="Iskoola Pota"/>
+        <a:font script="Mong" typeface="Mongolian Baiti"/>
+        <a:font script="Viet" typeface="Times New Roman"/>
+        <a:font script="Uigh" typeface="Microsoft Uighur"/>
+        <a:font script="Geor" typeface="Sylfaen"/>
+        <a:font script="Armn" typeface="Arial"/>
+        <a:font script="Bugi" typeface="Leelawadee UI"/>
+        <a:font script="Bopo" typeface="Microsoft JhengHei"/>
+        <a:font script="Java" typeface="Javanese Text"/>
+        <a:font script="Lisu" typeface="Segoe UI"/>
+        <a:font script="Mymr" typeface="Myanmar Text"/>
+        <a:font script="Nkoo" typeface="Ebrima"/>
+        <a:font script="Olck" typeface="Nirmala UI"/>
+        <a:font script="Osma" typeface="Ebrima"/>
+        <a:font script="Phag" typeface="Phagspa"/>
+        <a:font script="Syrn" typeface="Estrangelo Edessa"/>
+        <a:font script="Syrj" typeface="Estrangelo Edessa"/>
+        <a:font script="Syre" typeface="Estrangelo Edessa"/>
+        <a:font script="Sora" typeface="Nirmala UI"/>
+        <a:font script="Tale" typeface="Microsoft Tai Le"/>
+        <a:font script="Talu" typeface="Microsoft New Tai Lue"/>
+        <a:font script="Tfng" typeface="Ebrima"/>
+      </a:majorFont>
+      <a:minorFont>
+        <a:latin typeface="Calibri" panose="020F0502020204030204"/>
+        <a:ea typeface=""/>
+        <a:cs typeface=""/>
+        <a:font script="Jpan" typeface="游ゴシック"/>
+        <a:font script="Hang" typeface="맑은 고딕"/>
+        <a:font script="Hans" typeface="等线"/>
+        <a:font script="Hant" typeface="新細明體"/>
+        <a:font script="Arab" typeface="Arial"/>
+        <a:font script="Hebr" typeface="Arial"/>
+        <a:font script="Thai" typeface="Cordia New"/>
+        <a:font script="Ethi" typeface="Nyala"/>
+        <a:font script="Beng" typeface="Vrinda"/>
+        <a:font script="Gujr" typeface="Shruti"/>
+        <a:font script="Khmr" typeface="DaunPenh"/>
+        <a:font script="Knda" typeface="Tunga"/>
+        <a:font script="Guru" typeface="Raavi"/>
+        <a:font script="Cans" typeface="Euphemia"/>
+        <a:font script="Cher" typeface="Plantagenet Cherokee"/>
+        <a:font script="Yiii" typeface="Microsoft Yi Baiti"/>
+        <a:font script="Tibt" typeface="Microsoft Himalaya"/>
+        <a:font script="Thaa" typeface="MV Boli"/>
+        <a:font script="Deva" typeface="Mangal"/>
+        <a:font script="Telu" typeface="Gautami"/>
+        <a:font script="Taml" typeface="Latha"/>
+        <a:font script="Syrc" typeface="Estrangelo Edessa"/>
+        <a:font script="Orya" typeface="Kalinga"/>
+        <a:font script="Mlym" typeface="Kartika"/>
+        <a:font script="Laoo" typeface="DokChampa"/>
+        <a:font script="Sinh" typeface="Iskoola Pota"/>
+        <a:font script="Mong" typeface="Mongolian Baiti"/>
+        <a:font script="Viet" typeface="Arial"/>
+        <a:font script="Uigh" typeface="Microsoft Uighur"/>
+        <a:font script="Geor" typeface="Sylfaen"/>
+        <a:font script="Armn" typeface="Arial"/>
+        <a:font script="Bugi" typeface="Leelawadee UI"/>
+        <a:font script="Bopo" typeface="Microsoft JhengHei"/>
+        <a:font script="Java" typeface="Javanese Text"/>
+        <a:font script="Lisu" typeface="Segoe UI"/>
+        <a:font script="Mymr" typeface="Myanmar Text"/>
+        <a:font script="Nkoo" typeface="Ebrima"/>
+        <a:font script="Olck" typeface="Nirmala UI"/>
+        <a:font script="Osma" typeface="Ebrima"/>
+        <a:font script="Phag" typeface="Phagspa"/>
+        <a:font script="Syrn" typeface="Estrangelo Edessa"/>
+        <a:font script="Syrj" typeface="Estrangelo Edessa"/>
+        <a:font script="Syre" typeface="Estrangelo Edessa"/>
+        <a:font script="Sora" typeface="Nirmala UI"/>
+        <a:font script="Tale" typeface="Microsoft Tai Le"/>
+        <a:font script="Talu" typeface="Microsoft New Tai Lue"/>
+        <a:font script="Tfng" typeface="Ebrima"/>
+      </a:minorFont>
+    </a:fontScheme>
+    <a:fmtScheme name="Office">
+      <a:fillStyleLst>
+        <a:solidFill>
+          <a:schemeClr val="phClr"/>
+        </a:solidFill>
+        <a:gradFill rotWithShape="1">
+          <a:gsLst>
+            <a:gs pos="0">
+              <a:schemeClr val="phClr">
+                <a:lumMod val="110000"/>
+                <a:satMod val="105000"/>
+                <a:tint val="67000"/>
+              </a:schemeClr>
+            </a:gs>
+            <a:gs pos="50000">
+              <a:schemeClr val="phClr">
+                <a:lumMod val="105000"/>
+                <a:satMod val="103000"/>
+                <a:tint val="73000"/>
+              </a:schemeClr>
+            </a:gs>
+            <a:gs pos="100000">
+              <a:schemeClr val="phClr">
+                <a:lumMod val="105000"/>
+                <a:satMod val="109000"/>
+                <a:tint val="81000"/>
+              </a:schemeClr>
+            </a:gs>
+          </a:gsLst>
+          <a:lin ang="5400000" scaled="0"/>
+        </a:gradFill>
+        <a:gradFill rotWithShape="1">
+          <a:gsLst>
+            <a:gs pos="0">
+              <a:schemeClr val="phClr">
+                <a:satMod val="103000"/>
+                <a:lumMod val="102000"/>
+                <a:tint val="94000"/>
+              </a:schemeClr>
+            </a:gs>
+            <a:gs pos="50000">
+              <a:schemeClr val="phClr">
+                <a:satMod val="110000"/>
+                <a:lumMod val="100000"/>
+                <a:shade val="100000"/>
+              </a:schemeClr>
+            </a:gs>
+            <a:gs pos="100000">
+              <a:schemeClr val="phClr">
+                <a:lumMod val="99000"/>
+                <a:satMod val="120000"/>
+                <a:shade val="78000"/>
+              </a:schemeClr>
+            </a:gs>
+          </a:gsLst>
+          <a:lin ang="5400000" scaled="0"/>
+        </a:gradFill>
+      </a:fillStyleLst>
+      <a:lnStyleLst>
+        <a:ln w="6350" cap="flat" cmpd="sng" algn="ctr">
+          <a:solidFill>
+            <a:schemeClr val="phClr"/>
+          </a:solidFill>
+          <a:prstDash val="solid"/>
+          <a:miter lim="800000"/>
+        </a:ln>
+        <a:ln w="12700" cap="flat" cmpd="sng" algn="ctr">
+          <a:solidFill>
+            <a:schemeClr val="phClr"/>
+          </a:solidFill>
+          <a:prstDash val="solid"/>
+          <a:miter lim="800000"/>
+        </a:ln>
+        <a:ln w="19050" cap="flat" cmpd="sng" algn="ctr">
+          <a:solidFill>
+            <a:schemeClr val="phClr"/>
+          </a:solidFill>
+          <a:prstDash val="solid"/>
+          <a:miter lim="800000"/>
+        </a:ln>
+      </a:lnStyleLst>
+      <a:effectStyleLst>
+        <a:effectStyle>
+          <a:effectLst/>
+        </a:effectStyle>
+        <a:effectStyle>
+          <a:effectLst/>
+        </a:effectStyle>
+        <a:effectStyle>
+          <a:effectLst>
+            <a:outerShdw blurRad="57150" dist="19050" dir="5400000" algn="ctr" rotWithShape="0">
+              <a:srgbClr val="000000">
+                <a:alpha val="63000"/>
+              </a:srgbClr>
+            </a:outerShdw>
+          </a:effectLst>
+        </a:effectStyle>
+      </a:effectStyleLst>
+      <a:bgFillStyleLst>
+        <a:solidFill>
+          <a:schemeClr val="phClr"/>
+        </a:solidFill>
+        <a:solidFill>
+          <a:schemeClr val="phClr">
+            <a:tint val="95000"/>
+            <a:satMod val="170000"/>
+          </a:schemeClr>
+        </a:solidFill>
+        <a:gradFill rotWithShape="1">
+          <a:gsLst>
+            <a:gs pos="0">
+              <a:schemeClr val="phClr">
+                <a:tint val="93000"/>
+                <a:satMod val="150000"/>
+                <a:shade val="98000"/>
+                <a:lumMod val="102000"/>
+              </a:schemeClr>
+            </a:gs>
+            <a:gs pos="50000">
+              <a:schemeClr val="phClr">
+                <a:tint val="98000"/>
+                <a:satMod val="130000"/>
+                <a:shade val="90000"/>
+                <a:lumMod val="103000"/>
+              </a:schemeClr>
+            </a:gs>
+            <a:gs pos="100000">
+              <a:schemeClr val="phClr">
+                <a:shade val="63000"/>
+                <a:satMod val="120000"/>
+              </a:schemeClr>
+            </a:gs>
+          </a:gsLst>
+          <a:lin ang="5400000" scaled="0"/>
+        </a:gradFill>
+      </a:bgFillStyleLst>
+    </a:fmtScheme>
+  </a:themeElements>
+  <a:objectDefaults/>
+  <a:extraClrSchemeLst/>
+  <a:extLst>
+    <a:ext uri="{05A4C25C-085E-4340-85A3-A5531E510DB2}">
+      <thm15:themeFamily xmlns:thm15="http://schemas.microsoft.com/office/thememl/2012/main" name="Office Theme" id="{62F939B6-93AF-4DB8-9C6B-D6C7DFDC589F}" vid="{4A3C46E8-61CC-4603-A589-7422A47A8E4A}"/>
+    </a:ext>
+  </a:extLst>
+</a:theme>
 </file>